--- a/Negatyw.pptx
+++ b/Negatyw.pptx
@@ -111,7 +111,1204 @@
       </a:defRPr>
     </a:lvl9pPr>
   </p:defaultTextStyle>
+  <p:extLst>
+    <p:ext uri="{EFAFB233-063F-42B5-8137-9DF3F51BA10A}">
+      <p15:sldGuideLst xmlns:p15="http://schemas.microsoft.com/office/powerpoint/2012/main"/>
+    </p:ext>
+  </p:extLst>
 </p:presentation>
+</file>
+
+<file path=ppt/charts/chart1.xml><?xml version="1.0" encoding="utf-8"?>
+<c:chartSpace xmlns:c="http://schemas.openxmlformats.org/drawingml/2006/chart" xmlns:a="http://schemas.openxmlformats.org/drawingml/2006/main" xmlns:r="http://schemas.openxmlformats.org/officeDocument/2006/relationships" xmlns:c16r2="http://schemas.microsoft.com/office/drawing/2015/06/chart">
+  <c:date1904 val="0"/>
+  <c:lang val="pl-PL"/>
+  <c:roundedCorners val="0"/>
+  <mc:AlternateContent xmlns:mc="http://schemas.openxmlformats.org/markup-compatibility/2006">
+    <mc:Choice xmlns:c14="http://schemas.microsoft.com/office/drawing/2007/8/2/chart" Requires="c14">
+      <c14:style val="102"/>
+    </mc:Choice>
+    <mc:Fallback>
+      <c:style val="2"/>
+    </mc:Fallback>
+  </mc:AlternateContent>
+  <c:chart>
+    <c:title>
+      <c:tx>
+        <c:rich>
+          <a:bodyPr rot="0" spcFirstLastPara="1" vertOverflow="ellipsis" vert="horz" wrap="square" anchor="ctr" anchorCtr="1"/>
+          <a:lstStyle/>
+          <a:p>
+            <a:pPr>
+              <a:defRPr sz="1400" b="0" i="0" u="none" strike="noStrike" kern="1200" spc="0" baseline="0">
+                <a:solidFill>
+                  <a:schemeClr val="tx1">
+                    <a:lumMod val="65000"/>
+                    <a:lumOff val="35000"/>
+                  </a:schemeClr>
+                </a:solidFill>
+                <a:latin typeface="+mn-lt"/>
+                <a:ea typeface="+mn-ea"/>
+                <a:cs typeface="+mn-cs"/>
+              </a:defRPr>
+            </a:pPr>
+            <a:r>
+              <a:rPr lang="pl-PL"/>
+              <a:t>Wykres</a:t>
+            </a:r>
+            <a:r>
+              <a:rPr lang="pl-PL" baseline="0"/>
+              <a:t> zależoności czasu przetwarzania od ilości wątków</a:t>
+            </a:r>
+            <a:endParaRPr lang="pl-PL"/>
+          </a:p>
+        </c:rich>
+      </c:tx>
+      <c:overlay val="0"/>
+      <c:spPr>
+        <a:noFill/>
+        <a:ln>
+          <a:noFill/>
+        </a:ln>
+        <a:effectLst/>
+      </c:spPr>
+      <c:txPr>
+        <a:bodyPr rot="0" spcFirstLastPara="1" vertOverflow="ellipsis" vert="horz" wrap="square" anchor="ctr" anchorCtr="1"/>
+        <a:lstStyle/>
+        <a:p>
+          <a:pPr>
+            <a:defRPr sz="1400" b="0" i="0" u="none" strike="noStrike" kern="1200" spc="0" baseline="0">
+              <a:solidFill>
+                <a:schemeClr val="tx1">
+                  <a:lumMod val="65000"/>
+                  <a:lumOff val="35000"/>
+                </a:schemeClr>
+              </a:solidFill>
+              <a:latin typeface="+mn-lt"/>
+              <a:ea typeface="+mn-ea"/>
+              <a:cs typeface="+mn-cs"/>
+            </a:defRPr>
+          </a:pPr>
+          <a:endParaRPr lang="pl-PL"/>
+        </a:p>
+      </c:txPr>
+    </c:title>
+    <c:autoTitleDeleted val="0"/>
+    <c:plotArea>
+      <c:layout/>
+      <c:lineChart>
+        <c:grouping val="standard"/>
+        <c:varyColors val="0"/>
+        <c:ser>
+          <c:idx val="0"/>
+          <c:order val="0"/>
+          <c:tx>
+            <c:strRef>
+              <c:f>Arkusz1!$B$1</c:f>
+              <c:strCache>
+                <c:ptCount val="1"/>
+                <c:pt idx="0">
+                  <c:v>C++</c:v>
+                </c:pt>
+              </c:strCache>
+            </c:strRef>
+          </c:tx>
+          <c:spPr>
+            <a:ln w="28575" cap="rnd">
+              <a:solidFill>
+                <a:schemeClr val="accent1"/>
+              </a:solidFill>
+              <a:round/>
+            </a:ln>
+            <a:effectLst/>
+          </c:spPr>
+          <c:marker>
+            <c:symbol val="none"/>
+          </c:marker>
+          <c:cat>
+            <c:numRef>
+              <c:f>Arkusz1!$A$2:$A$22</c:f>
+              <c:numCache>
+                <c:formatCode>General</c:formatCode>
+                <c:ptCount val="21"/>
+                <c:pt idx="0">
+                  <c:v>1</c:v>
+                </c:pt>
+                <c:pt idx="1">
+                  <c:v>2</c:v>
+                </c:pt>
+                <c:pt idx="2">
+                  <c:v>3</c:v>
+                </c:pt>
+                <c:pt idx="3">
+                  <c:v>4</c:v>
+                </c:pt>
+                <c:pt idx="4">
+                  <c:v>5</c:v>
+                </c:pt>
+                <c:pt idx="5">
+                  <c:v>6</c:v>
+                </c:pt>
+                <c:pt idx="6">
+                  <c:v>7</c:v>
+                </c:pt>
+                <c:pt idx="7">
+                  <c:v>8</c:v>
+                </c:pt>
+                <c:pt idx="8">
+                  <c:v>9</c:v>
+                </c:pt>
+                <c:pt idx="9">
+                  <c:v>10</c:v>
+                </c:pt>
+                <c:pt idx="10">
+                  <c:v>15</c:v>
+                </c:pt>
+                <c:pt idx="11">
+                  <c:v>20</c:v>
+                </c:pt>
+                <c:pt idx="12">
+                  <c:v>25</c:v>
+                </c:pt>
+                <c:pt idx="13">
+                  <c:v>30</c:v>
+                </c:pt>
+                <c:pt idx="14">
+                  <c:v>35</c:v>
+                </c:pt>
+                <c:pt idx="15">
+                  <c:v>40</c:v>
+                </c:pt>
+                <c:pt idx="16">
+                  <c:v>45</c:v>
+                </c:pt>
+                <c:pt idx="17">
+                  <c:v>50</c:v>
+                </c:pt>
+                <c:pt idx="18">
+                  <c:v>55</c:v>
+                </c:pt>
+                <c:pt idx="19">
+                  <c:v>60</c:v>
+                </c:pt>
+                <c:pt idx="20">
+                  <c:v>64</c:v>
+                </c:pt>
+              </c:numCache>
+            </c:numRef>
+          </c:cat>
+          <c:val>
+            <c:numRef>
+              <c:f>Arkusz1!$B$2:$B$22</c:f>
+              <c:numCache>
+                <c:formatCode>General</c:formatCode>
+                <c:ptCount val="21"/>
+                <c:pt idx="0">
+                  <c:v>34325</c:v>
+                </c:pt>
+                <c:pt idx="1">
+                  <c:v>17774</c:v>
+                </c:pt>
+                <c:pt idx="2">
+                  <c:v>16377</c:v>
+                </c:pt>
+                <c:pt idx="3">
+                  <c:v>22725</c:v>
+                </c:pt>
+                <c:pt idx="4">
+                  <c:v>22502</c:v>
+                </c:pt>
+                <c:pt idx="5">
+                  <c:v>21946</c:v>
+                </c:pt>
+                <c:pt idx="6">
+                  <c:v>26348</c:v>
+                </c:pt>
+                <c:pt idx="7">
+                  <c:v>29192</c:v>
+                </c:pt>
+                <c:pt idx="8">
+                  <c:v>28736</c:v>
+                </c:pt>
+                <c:pt idx="9">
+                  <c:v>34414</c:v>
+                </c:pt>
+                <c:pt idx="10">
+                  <c:v>43850</c:v>
+                </c:pt>
+                <c:pt idx="11">
+                  <c:v>58158</c:v>
+                </c:pt>
+                <c:pt idx="12">
+                  <c:v>93805</c:v>
+                </c:pt>
+                <c:pt idx="13">
+                  <c:v>100663</c:v>
+                </c:pt>
+                <c:pt idx="14">
+                  <c:v>118698</c:v>
+                </c:pt>
+                <c:pt idx="15">
+                  <c:v>123619</c:v>
+                </c:pt>
+                <c:pt idx="16">
+                  <c:v>128331</c:v>
+                </c:pt>
+                <c:pt idx="17">
+                  <c:v>157633</c:v>
+                </c:pt>
+                <c:pt idx="18">
+                  <c:v>177647</c:v>
+                </c:pt>
+                <c:pt idx="19">
+                  <c:v>178560</c:v>
+                </c:pt>
+                <c:pt idx="20">
+                  <c:v>178901</c:v>
+                </c:pt>
+              </c:numCache>
+            </c:numRef>
+          </c:val>
+          <c:smooth val="0"/>
+          <c:extLst>
+            <c:ext xmlns:c16="http://schemas.microsoft.com/office/drawing/2014/chart" uri="{C3380CC4-5D6E-409C-BE32-E72D297353CC}">
+              <c16:uniqueId val="{00000000-BED4-411A-8A77-BE9CF14FC28C}"/>
+            </c:ext>
+          </c:extLst>
+        </c:ser>
+        <c:ser>
+          <c:idx val="1"/>
+          <c:order val="1"/>
+          <c:tx>
+            <c:strRef>
+              <c:f>Arkusz1!$C$1</c:f>
+              <c:strCache>
+                <c:ptCount val="1"/>
+                <c:pt idx="0">
+                  <c:v>ASM</c:v>
+                </c:pt>
+              </c:strCache>
+            </c:strRef>
+          </c:tx>
+          <c:spPr>
+            <a:ln w="28575" cap="rnd">
+              <a:solidFill>
+                <a:schemeClr val="accent2"/>
+              </a:solidFill>
+              <a:round/>
+            </a:ln>
+            <a:effectLst/>
+          </c:spPr>
+          <c:marker>
+            <c:symbol val="none"/>
+          </c:marker>
+          <c:cat>
+            <c:numRef>
+              <c:f>Arkusz1!$A$2:$A$22</c:f>
+              <c:numCache>
+                <c:formatCode>General</c:formatCode>
+                <c:ptCount val="21"/>
+                <c:pt idx="0">
+                  <c:v>1</c:v>
+                </c:pt>
+                <c:pt idx="1">
+                  <c:v>2</c:v>
+                </c:pt>
+                <c:pt idx="2">
+                  <c:v>3</c:v>
+                </c:pt>
+                <c:pt idx="3">
+                  <c:v>4</c:v>
+                </c:pt>
+                <c:pt idx="4">
+                  <c:v>5</c:v>
+                </c:pt>
+                <c:pt idx="5">
+                  <c:v>6</c:v>
+                </c:pt>
+                <c:pt idx="6">
+                  <c:v>7</c:v>
+                </c:pt>
+                <c:pt idx="7">
+                  <c:v>8</c:v>
+                </c:pt>
+                <c:pt idx="8">
+                  <c:v>9</c:v>
+                </c:pt>
+                <c:pt idx="9">
+                  <c:v>10</c:v>
+                </c:pt>
+                <c:pt idx="10">
+                  <c:v>15</c:v>
+                </c:pt>
+                <c:pt idx="11">
+                  <c:v>20</c:v>
+                </c:pt>
+                <c:pt idx="12">
+                  <c:v>25</c:v>
+                </c:pt>
+                <c:pt idx="13">
+                  <c:v>30</c:v>
+                </c:pt>
+                <c:pt idx="14">
+                  <c:v>35</c:v>
+                </c:pt>
+                <c:pt idx="15">
+                  <c:v>40</c:v>
+                </c:pt>
+                <c:pt idx="16">
+                  <c:v>45</c:v>
+                </c:pt>
+                <c:pt idx="17">
+                  <c:v>50</c:v>
+                </c:pt>
+                <c:pt idx="18">
+                  <c:v>55</c:v>
+                </c:pt>
+                <c:pt idx="19">
+                  <c:v>60</c:v>
+                </c:pt>
+                <c:pt idx="20">
+                  <c:v>64</c:v>
+                </c:pt>
+              </c:numCache>
+            </c:numRef>
+          </c:cat>
+          <c:val>
+            <c:numRef>
+              <c:f>Arkusz1!$C$2:$C$22</c:f>
+              <c:numCache>
+                <c:formatCode>General</c:formatCode>
+                <c:ptCount val="21"/>
+                <c:pt idx="0">
+                  <c:v>38392</c:v>
+                </c:pt>
+                <c:pt idx="1">
+                  <c:v>12982</c:v>
+                </c:pt>
+                <c:pt idx="2">
+                  <c:v>27047</c:v>
+                </c:pt>
+                <c:pt idx="3">
+                  <c:v>30818</c:v>
+                </c:pt>
+                <c:pt idx="4">
+                  <c:v>33147</c:v>
+                </c:pt>
+                <c:pt idx="5">
+                  <c:v>33844</c:v>
+                </c:pt>
+                <c:pt idx="6">
+                  <c:v>50730</c:v>
+                </c:pt>
+                <c:pt idx="7">
+                  <c:v>36547</c:v>
+                </c:pt>
+                <c:pt idx="8">
+                  <c:v>31061</c:v>
+                </c:pt>
+                <c:pt idx="9">
+                  <c:v>48964</c:v>
+                </c:pt>
+                <c:pt idx="10">
+                  <c:v>50611</c:v>
+                </c:pt>
+                <c:pt idx="11">
+                  <c:v>49433</c:v>
+                </c:pt>
+                <c:pt idx="12">
+                  <c:v>97350</c:v>
+                </c:pt>
+                <c:pt idx="13">
+                  <c:v>99748</c:v>
+                </c:pt>
+                <c:pt idx="14">
+                  <c:v>135168</c:v>
+                </c:pt>
+                <c:pt idx="15">
+                  <c:v>148489</c:v>
+                </c:pt>
+                <c:pt idx="16">
+                  <c:v>272300</c:v>
+                </c:pt>
+                <c:pt idx="17">
+                  <c:v>279472</c:v>
+                </c:pt>
+                <c:pt idx="18">
+                  <c:v>369525</c:v>
+                </c:pt>
+                <c:pt idx="19">
+                  <c:v>391747</c:v>
+                </c:pt>
+                <c:pt idx="20">
+                  <c:v>534487</c:v>
+                </c:pt>
+              </c:numCache>
+            </c:numRef>
+          </c:val>
+          <c:smooth val="0"/>
+          <c:extLst>
+            <c:ext xmlns:c16="http://schemas.microsoft.com/office/drawing/2014/chart" uri="{C3380CC4-5D6E-409C-BE32-E72D297353CC}">
+              <c16:uniqueId val="{00000001-BED4-411A-8A77-BE9CF14FC28C}"/>
+            </c:ext>
+          </c:extLst>
+        </c:ser>
+        <c:dLbls>
+          <c:showLegendKey val="0"/>
+          <c:showVal val="0"/>
+          <c:showCatName val="0"/>
+          <c:showSerName val="0"/>
+          <c:showPercent val="0"/>
+          <c:showBubbleSize val="0"/>
+        </c:dLbls>
+        <c:smooth val="0"/>
+        <c:axId val="548101136"/>
+        <c:axId val="548102120"/>
+      </c:lineChart>
+      <c:catAx>
+        <c:axId val="548101136"/>
+        <c:scaling>
+          <c:orientation val="minMax"/>
+        </c:scaling>
+        <c:delete val="0"/>
+        <c:axPos val="b"/>
+        <c:numFmt formatCode="General" sourceLinked="1"/>
+        <c:majorTickMark val="none"/>
+        <c:minorTickMark val="none"/>
+        <c:tickLblPos val="nextTo"/>
+        <c:spPr>
+          <a:noFill/>
+          <a:ln w="9525" cap="flat" cmpd="sng" algn="ctr">
+            <a:solidFill>
+              <a:schemeClr val="tx1">
+                <a:lumMod val="15000"/>
+                <a:lumOff val="85000"/>
+              </a:schemeClr>
+            </a:solidFill>
+            <a:round/>
+          </a:ln>
+          <a:effectLst/>
+        </c:spPr>
+        <c:txPr>
+          <a:bodyPr rot="-60000000" spcFirstLastPara="1" vertOverflow="ellipsis" vert="horz" wrap="square" anchor="ctr" anchorCtr="1"/>
+          <a:lstStyle/>
+          <a:p>
+            <a:pPr>
+              <a:defRPr sz="900" b="0" i="0" u="none" strike="noStrike" kern="1200" baseline="0">
+                <a:solidFill>
+                  <a:schemeClr val="tx1">
+                    <a:lumMod val="65000"/>
+                    <a:lumOff val="35000"/>
+                  </a:schemeClr>
+                </a:solidFill>
+                <a:latin typeface="+mn-lt"/>
+                <a:ea typeface="+mn-ea"/>
+                <a:cs typeface="+mn-cs"/>
+              </a:defRPr>
+            </a:pPr>
+            <a:endParaRPr lang="pl-PL"/>
+          </a:p>
+        </c:txPr>
+        <c:crossAx val="548102120"/>
+        <c:crosses val="autoZero"/>
+        <c:auto val="1"/>
+        <c:lblAlgn val="ctr"/>
+        <c:lblOffset val="100"/>
+        <c:noMultiLvlLbl val="0"/>
+      </c:catAx>
+      <c:valAx>
+        <c:axId val="548102120"/>
+        <c:scaling>
+          <c:orientation val="minMax"/>
+        </c:scaling>
+        <c:delete val="0"/>
+        <c:axPos val="l"/>
+        <c:majorGridlines>
+          <c:spPr>
+            <a:ln w="9525" cap="flat" cmpd="sng" algn="ctr">
+              <a:solidFill>
+                <a:schemeClr val="tx1">
+                  <a:lumMod val="15000"/>
+                  <a:lumOff val="85000"/>
+                </a:schemeClr>
+              </a:solidFill>
+              <a:round/>
+            </a:ln>
+            <a:effectLst/>
+          </c:spPr>
+        </c:majorGridlines>
+        <c:numFmt formatCode="General" sourceLinked="1"/>
+        <c:majorTickMark val="none"/>
+        <c:minorTickMark val="none"/>
+        <c:tickLblPos val="nextTo"/>
+        <c:spPr>
+          <a:noFill/>
+          <a:ln>
+            <a:noFill/>
+          </a:ln>
+          <a:effectLst/>
+        </c:spPr>
+        <c:txPr>
+          <a:bodyPr rot="-60000000" spcFirstLastPara="1" vertOverflow="ellipsis" vert="horz" wrap="square" anchor="ctr" anchorCtr="1"/>
+          <a:lstStyle/>
+          <a:p>
+            <a:pPr>
+              <a:defRPr sz="900" b="0" i="0" u="none" strike="noStrike" kern="1200" baseline="0">
+                <a:solidFill>
+                  <a:schemeClr val="tx1">
+                    <a:lumMod val="65000"/>
+                    <a:lumOff val="35000"/>
+                  </a:schemeClr>
+                </a:solidFill>
+                <a:latin typeface="+mn-lt"/>
+                <a:ea typeface="+mn-ea"/>
+                <a:cs typeface="+mn-cs"/>
+              </a:defRPr>
+            </a:pPr>
+            <a:endParaRPr lang="pl-PL"/>
+          </a:p>
+        </c:txPr>
+        <c:crossAx val="548101136"/>
+        <c:crosses val="autoZero"/>
+        <c:crossBetween val="between"/>
+      </c:valAx>
+      <c:spPr>
+        <a:noFill/>
+        <a:ln>
+          <a:noFill/>
+        </a:ln>
+        <a:effectLst/>
+      </c:spPr>
+    </c:plotArea>
+    <c:legend>
+      <c:legendPos val="b"/>
+      <c:layout>
+        <c:manualLayout>
+          <c:xMode val="edge"/>
+          <c:yMode val="edge"/>
+          <c:x val="0.28499270924467773"/>
+          <c:y val="0.9092257217847769"/>
+          <c:w val="0.21888907115777195"/>
+          <c:h val="6.6964754405699295E-2"/>
+        </c:manualLayout>
+      </c:layout>
+      <c:overlay val="0"/>
+      <c:spPr>
+        <a:noFill/>
+        <a:ln>
+          <a:noFill/>
+        </a:ln>
+        <a:effectLst/>
+      </c:spPr>
+      <c:txPr>
+        <a:bodyPr rot="0" spcFirstLastPara="1" vertOverflow="ellipsis" vert="horz" wrap="square" anchor="ctr" anchorCtr="1"/>
+        <a:lstStyle/>
+        <a:p>
+          <a:pPr>
+            <a:defRPr sz="900" b="0" i="0" u="none" strike="noStrike" kern="1200" baseline="0">
+              <a:solidFill>
+                <a:schemeClr val="tx1">
+                  <a:lumMod val="65000"/>
+                  <a:lumOff val="35000"/>
+                </a:schemeClr>
+              </a:solidFill>
+              <a:latin typeface="+mn-lt"/>
+              <a:ea typeface="+mn-ea"/>
+              <a:cs typeface="+mn-cs"/>
+            </a:defRPr>
+          </a:pPr>
+          <a:endParaRPr lang="pl-PL"/>
+        </a:p>
+      </c:txPr>
+    </c:legend>
+    <c:plotVisOnly val="1"/>
+    <c:dispBlanksAs val="gap"/>
+    <c:extLst>
+      <c:ext xmlns:c16r3="http://schemas.microsoft.com/office/drawing/2017/03/chart" uri="{56B9EC1D-385E-4148-901F-78D8002777C0}">
+        <c16r3:dataDisplayOptions16>
+          <c16r3:dispNaAsBlank val="1"/>
+        </c16r3:dataDisplayOptions16>
+      </c:ext>
+    </c:extLst>
+    <c:showDLblsOverMax val="0"/>
+  </c:chart>
+  <c:spPr>
+    <a:noFill/>
+    <a:ln>
+      <a:noFill/>
+    </a:ln>
+    <a:effectLst/>
+  </c:spPr>
+  <c:txPr>
+    <a:bodyPr/>
+    <a:lstStyle/>
+    <a:p>
+      <a:pPr>
+        <a:defRPr/>
+      </a:pPr>
+      <a:endParaRPr lang="pl-PL"/>
+    </a:p>
+  </c:txPr>
+  <c:externalData r:id="rId3">
+    <c:autoUpdate val="0"/>
+  </c:externalData>
+</c:chartSpace>
+</file>
+
+<file path=ppt/charts/colors1.xml><?xml version="1.0" encoding="utf-8"?>
+<cs:colorStyle xmlns:cs="http://schemas.microsoft.com/office/drawing/2012/chartStyle" xmlns:a="http://schemas.openxmlformats.org/drawingml/2006/main" meth="cycle" id="10">
+  <a:schemeClr val="accent1"/>
+  <a:schemeClr val="accent2"/>
+  <a:schemeClr val="accent3"/>
+  <a:schemeClr val="accent4"/>
+  <a:schemeClr val="accent5"/>
+  <a:schemeClr val="accent6"/>
+  <cs:variation/>
+  <cs:variation>
+    <a:lumMod val="60000"/>
+  </cs:variation>
+  <cs:variation>
+    <a:lumMod val="80000"/>
+    <a:lumOff val="20000"/>
+  </cs:variation>
+  <cs:variation>
+    <a:lumMod val="80000"/>
+  </cs:variation>
+  <cs:variation>
+    <a:lumMod val="60000"/>
+    <a:lumOff val="40000"/>
+  </cs:variation>
+  <cs:variation>
+    <a:lumMod val="50000"/>
+  </cs:variation>
+  <cs:variation>
+    <a:lumMod val="70000"/>
+    <a:lumOff val="30000"/>
+  </cs:variation>
+  <cs:variation>
+    <a:lumMod val="70000"/>
+  </cs:variation>
+  <cs:variation>
+    <a:lumMod val="50000"/>
+    <a:lumOff val="50000"/>
+  </cs:variation>
+</cs:colorStyle>
+</file>
+
+<file path=ppt/charts/style1.xml><?xml version="1.0" encoding="utf-8"?>
+<cs:chartStyle xmlns:cs="http://schemas.microsoft.com/office/drawing/2012/chartStyle" xmlns:a="http://schemas.openxmlformats.org/drawingml/2006/main" id="227">
+  <cs:axisTitle>
+    <cs:lnRef idx="0"/>
+    <cs:fillRef idx="0"/>
+    <cs:effectRef idx="0"/>
+    <cs:fontRef idx="minor">
+      <a:schemeClr val="tx1">
+        <a:lumMod val="65000"/>
+        <a:lumOff val="35000"/>
+      </a:schemeClr>
+    </cs:fontRef>
+    <cs:defRPr sz="1000" kern="1200"/>
+  </cs:axisTitle>
+  <cs:categoryAxis>
+    <cs:lnRef idx="0"/>
+    <cs:fillRef idx="0"/>
+    <cs:effectRef idx="0"/>
+    <cs:fontRef idx="minor">
+      <a:schemeClr val="tx1">
+        <a:lumMod val="65000"/>
+        <a:lumOff val="35000"/>
+      </a:schemeClr>
+    </cs:fontRef>
+    <cs:spPr>
+      <a:ln w="9525" cap="flat" cmpd="sng" algn="ctr">
+        <a:solidFill>
+          <a:schemeClr val="tx1">
+            <a:lumMod val="15000"/>
+            <a:lumOff val="85000"/>
+          </a:schemeClr>
+        </a:solidFill>
+        <a:round/>
+      </a:ln>
+    </cs:spPr>
+    <cs:defRPr sz="900" kern="1200"/>
+  </cs:categoryAxis>
+  <cs:chartArea mods="allowNoFillOverride allowNoLineOverride">
+    <cs:lnRef idx="0"/>
+    <cs:fillRef idx="0"/>
+    <cs:effectRef idx="0"/>
+    <cs:fontRef idx="minor">
+      <a:schemeClr val="tx1"/>
+    </cs:fontRef>
+    <cs:spPr>
+      <a:solidFill>
+        <a:schemeClr val="bg1"/>
+      </a:solidFill>
+      <a:ln w="9525" cap="flat" cmpd="sng" algn="ctr">
+        <a:solidFill>
+          <a:schemeClr val="tx1">
+            <a:lumMod val="15000"/>
+            <a:lumOff val="85000"/>
+          </a:schemeClr>
+        </a:solidFill>
+        <a:round/>
+      </a:ln>
+    </cs:spPr>
+    <cs:defRPr sz="1000" kern="1200"/>
+  </cs:chartArea>
+  <cs:dataLabel>
+    <cs:lnRef idx="0"/>
+    <cs:fillRef idx="0"/>
+    <cs:effectRef idx="0"/>
+    <cs:fontRef idx="minor">
+      <a:schemeClr val="tx1">
+        <a:lumMod val="75000"/>
+        <a:lumOff val="25000"/>
+      </a:schemeClr>
+    </cs:fontRef>
+    <cs:defRPr sz="900" kern="1200"/>
+  </cs:dataLabel>
+  <cs:dataLabelCallout>
+    <cs:lnRef idx="0"/>
+    <cs:fillRef idx="0"/>
+    <cs:effectRef idx="0"/>
+    <cs:fontRef idx="minor">
+      <a:schemeClr val="dk1">
+        <a:lumMod val="65000"/>
+        <a:lumOff val="35000"/>
+      </a:schemeClr>
+    </cs:fontRef>
+    <cs:spPr>
+      <a:solidFill>
+        <a:schemeClr val="lt1"/>
+      </a:solidFill>
+      <a:ln>
+        <a:solidFill>
+          <a:schemeClr val="dk1">
+            <a:lumMod val="25000"/>
+            <a:lumOff val="75000"/>
+          </a:schemeClr>
+        </a:solidFill>
+      </a:ln>
+    </cs:spPr>
+    <cs:defRPr sz="900" kern="1200"/>
+    <cs:bodyPr rot="0" spcFirstLastPara="1" vertOverflow="clip" horzOverflow="clip" vert="horz" wrap="square" lIns="36576" tIns="18288" rIns="36576" bIns="18288" anchor="ctr" anchorCtr="1">
+      <a:spAutoFit/>
+    </cs:bodyPr>
+  </cs:dataLabelCallout>
+  <cs:dataPoint>
+    <cs:lnRef idx="0"/>
+    <cs:fillRef idx="1">
+      <cs:styleClr val="auto"/>
+    </cs:fillRef>
+    <cs:effectRef idx="0"/>
+    <cs:fontRef idx="minor">
+      <a:schemeClr val="tx1"/>
+    </cs:fontRef>
+    <cs:spPr>
+      <a:solidFill>
+        <a:schemeClr val="phClr"/>
+      </a:solidFill>
+    </cs:spPr>
+  </cs:dataPoint>
+  <cs:dataPoint3D>
+    <cs:lnRef idx="0"/>
+    <cs:fillRef idx="1">
+      <cs:styleClr val="auto"/>
+    </cs:fillRef>
+    <cs:effectRef idx="0"/>
+    <cs:fontRef idx="minor">
+      <a:schemeClr val="tx1"/>
+    </cs:fontRef>
+    <cs:spPr>
+      <a:solidFill>
+        <a:schemeClr val="phClr"/>
+      </a:solidFill>
+    </cs:spPr>
+  </cs:dataPoint3D>
+  <cs:dataPointLine>
+    <cs:lnRef idx="0">
+      <cs:styleClr val="auto"/>
+    </cs:lnRef>
+    <cs:fillRef idx="1"/>
+    <cs:effectRef idx="0"/>
+    <cs:fontRef idx="minor">
+      <a:schemeClr val="tx1"/>
+    </cs:fontRef>
+    <cs:spPr>
+      <a:ln w="28575" cap="rnd">
+        <a:solidFill>
+          <a:schemeClr val="phClr"/>
+        </a:solidFill>
+        <a:round/>
+      </a:ln>
+    </cs:spPr>
+  </cs:dataPointLine>
+  <cs:dataPointMarker>
+    <cs:lnRef idx="0">
+      <cs:styleClr val="auto"/>
+    </cs:lnRef>
+    <cs:fillRef idx="1">
+      <cs:styleClr val="auto"/>
+    </cs:fillRef>
+    <cs:effectRef idx="0"/>
+    <cs:fontRef idx="minor">
+      <a:schemeClr val="tx1"/>
+    </cs:fontRef>
+    <cs:spPr>
+      <a:solidFill>
+        <a:schemeClr val="phClr"/>
+      </a:solidFill>
+      <a:ln w="9525">
+        <a:solidFill>
+          <a:schemeClr val="phClr"/>
+        </a:solidFill>
+      </a:ln>
+    </cs:spPr>
+  </cs:dataPointMarker>
+  <cs:dataPointMarkerLayout symbol="circle" size="5"/>
+  <cs:dataPointWireframe>
+    <cs:lnRef idx="0">
+      <cs:styleClr val="auto"/>
+    </cs:lnRef>
+    <cs:fillRef idx="1"/>
+    <cs:effectRef idx="0"/>
+    <cs:fontRef idx="minor">
+      <a:schemeClr val="tx1"/>
+    </cs:fontRef>
+    <cs:spPr>
+      <a:ln w="9525" cap="rnd">
+        <a:solidFill>
+          <a:schemeClr val="phClr"/>
+        </a:solidFill>
+        <a:round/>
+      </a:ln>
+    </cs:spPr>
+  </cs:dataPointWireframe>
+  <cs:dataTable>
+    <cs:lnRef idx="0"/>
+    <cs:fillRef idx="0"/>
+    <cs:effectRef idx="0"/>
+    <cs:fontRef idx="minor">
+      <a:schemeClr val="tx1">
+        <a:lumMod val="65000"/>
+        <a:lumOff val="35000"/>
+      </a:schemeClr>
+    </cs:fontRef>
+    <cs:spPr>
+      <a:noFill/>
+      <a:ln w="9525" cap="flat" cmpd="sng" algn="ctr">
+        <a:solidFill>
+          <a:schemeClr val="tx1">
+            <a:lumMod val="15000"/>
+            <a:lumOff val="85000"/>
+          </a:schemeClr>
+        </a:solidFill>
+        <a:round/>
+      </a:ln>
+    </cs:spPr>
+    <cs:defRPr sz="900" kern="1200"/>
+  </cs:dataTable>
+  <cs:downBar>
+    <cs:lnRef idx="0"/>
+    <cs:fillRef idx="0"/>
+    <cs:effectRef idx="0"/>
+    <cs:fontRef idx="minor">
+      <a:schemeClr val="dk1"/>
+    </cs:fontRef>
+    <cs:spPr>
+      <a:solidFill>
+        <a:schemeClr val="dk1">
+          <a:lumMod val="65000"/>
+          <a:lumOff val="35000"/>
+        </a:schemeClr>
+      </a:solidFill>
+      <a:ln w="9525">
+        <a:solidFill>
+          <a:schemeClr val="tx1">
+            <a:lumMod val="65000"/>
+            <a:lumOff val="35000"/>
+          </a:schemeClr>
+        </a:solidFill>
+      </a:ln>
+    </cs:spPr>
+  </cs:downBar>
+  <cs:dropLine>
+    <cs:lnRef idx="0"/>
+    <cs:fillRef idx="0"/>
+    <cs:effectRef idx="0"/>
+    <cs:fontRef idx="minor">
+      <a:schemeClr val="tx1"/>
+    </cs:fontRef>
+    <cs:spPr>
+      <a:ln w="9525" cap="flat" cmpd="sng" algn="ctr">
+        <a:solidFill>
+          <a:schemeClr val="tx1">
+            <a:lumMod val="35000"/>
+            <a:lumOff val="65000"/>
+          </a:schemeClr>
+        </a:solidFill>
+        <a:round/>
+      </a:ln>
+    </cs:spPr>
+  </cs:dropLine>
+  <cs:errorBar>
+    <cs:lnRef idx="0"/>
+    <cs:fillRef idx="0"/>
+    <cs:effectRef idx="0"/>
+    <cs:fontRef idx="minor">
+      <a:schemeClr val="tx1"/>
+    </cs:fontRef>
+    <cs:spPr>
+      <a:ln w="9525" cap="flat" cmpd="sng" algn="ctr">
+        <a:solidFill>
+          <a:schemeClr val="tx1">
+            <a:lumMod val="65000"/>
+            <a:lumOff val="35000"/>
+          </a:schemeClr>
+        </a:solidFill>
+        <a:round/>
+      </a:ln>
+    </cs:spPr>
+  </cs:errorBar>
+  <cs:floor>
+    <cs:lnRef idx="0"/>
+    <cs:fillRef idx="0"/>
+    <cs:effectRef idx="0"/>
+    <cs:fontRef idx="minor">
+      <a:schemeClr val="tx1"/>
+    </cs:fontRef>
+    <cs:spPr>
+      <a:noFill/>
+      <a:ln>
+        <a:noFill/>
+      </a:ln>
+    </cs:spPr>
+  </cs:floor>
+  <cs:gridlineMajor>
+    <cs:lnRef idx="0"/>
+    <cs:fillRef idx="0"/>
+    <cs:effectRef idx="0"/>
+    <cs:fontRef idx="minor">
+      <a:schemeClr val="tx1"/>
+    </cs:fontRef>
+    <cs:spPr>
+      <a:ln w="9525" cap="flat" cmpd="sng" algn="ctr">
+        <a:solidFill>
+          <a:schemeClr val="tx1">
+            <a:lumMod val="15000"/>
+            <a:lumOff val="85000"/>
+          </a:schemeClr>
+        </a:solidFill>
+        <a:round/>
+      </a:ln>
+    </cs:spPr>
+  </cs:gridlineMajor>
+  <cs:gridlineMinor>
+    <cs:lnRef idx="0"/>
+    <cs:fillRef idx="0"/>
+    <cs:effectRef idx="0"/>
+    <cs:fontRef idx="minor">
+      <a:schemeClr val="tx1"/>
+    </cs:fontRef>
+    <cs:spPr>
+      <a:ln w="9525" cap="flat" cmpd="sng" algn="ctr">
+        <a:solidFill>
+          <a:schemeClr val="tx1">
+            <a:lumMod val="5000"/>
+            <a:lumOff val="95000"/>
+          </a:schemeClr>
+        </a:solidFill>
+        <a:round/>
+      </a:ln>
+    </cs:spPr>
+  </cs:gridlineMinor>
+  <cs:hiLoLine>
+    <cs:lnRef idx="0"/>
+    <cs:fillRef idx="0"/>
+    <cs:effectRef idx="0"/>
+    <cs:fontRef idx="minor">
+      <a:schemeClr val="tx1"/>
+    </cs:fontRef>
+    <cs:spPr>
+      <a:ln w="9525" cap="flat" cmpd="sng" algn="ctr">
+        <a:solidFill>
+          <a:schemeClr val="tx1">
+            <a:lumMod val="75000"/>
+            <a:lumOff val="25000"/>
+          </a:schemeClr>
+        </a:solidFill>
+        <a:round/>
+      </a:ln>
+    </cs:spPr>
+  </cs:hiLoLine>
+  <cs:leaderLine>
+    <cs:lnRef idx="0"/>
+    <cs:fillRef idx="0"/>
+    <cs:effectRef idx="0"/>
+    <cs:fontRef idx="minor">
+      <a:schemeClr val="tx1"/>
+    </cs:fontRef>
+    <cs:spPr>
+      <a:ln w="9525" cap="flat" cmpd="sng" algn="ctr">
+        <a:solidFill>
+          <a:schemeClr val="tx1">
+            <a:lumMod val="35000"/>
+            <a:lumOff val="65000"/>
+          </a:schemeClr>
+        </a:solidFill>
+        <a:round/>
+      </a:ln>
+    </cs:spPr>
+  </cs:leaderLine>
+  <cs:legend>
+    <cs:lnRef idx="0"/>
+    <cs:fillRef idx="0"/>
+    <cs:effectRef idx="0"/>
+    <cs:fontRef idx="minor">
+      <a:schemeClr val="tx1">
+        <a:lumMod val="65000"/>
+        <a:lumOff val="35000"/>
+      </a:schemeClr>
+    </cs:fontRef>
+    <cs:defRPr sz="900" kern="1200"/>
+  </cs:legend>
+  <cs:plotArea mods="allowNoFillOverride allowNoLineOverride">
+    <cs:lnRef idx="0"/>
+    <cs:fillRef idx="0"/>
+    <cs:effectRef idx="0"/>
+    <cs:fontRef idx="minor">
+      <a:schemeClr val="tx1"/>
+    </cs:fontRef>
+  </cs:plotArea>
+  <cs:plotArea3D mods="allowNoFillOverride allowNoLineOverride">
+    <cs:lnRef idx="0"/>
+    <cs:fillRef idx="0"/>
+    <cs:effectRef idx="0"/>
+    <cs:fontRef idx="minor">
+      <a:schemeClr val="tx1"/>
+    </cs:fontRef>
+  </cs:plotArea3D>
+  <cs:seriesAxis>
+    <cs:lnRef idx="0"/>
+    <cs:fillRef idx="0"/>
+    <cs:effectRef idx="0"/>
+    <cs:fontRef idx="minor">
+      <a:schemeClr val="tx1">
+        <a:lumMod val="65000"/>
+        <a:lumOff val="35000"/>
+      </a:schemeClr>
+    </cs:fontRef>
+    <cs:defRPr sz="900" kern="1200"/>
+  </cs:seriesAxis>
+  <cs:seriesLine>
+    <cs:lnRef idx="0"/>
+    <cs:fillRef idx="0"/>
+    <cs:effectRef idx="0"/>
+    <cs:fontRef idx="minor">
+      <a:schemeClr val="tx1"/>
+    </cs:fontRef>
+    <cs:spPr>
+      <a:ln w="9525" cap="flat" cmpd="sng" algn="ctr">
+        <a:solidFill>
+          <a:schemeClr val="tx1">
+            <a:lumMod val="35000"/>
+            <a:lumOff val="65000"/>
+          </a:schemeClr>
+        </a:solidFill>
+        <a:round/>
+      </a:ln>
+    </cs:spPr>
+  </cs:seriesLine>
+  <cs:title>
+    <cs:lnRef idx="0"/>
+    <cs:fillRef idx="0"/>
+    <cs:effectRef idx="0"/>
+    <cs:fontRef idx="minor">
+      <a:schemeClr val="tx1">
+        <a:lumMod val="65000"/>
+        <a:lumOff val="35000"/>
+      </a:schemeClr>
+    </cs:fontRef>
+    <cs:defRPr sz="1400" b="0" kern="1200" spc="0" baseline="0"/>
+  </cs:title>
+  <cs:trendline>
+    <cs:lnRef idx="0">
+      <cs:styleClr val="auto"/>
+    </cs:lnRef>
+    <cs:fillRef idx="0"/>
+    <cs:effectRef idx="0"/>
+    <cs:fontRef idx="minor">
+      <a:schemeClr val="tx1"/>
+    </cs:fontRef>
+    <cs:spPr>
+      <a:ln w="19050" cap="rnd">
+        <a:solidFill>
+          <a:schemeClr val="phClr"/>
+        </a:solidFill>
+        <a:prstDash val="sysDot"/>
+      </a:ln>
+    </cs:spPr>
+  </cs:trendline>
+  <cs:trendlineLabel>
+    <cs:lnRef idx="0"/>
+    <cs:fillRef idx="0"/>
+    <cs:effectRef idx="0"/>
+    <cs:fontRef idx="minor">
+      <a:schemeClr val="tx1">
+        <a:lumMod val="65000"/>
+        <a:lumOff val="35000"/>
+      </a:schemeClr>
+    </cs:fontRef>
+    <cs:defRPr sz="900" kern="1200"/>
+  </cs:trendlineLabel>
+  <cs:upBar>
+    <cs:lnRef idx="0"/>
+    <cs:fillRef idx="0"/>
+    <cs:effectRef idx="0"/>
+    <cs:fontRef idx="minor">
+      <a:schemeClr val="dk1"/>
+    </cs:fontRef>
+    <cs:spPr>
+      <a:solidFill>
+        <a:schemeClr val="lt1"/>
+      </a:solidFill>
+      <a:ln w="9525">
+        <a:solidFill>
+          <a:schemeClr val="tx1">
+            <a:lumMod val="15000"/>
+            <a:lumOff val="85000"/>
+          </a:schemeClr>
+        </a:solidFill>
+      </a:ln>
+    </cs:spPr>
+  </cs:upBar>
+  <cs:valueAxis>
+    <cs:lnRef idx="0"/>
+    <cs:fillRef idx="0"/>
+    <cs:effectRef idx="0"/>
+    <cs:fontRef idx="minor">
+      <a:schemeClr val="tx1">
+        <a:lumMod val="65000"/>
+        <a:lumOff val="35000"/>
+      </a:schemeClr>
+    </cs:fontRef>
+    <cs:defRPr sz="900" kern="1200"/>
+  </cs:valueAxis>
+  <cs:wall>
+    <cs:lnRef idx="0"/>
+    <cs:fillRef idx="0"/>
+    <cs:effectRef idx="0"/>
+    <cs:fontRef idx="minor">
+      <a:schemeClr val="tx1"/>
+    </cs:fontRef>
+    <cs:spPr>
+      <a:noFill/>
+      <a:ln>
+        <a:noFill/>
+      </a:ln>
+    </cs:spPr>
+  </cs:wall>
+</cs:chartStyle>
 </file>
 
 <file path=ppt/slideLayouts/slideLayout1.xml><?xml version="1.0" encoding="utf-8"?>
@@ -284,7 +1481,7 @@
           <a:p>
             <a:fld id="{48A87A34-81AB-432B-8DAE-1953F412C126}" type="datetimeFigureOut">
               <a:rPr lang="en-US" dirty="0"/>
-              <a:t>11/28/2019</a:t>
+              <a:t>11/29/2019</a:t>
             </a:fld>
             <a:endParaRPr lang="en-US" dirty="0"/>
           </a:p>
@@ -546,7 +1743,7 @@
           <a:p>
             <a:fld id="{48A87A34-81AB-432B-8DAE-1953F412C126}" type="datetimeFigureOut">
               <a:rPr lang="en-US" dirty="0"/>
-              <a:t>11/28/2019</a:t>
+              <a:t>11/29/2019</a:t>
             </a:fld>
             <a:endParaRPr lang="en-US" dirty="0"/>
           </a:p>
@@ -773,7 +1970,7 @@
             <a:fld id="{48A87A34-81AB-432B-8DAE-1953F412C126}" type="datetimeFigureOut">
               <a:rPr lang="en-US" dirty="0"/>
               <a:pPr/>
-              <a:t>11/28/2019</a:t>
+              <a:t>11/29/2019</a:t>
             </a:fld>
             <a:endParaRPr lang="en-US" dirty="0"/>
           </a:p>
@@ -1079,7 +2276,7 @@
             <a:fld id="{48A87A34-81AB-432B-8DAE-1953F412C126}" type="datetimeFigureOut">
               <a:rPr lang="en-US" dirty="0"/>
               <a:pPr/>
-              <a:t>11/28/2019</a:t>
+              <a:t>11/29/2019</a:t>
             </a:fld>
             <a:endParaRPr lang="en-US" dirty="0"/>
           </a:p>
@@ -1548,7 +2745,7 @@
             <a:fld id="{48A87A34-81AB-432B-8DAE-1953F412C126}" type="datetimeFigureOut">
               <a:rPr lang="en-US" dirty="0"/>
               <a:pPr/>
-              <a:t>11/28/2019</a:t>
+              <a:t>11/29/2019</a:t>
             </a:fld>
             <a:endParaRPr lang="en-US" dirty="0"/>
           </a:p>
@@ -2090,7 +3287,7 @@
           <a:p>
             <a:fld id="{48A87A34-81AB-432B-8DAE-1953F412C126}" type="datetimeFigureOut">
               <a:rPr lang="en-US" dirty="0"/>
-              <a:t>11/28/2019</a:t>
+              <a:t>11/29/2019</a:t>
             </a:fld>
             <a:endParaRPr lang="en-US" dirty="0"/>
           </a:p>
@@ -2859,7 +4056,7 @@
           <a:p>
             <a:fld id="{48A87A34-81AB-432B-8DAE-1953F412C126}" type="datetimeFigureOut">
               <a:rPr lang="en-US" dirty="0"/>
-              <a:t>11/28/2019</a:t>
+              <a:t>11/29/2019</a:t>
             </a:fld>
             <a:endParaRPr lang="en-US" dirty="0"/>
           </a:p>
@@ -3029,7 +4226,7 @@
           <a:p>
             <a:fld id="{48A87A34-81AB-432B-8DAE-1953F412C126}" type="datetimeFigureOut">
               <a:rPr lang="en-US" dirty="0"/>
-              <a:t>11/28/2019</a:t>
+              <a:t>11/29/2019</a:t>
             </a:fld>
             <a:endParaRPr lang="en-US" dirty="0"/>
           </a:p>
@@ -3248,7 +4445,7 @@
             <a:fld id="{48A87A34-81AB-432B-8DAE-1953F412C126}" type="datetimeFigureOut">
               <a:rPr lang="en-US" dirty="0"/>
               <a:pPr/>
-              <a:t>11/28/2019</a:t>
+              <a:t>11/29/2019</a:t>
             </a:fld>
             <a:endParaRPr lang="en-US" dirty="0"/>
           </a:p>
@@ -3423,7 +4620,7 @@
           <a:p>
             <a:fld id="{48A87A34-81AB-432B-8DAE-1953F412C126}" type="datetimeFigureOut">
               <a:rPr lang="en-US" dirty="0"/>
-              <a:t>11/28/2019</a:t>
+              <a:t>11/29/2019</a:t>
             </a:fld>
             <a:endParaRPr lang="en-US" dirty="0"/>
           </a:p>
@@ -3708,7 +4905,7 @@
             <a:fld id="{48A87A34-81AB-432B-8DAE-1953F412C126}" type="datetimeFigureOut">
               <a:rPr lang="en-US" dirty="0"/>
               <a:pPr/>
-              <a:t>11/28/2019</a:t>
+              <a:t>11/29/2019</a:t>
             </a:fld>
             <a:endParaRPr lang="en-US" dirty="0"/>
           </a:p>
@@ -3945,7 +5142,7 @@
           <a:p>
             <a:fld id="{48A87A34-81AB-432B-8DAE-1953F412C126}" type="datetimeFigureOut">
               <a:rPr lang="en-US" dirty="0"/>
-              <a:t>11/28/2019</a:t>
+              <a:t>11/29/2019</a:t>
             </a:fld>
             <a:endParaRPr lang="en-US" dirty="0"/>
           </a:p>
@@ -4319,7 +5516,7 @@
           <a:p>
             <a:fld id="{48A87A34-81AB-432B-8DAE-1953F412C126}" type="datetimeFigureOut">
               <a:rPr lang="en-US" dirty="0"/>
-              <a:t>11/28/2019</a:t>
+              <a:t>11/29/2019</a:t>
             </a:fld>
             <a:endParaRPr lang="en-US" dirty="0"/>
           </a:p>
@@ -4432,7 +5629,7 @@
           <a:p>
             <a:fld id="{48A87A34-81AB-432B-8DAE-1953F412C126}" type="datetimeFigureOut">
               <a:rPr lang="en-US" dirty="0"/>
-              <a:t>11/28/2019</a:t>
+              <a:t>11/29/2019</a:t>
             </a:fld>
             <a:endParaRPr lang="en-US" dirty="0"/>
           </a:p>
@@ -4522,7 +5719,7 @@
           <a:p>
             <a:fld id="{48A87A34-81AB-432B-8DAE-1953F412C126}" type="datetimeFigureOut">
               <a:rPr lang="en-US" dirty="0"/>
-              <a:t>11/28/2019</a:t>
+              <a:t>11/29/2019</a:t>
             </a:fld>
             <a:endParaRPr lang="en-US" dirty="0"/>
           </a:p>
@@ -4766,7 +5963,7 @@
           <a:p>
             <a:fld id="{48A87A34-81AB-432B-8DAE-1953F412C126}" type="datetimeFigureOut">
               <a:rPr lang="en-US" dirty="0"/>
-              <a:t>11/28/2019</a:t>
+              <a:t>11/29/2019</a:t>
             </a:fld>
             <a:endParaRPr lang="en-US" dirty="0"/>
           </a:p>
@@ -5018,7 +6215,7 @@
           <a:p>
             <a:fld id="{48A87A34-81AB-432B-8DAE-1953F412C126}" type="datetimeFigureOut">
               <a:rPr lang="en-US" dirty="0"/>
-              <a:t>11/28/2019</a:t>
+              <a:t>11/29/2019</a:t>
             </a:fld>
             <a:endParaRPr lang="en-US" dirty="0"/>
           </a:p>
@@ -5257,7 +6454,7 @@
             <a:fld id="{48A87A34-81AB-432B-8DAE-1953F412C126}" type="datetimeFigureOut">
               <a:rPr lang="en-US" dirty="0"/>
               <a:pPr/>
-              <a:t>11/28/2019</a:t>
+              <a:t>11/29/2019</a:t>
             </a:fld>
             <a:endParaRPr lang="en-US" dirty="0"/>
           </a:p>
@@ -6623,7 +7820,12 @@
             <p:ph type="title"/>
           </p:nvPr>
         </p:nvSpPr>
-        <p:spPr/>
+        <p:spPr>
+          <a:xfrm>
+            <a:off x="2975499" y="366880"/>
+            <a:ext cx="8610600" cy="1293028"/>
+          </a:xfrm>
+        </p:spPr>
         <p:txBody>
           <a:bodyPr/>
           <a:lstStyle/>
@@ -6635,31 +7837,2160 @@
           </a:p>
         </p:txBody>
       </p:sp>
-      <p:sp>
-        <p:nvSpPr>
-          <p:cNvPr id="3" name="Symbol zastępczy zawartości 2">
+      <p:graphicFrame>
+        <p:nvGraphicFramePr>
+          <p:cNvPr id="4" name="Symbol zastępczy zawartości 3">
             <a:extLst>
               <a:ext uri="{FF2B5EF4-FFF2-40B4-BE49-F238E27FC236}">
-                <a16:creationId xmlns:a16="http://schemas.microsoft.com/office/drawing/2014/main" id="{750176EE-F34B-4EDB-BD88-9852A0F759A2}"/>
+                <a16:creationId xmlns:a16="http://schemas.microsoft.com/office/drawing/2014/main" id="{72D8179B-D0FC-4DA0-BD49-4694A90F77CC}"/>
               </a:ext>
             </a:extLst>
           </p:cNvPr>
-          <p:cNvSpPr>
-            <a:spLocks noGrp="1"/>
-          </p:cNvSpPr>
+          <p:cNvGraphicFramePr>
+            <a:graphicFrameLocks noGrp="1"/>
+          </p:cNvGraphicFramePr>
           <p:nvPr>
             <p:ph idx="1"/>
-          </p:nvPr>
-        </p:nvSpPr>
-        <p:spPr/>
-        <p:txBody>
-          <a:bodyPr/>
-          <a:lstStyle/>
-          <a:p>
-            <a:endParaRPr lang="pl-PL" dirty="0"/>
-          </a:p>
-        </p:txBody>
-      </p:sp>
+            <p:extLst>
+              <p:ext uri="{D42A27DB-BD31-4B8C-83A1-F6EECF244321}">
+                <p14:modId xmlns:p14="http://schemas.microsoft.com/office/powerpoint/2010/main" val="4033334584"/>
+              </p:ext>
+            </p:extLst>
+          </p:nvPr>
+        </p:nvGraphicFramePr>
+        <p:xfrm>
+          <a:off x="570391" y="1793290"/>
+          <a:ext cx="5037418" cy="4051316"/>
+        </p:xfrm>
+        <a:graphic>
+          <a:graphicData uri="http://schemas.openxmlformats.org/drawingml/2006/table">
+            <a:tbl>
+              <a:tblPr firstRow="1" firstCol="1" bandRow="1">
+                <a:tableStyleId>{5C22544A-7EE6-4342-B048-85BDC9FD1C3A}</a:tableStyleId>
+              </a:tblPr>
+              <a:tblGrid>
+                <a:gridCol w="1678769">
+                  <a:extLst>
+                    <a:ext uri="{9D8B030D-6E8A-4147-A177-3AD203B41FA5}">
+                      <a16:colId xmlns:a16="http://schemas.microsoft.com/office/drawing/2014/main" val="3778399658"/>
+                    </a:ext>
+                  </a:extLst>
+                </a:gridCol>
+                <a:gridCol w="1601940">
+                  <a:extLst>
+                    <a:ext uri="{9D8B030D-6E8A-4147-A177-3AD203B41FA5}">
+                      <a16:colId xmlns:a16="http://schemas.microsoft.com/office/drawing/2014/main" val="1747181766"/>
+                    </a:ext>
+                  </a:extLst>
+                </a:gridCol>
+                <a:gridCol w="1756709">
+                  <a:extLst>
+                    <a:ext uri="{9D8B030D-6E8A-4147-A177-3AD203B41FA5}">
+                      <a16:colId xmlns:a16="http://schemas.microsoft.com/office/drawing/2014/main" val="3135205181"/>
+                    </a:ext>
+                  </a:extLst>
+                </a:gridCol>
+              </a:tblGrid>
+              <a:tr h="184019">
+                <a:tc>
+                  <a:txBody>
+                    <a:bodyPr/>
+                    <a:lstStyle/>
+                    <a:p>
+                      <a:pPr>
+                        <a:lnSpc>
+                          <a:spcPct val="107000"/>
+                        </a:lnSpc>
+                        <a:spcAft>
+                          <a:spcPts val="0"/>
+                        </a:spcAft>
+                      </a:pPr>
+                      <a:r>
+                        <a:rPr lang="pl-PL" sz="1100">
+                          <a:effectLst/>
+                        </a:rPr>
+                        <a:t>Ilość wątków</a:t>
+                      </a:r>
+                      <a:endParaRPr lang="pl-PL" sz="1100">
+                        <a:effectLst/>
+                        <a:latin typeface="Calibri" panose="020F0502020204030204" pitchFamily="34" charset="0"/>
+                        <a:ea typeface="Calibri" panose="020F0502020204030204" pitchFamily="34" charset="0"/>
+                        <a:cs typeface="Times New Roman" panose="02020603050405020304" pitchFamily="18" charset="0"/>
+                      </a:endParaRPr>
+                    </a:p>
+                  </a:txBody>
+                  <a:tcPr marL="68580" marR="68580" marT="0" marB="0"/>
+                </a:tc>
+                <a:tc>
+                  <a:txBody>
+                    <a:bodyPr/>
+                    <a:lstStyle/>
+                    <a:p>
+                      <a:pPr>
+                        <a:lnSpc>
+                          <a:spcPct val="107000"/>
+                        </a:lnSpc>
+                        <a:spcAft>
+                          <a:spcPts val="0"/>
+                        </a:spcAft>
+                      </a:pPr>
+                      <a:r>
+                        <a:rPr lang="pl-PL" sz="1100" dirty="0">
+                          <a:effectLst/>
+                        </a:rPr>
+                        <a:t>C</a:t>
+                      </a:r>
+                      <a:endParaRPr lang="pl-PL" sz="1100" dirty="0">
+                        <a:effectLst/>
+                        <a:latin typeface="Calibri" panose="020F0502020204030204" pitchFamily="34" charset="0"/>
+                        <a:ea typeface="Calibri" panose="020F0502020204030204" pitchFamily="34" charset="0"/>
+                        <a:cs typeface="Times New Roman" panose="02020603050405020304" pitchFamily="18" charset="0"/>
+                      </a:endParaRPr>
+                    </a:p>
+                  </a:txBody>
+                  <a:tcPr marL="68580" marR="68580" marT="0" marB="0"/>
+                </a:tc>
+                <a:tc>
+                  <a:txBody>
+                    <a:bodyPr/>
+                    <a:lstStyle/>
+                    <a:p>
+                      <a:pPr>
+                        <a:lnSpc>
+                          <a:spcPct val="107000"/>
+                        </a:lnSpc>
+                        <a:spcAft>
+                          <a:spcPts val="0"/>
+                        </a:spcAft>
+                      </a:pPr>
+                      <a:r>
+                        <a:rPr lang="pl-PL" sz="1100" dirty="0">
+                          <a:effectLst/>
+                        </a:rPr>
+                        <a:t>ASM</a:t>
+                      </a:r>
+                      <a:endParaRPr lang="pl-PL" sz="1100" dirty="0">
+                        <a:effectLst/>
+                        <a:latin typeface="Calibri" panose="020F0502020204030204" pitchFamily="34" charset="0"/>
+                        <a:ea typeface="Calibri" panose="020F0502020204030204" pitchFamily="34" charset="0"/>
+                        <a:cs typeface="Times New Roman" panose="02020603050405020304" pitchFamily="18" charset="0"/>
+                      </a:endParaRPr>
+                    </a:p>
+                  </a:txBody>
+                  <a:tcPr marL="68580" marR="68580" marT="0" marB="0"/>
+                </a:tc>
+                <a:extLst>
+                  <a:ext uri="{0D108BD9-81ED-4DB2-BD59-A6C34878D82A}">
+                    <a16:rowId xmlns:a16="http://schemas.microsoft.com/office/drawing/2014/main" val="1317676610"/>
+                  </a:ext>
+                </a:extLst>
+              </a:tr>
+              <a:tr h="184157">
+                <a:tc>
+                  <a:txBody>
+                    <a:bodyPr/>
+                    <a:lstStyle/>
+                    <a:p>
+                      <a:pPr>
+                        <a:lnSpc>
+                          <a:spcPct val="107000"/>
+                        </a:lnSpc>
+                        <a:spcAft>
+                          <a:spcPts val="0"/>
+                        </a:spcAft>
+                      </a:pPr>
+                      <a:r>
+                        <a:rPr lang="pl-PL" sz="1100">
+                          <a:effectLst/>
+                        </a:rPr>
+                        <a:t>1</a:t>
+                      </a:r>
+                      <a:endParaRPr lang="pl-PL" sz="1100">
+                        <a:effectLst/>
+                        <a:latin typeface="Calibri" panose="020F0502020204030204" pitchFamily="34" charset="0"/>
+                        <a:ea typeface="Calibri" panose="020F0502020204030204" pitchFamily="34" charset="0"/>
+                        <a:cs typeface="Times New Roman" panose="02020603050405020304" pitchFamily="18" charset="0"/>
+                      </a:endParaRPr>
+                    </a:p>
+                  </a:txBody>
+                  <a:tcPr marL="68580" marR="68580" marT="0" marB="0"/>
+                </a:tc>
+                <a:tc>
+                  <a:txBody>
+                    <a:bodyPr/>
+                    <a:lstStyle/>
+                    <a:p>
+                      <a:pPr>
+                        <a:lnSpc>
+                          <a:spcPct val="107000"/>
+                        </a:lnSpc>
+                        <a:spcAft>
+                          <a:spcPts val="0"/>
+                        </a:spcAft>
+                      </a:pPr>
+                      <a:r>
+                        <a:rPr lang="pl-PL" sz="1100">
+                          <a:effectLst/>
+                        </a:rPr>
+                        <a:t>34325</a:t>
+                      </a:r>
+                      <a:endParaRPr lang="pl-PL" sz="1100">
+                        <a:effectLst/>
+                        <a:latin typeface="Calibri" panose="020F0502020204030204" pitchFamily="34" charset="0"/>
+                        <a:ea typeface="Calibri" panose="020F0502020204030204" pitchFamily="34" charset="0"/>
+                        <a:cs typeface="Times New Roman" panose="02020603050405020304" pitchFamily="18" charset="0"/>
+                      </a:endParaRPr>
+                    </a:p>
+                  </a:txBody>
+                  <a:tcPr marL="68580" marR="68580" marT="0" marB="0"/>
+                </a:tc>
+                <a:tc>
+                  <a:txBody>
+                    <a:bodyPr/>
+                    <a:lstStyle/>
+                    <a:p>
+                      <a:pPr>
+                        <a:lnSpc>
+                          <a:spcPct val="107000"/>
+                        </a:lnSpc>
+                        <a:spcAft>
+                          <a:spcPts val="0"/>
+                        </a:spcAft>
+                      </a:pPr>
+                      <a:r>
+                        <a:rPr lang="pl-PL" sz="1100">
+                          <a:effectLst/>
+                        </a:rPr>
+                        <a:t>38392</a:t>
+                      </a:r>
+                      <a:endParaRPr lang="pl-PL" sz="1100">
+                        <a:effectLst/>
+                        <a:latin typeface="Calibri" panose="020F0502020204030204" pitchFamily="34" charset="0"/>
+                        <a:ea typeface="Calibri" panose="020F0502020204030204" pitchFamily="34" charset="0"/>
+                        <a:cs typeface="Times New Roman" panose="02020603050405020304" pitchFamily="18" charset="0"/>
+                      </a:endParaRPr>
+                    </a:p>
+                  </a:txBody>
+                  <a:tcPr marL="68580" marR="68580" marT="0" marB="0"/>
+                </a:tc>
+                <a:extLst>
+                  <a:ext uri="{0D108BD9-81ED-4DB2-BD59-A6C34878D82A}">
+                    <a16:rowId xmlns:a16="http://schemas.microsoft.com/office/drawing/2014/main" val="885450358"/>
+                  </a:ext>
+                </a:extLst>
+              </a:tr>
+              <a:tr h="184157">
+                <a:tc>
+                  <a:txBody>
+                    <a:bodyPr/>
+                    <a:lstStyle/>
+                    <a:p>
+                      <a:pPr>
+                        <a:lnSpc>
+                          <a:spcPct val="107000"/>
+                        </a:lnSpc>
+                        <a:spcAft>
+                          <a:spcPts val="0"/>
+                        </a:spcAft>
+                      </a:pPr>
+                      <a:r>
+                        <a:rPr lang="pl-PL" sz="1100">
+                          <a:effectLst/>
+                        </a:rPr>
+                        <a:t>2</a:t>
+                      </a:r>
+                      <a:endParaRPr lang="pl-PL" sz="1100">
+                        <a:effectLst/>
+                        <a:latin typeface="Calibri" panose="020F0502020204030204" pitchFamily="34" charset="0"/>
+                        <a:ea typeface="Calibri" panose="020F0502020204030204" pitchFamily="34" charset="0"/>
+                        <a:cs typeface="Times New Roman" panose="02020603050405020304" pitchFamily="18" charset="0"/>
+                      </a:endParaRPr>
+                    </a:p>
+                  </a:txBody>
+                  <a:tcPr marL="68580" marR="68580" marT="0" marB="0"/>
+                </a:tc>
+                <a:tc>
+                  <a:txBody>
+                    <a:bodyPr/>
+                    <a:lstStyle/>
+                    <a:p>
+                      <a:pPr>
+                        <a:lnSpc>
+                          <a:spcPct val="107000"/>
+                        </a:lnSpc>
+                        <a:spcAft>
+                          <a:spcPts val="0"/>
+                        </a:spcAft>
+                      </a:pPr>
+                      <a:r>
+                        <a:rPr lang="pl-PL" sz="1100">
+                          <a:effectLst/>
+                        </a:rPr>
+                        <a:t>17774</a:t>
+                      </a:r>
+                      <a:endParaRPr lang="pl-PL" sz="1100">
+                        <a:effectLst/>
+                        <a:latin typeface="Calibri" panose="020F0502020204030204" pitchFamily="34" charset="0"/>
+                        <a:ea typeface="Calibri" panose="020F0502020204030204" pitchFamily="34" charset="0"/>
+                        <a:cs typeface="Times New Roman" panose="02020603050405020304" pitchFamily="18" charset="0"/>
+                      </a:endParaRPr>
+                    </a:p>
+                  </a:txBody>
+                  <a:tcPr marL="68580" marR="68580" marT="0" marB="0"/>
+                </a:tc>
+                <a:tc>
+                  <a:txBody>
+                    <a:bodyPr/>
+                    <a:lstStyle/>
+                    <a:p>
+                      <a:pPr>
+                        <a:lnSpc>
+                          <a:spcPct val="107000"/>
+                        </a:lnSpc>
+                        <a:spcAft>
+                          <a:spcPts val="0"/>
+                        </a:spcAft>
+                      </a:pPr>
+                      <a:r>
+                        <a:rPr lang="pl-PL" sz="1100">
+                          <a:effectLst/>
+                        </a:rPr>
+                        <a:t>12982</a:t>
+                      </a:r>
+                      <a:endParaRPr lang="pl-PL" sz="1100">
+                        <a:effectLst/>
+                        <a:latin typeface="Calibri" panose="020F0502020204030204" pitchFamily="34" charset="0"/>
+                        <a:ea typeface="Calibri" panose="020F0502020204030204" pitchFamily="34" charset="0"/>
+                        <a:cs typeface="Times New Roman" panose="02020603050405020304" pitchFamily="18" charset="0"/>
+                      </a:endParaRPr>
+                    </a:p>
+                  </a:txBody>
+                  <a:tcPr marL="68580" marR="68580" marT="0" marB="0"/>
+                </a:tc>
+                <a:extLst>
+                  <a:ext uri="{0D108BD9-81ED-4DB2-BD59-A6C34878D82A}">
+                    <a16:rowId xmlns:a16="http://schemas.microsoft.com/office/drawing/2014/main" val="230264202"/>
+                  </a:ext>
+                </a:extLst>
+              </a:tr>
+              <a:tr h="184157">
+                <a:tc>
+                  <a:txBody>
+                    <a:bodyPr/>
+                    <a:lstStyle/>
+                    <a:p>
+                      <a:pPr>
+                        <a:lnSpc>
+                          <a:spcPct val="107000"/>
+                        </a:lnSpc>
+                        <a:spcAft>
+                          <a:spcPts val="0"/>
+                        </a:spcAft>
+                      </a:pPr>
+                      <a:r>
+                        <a:rPr lang="pl-PL" sz="1100">
+                          <a:effectLst/>
+                        </a:rPr>
+                        <a:t>3</a:t>
+                      </a:r>
+                      <a:endParaRPr lang="pl-PL" sz="1100">
+                        <a:effectLst/>
+                        <a:latin typeface="Calibri" panose="020F0502020204030204" pitchFamily="34" charset="0"/>
+                        <a:ea typeface="Calibri" panose="020F0502020204030204" pitchFamily="34" charset="0"/>
+                        <a:cs typeface="Times New Roman" panose="02020603050405020304" pitchFamily="18" charset="0"/>
+                      </a:endParaRPr>
+                    </a:p>
+                  </a:txBody>
+                  <a:tcPr marL="68580" marR="68580" marT="0" marB="0"/>
+                </a:tc>
+                <a:tc>
+                  <a:txBody>
+                    <a:bodyPr/>
+                    <a:lstStyle/>
+                    <a:p>
+                      <a:pPr>
+                        <a:lnSpc>
+                          <a:spcPct val="107000"/>
+                        </a:lnSpc>
+                        <a:spcAft>
+                          <a:spcPts val="0"/>
+                        </a:spcAft>
+                      </a:pPr>
+                      <a:r>
+                        <a:rPr lang="pl-PL" sz="1100">
+                          <a:effectLst/>
+                        </a:rPr>
+                        <a:t>16377</a:t>
+                      </a:r>
+                      <a:endParaRPr lang="pl-PL" sz="1100">
+                        <a:effectLst/>
+                        <a:latin typeface="Calibri" panose="020F0502020204030204" pitchFamily="34" charset="0"/>
+                        <a:ea typeface="Calibri" panose="020F0502020204030204" pitchFamily="34" charset="0"/>
+                        <a:cs typeface="Times New Roman" panose="02020603050405020304" pitchFamily="18" charset="0"/>
+                      </a:endParaRPr>
+                    </a:p>
+                  </a:txBody>
+                  <a:tcPr marL="68580" marR="68580" marT="0" marB="0"/>
+                </a:tc>
+                <a:tc>
+                  <a:txBody>
+                    <a:bodyPr/>
+                    <a:lstStyle/>
+                    <a:p>
+                      <a:pPr>
+                        <a:lnSpc>
+                          <a:spcPct val="107000"/>
+                        </a:lnSpc>
+                        <a:spcAft>
+                          <a:spcPts val="0"/>
+                        </a:spcAft>
+                      </a:pPr>
+                      <a:r>
+                        <a:rPr lang="pl-PL" sz="1100" dirty="0">
+                          <a:effectLst/>
+                        </a:rPr>
+                        <a:t>27047</a:t>
+                      </a:r>
+                      <a:endParaRPr lang="pl-PL" sz="1100" dirty="0">
+                        <a:effectLst/>
+                        <a:latin typeface="Calibri" panose="020F0502020204030204" pitchFamily="34" charset="0"/>
+                        <a:ea typeface="Calibri" panose="020F0502020204030204" pitchFamily="34" charset="0"/>
+                        <a:cs typeface="Times New Roman" panose="02020603050405020304" pitchFamily="18" charset="0"/>
+                      </a:endParaRPr>
+                    </a:p>
+                  </a:txBody>
+                  <a:tcPr marL="68580" marR="68580" marT="0" marB="0"/>
+                </a:tc>
+                <a:extLst>
+                  <a:ext uri="{0D108BD9-81ED-4DB2-BD59-A6C34878D82A}">
+                    <a16:rowId xmlns:a16="http://schemas.microsoft.com/office/drawing/2014/main" val="1005478200"/>
+                  </a:ext>
+                </a:extLst>
+              </a:tr>
+              <a:tr h="184157">
+                <a:tc>
+                  <a:txBody>
+                    <a:bodyPr/>
+                    <a:lstStyle/>
+                    <a:p>
+                      <a:pPr>
+                        <a:lnSpc>
+                          <a:spcPct val="107000"/>
+                        </a:lnSpc>
+                        <a:spcAft>
+                          <a:spcPts val="0"/>
+                        </a:spcAft>
+                      </a:pPr>
+                      <a:r>
+                        <a:rPr lang="pl-PL" sz="1100">
+                          <a:effectLst/>
+                        </a:rPr>
+                        <a:t>4</a:t>
+                      </a:r>
+                      <a:endParaRPr lang="pl-PL" sz="1100">
+                        <a:effectLst/>
+                        <a:latin typeface="Calibri" panose="020F0502020204030204" pitchFamily="34" charset="0"/>
+                        <a:ea typeface="Calibri" panose="020F0502020204030204" pitchFamily="34" charset="0"/>
+                        <a:cs typeface="Times New Roman" panose="02020603050405020304" pitchFamily="18" charset="0"/>
+                      </a:endParaRPr>
+                    </a:p>
+                  </a:txBody>
+                  <a:tcPr marL="68580" marR="68580" marT="0" marB="0"/>
+                </a:tc>
+                <a:tc>
+                  <a:txBody>
+                    <a:bodyPr/>
+                    <a:lstStyle/>
+                    <a:p>
+                      <a:pPr>
+                        <a:lnSpc>
+                          <a:spcPct val="107000"/>
+                        </a:lnSpc>
+                        <a:spcAft>
+                          <a:spcPts val="0"/>
+                        </a:spcAft>
+                      </a:pPr>
+                      <a:r>
+                        <a:rPr lang="pl-PL" sz="1100">
+                          <a:effectLst/>
+                        </a:rPr>
+                        <a:t>22725</a:t>
+                      </a:r>
+                      <a:endParaRPr lang="pl-PL" sz="1100">
+                        <a:effectLst/>
+                        <a:latin typeface="Calibri" panose="020F0502020204030204" pitchFamily="34" charset="0"/>
+                        <a:ea typeface="Calibri" panose="020F0502020204030204" pitchFamily="34" charset="0"/>
+                        <a:cs typeface="Times New Roman" panose="02020603050405020304" pitchFamily="18" charset="0"/>
+                      </a:endParaRPr>
+                    </a:p>
+                  </a:txBody>
+                  <a:tcPr marL="68580" marR="68580" marT="0" marB="0"/>
+                </a:tc>
+                <a:tc>
+                  <a:txBody>
+                    <a:bodyPr/>
+                    <a:lstStyle/>
+                    <a:p>
+                      <a:pPr>
+                        <a:lnSpc>
+                          <a:spcPct val="107000"/>
+                        </a:lnSpc>
+                        <a:spcAft>
+                          <a:spcPts val="0"/>
+                        </a:spcAft>
+                      </a:pPr>
+                      <a:r>
+                        <a:rPr lang="pl-PL" sz="1100">
+                          <a:effectLst/>
+                        </a:rPr>
+                        <a:t>30818</a:t>
+                      </a:r>
+                      <a:endParaRPr lang="pl-PL" sz="1100">
+                        <a:effectLst/>
+                        <a:latin typeface="Calibri" panose="020F0502020204030204" pitchFamily="34" charset="0"/>
+                        <a:ea typeface="Calibri" panose="020F0502020204030204" pitchFamily="34" charset="0"/>
+                        <a:cs typeface="Times New Roman" panose="02020603050405020304" pitchFamily="18" charset="0"/>
+                      </a:endParaRPr>
+                    </a:p>
+                  </a:txBody>
+                  <a:tcPr marL="68580" marR="68580" marT="0" marB="0"/>
+                </a:tc>
+                <a:extLst>
+                  <a:ext uri="{0D108BD9-81ED-4DB2-BD59-A6C34878D82A}">
+                    <a16:rowId xmlns:a16="http://schemas.microsoft.com/office/drawing/2014/main" val="2655607207"/>
+                  </a:ext>
+                </a:extLst>
+              </a:tr>
+              <a:tr h="184157">
+                <a:tc>
+                  <a:txBody>
+                    <a:bodyPr/>
+                    <a:lstStyle/>
+                    <a:p>
+                      <a:pPr>
+                        <a:lnSpc>
+                          <a:spcPct val="107000"/>
+                        </a:lnSpc>
+                        <a:spcAft>
+                          <a:spcPts val="0"/>
+                        </a:spcAft>
+                      </a:pPr>
+                      <a:r>
+                        <a:rPr lang="pl-PL" sz="1100">
+                          <a:effectLst/>
+                        </a:rPr>
+                        <a:t>5</a:t>
+                      </a:r>
+                      <a:endParaRPr lang="pl-PL" sz="1100">
+                        <a:effectLst/>
+                        <a:latin typeface="Calibri" panose="020F0502020204030204" pitchFamily="34" charset="0"/>
+                        <a:ea typeface="Calibri" panose="020F0502020204030204" pitchFamily="34" charset="0"/>
+                        <a:cs typeface="Times New Roman" panose="02020603050405020304" pitchFamily="18" charset="0"/>
+                      </a:endParaRPr>
+                    </a:p>
+                  </a:txBody>
+                  <a:tcPr marL="68580" marR="68580" marT="0" marB="0"/>
+                </a:tc>
+                <a:tc>
+                  <a:txBody>
+                    <a:bodyPr/>
+                    <a:lstStyle/>
+                    <a:p>
+                      <a:pPr>
+                        <a:lnSpc>
+                          <a:spcPct val="107000"/>
+                        </a:lnSpc>
+                        <a:spcAft>
+                          <a:spcPts val="0"/>
+                        </a:spcAft>
+                      </a:pPr>
+                      <a:r>
+                        <a:rPr lang="pl-PL" sz="1100">
+                          <a:effectLst/>
+                        </a:rPr>
+                        <a:t>22502</a:t>
+                      </a:r>
+                      <a:endParaRPr lang="pl-PL" sz="1100">
+                        <a:effectLst/>
+                        <a:latin typeface="Calibri" panose="020F0502020204030204" pitchFamily="34" charset="0"/>
+                        <a:ea typeface="Calibri" panose="020F0502020204030204" pitchFamily="34" charset="0"/>
+                        <a:cs typeface="Times New Roman" panose="02020603050405020304" pitchFamily="18" charset="0"/>
+                      </a:endParaRPr>
+                    </a:p>
+                  </a:txBody>
+                  <a:tcPr marL="68580" marR="68580" marT="0" marB="0"/>
+                </a:tc>
+                <a:tc>
+                  <a:txBody>
+                    <a:bodyPr/>
+                    <a:lstStyle/>
+                    <a:p>
+                      <a:pPr>
+                        <a:lnSpc>
+                          <a:spcPct val="107000"/>
+                        </a:lnSpc>
+                        <a:spcAft>
+                          <a:spcPts val="0"/>
+                        </a:spcAft>
+                      </a:pPr>
+                      <a:r>
+                        <a:rPr lang="pl-PL" sz="1100">
+                          <a:effectLst/>
+                        </a:rPr>
+                        <a:t>33147</a:t>
+                      </a:r>
+                      <a:endParaRPr lang="pl-PL" sz="1100">
+                        <a:effectLst/>
+                        <a:latin typeface="Calibri" panose="020F0502020204030204" pitchFamily="34" charset="0"/>
+                        <a:ea typeface="Calibri" panose="020F0502020204030204" pitchFamily="34" charset="0"/>
+                        <a:cs typeface="Times New Roman" panose="02020603050405020304" pitchFamily="18" charset="0"/>
+                      </a:endParaRPr>
+                    </a:p>
+                  </a:txBody>
+                  <a:tcPr marL="68580" marR="68580" marT="0" marB="0"/>
+                </a:tc>
+                <a:extLst>
+                  <a:ext uri="{0D108BD9-81ED-4DB2-BD59-A6C34878D82A}">
+                    <a16:rowId xmlns:a16="http://schemas.microsoft.com/office/drawing/2014/main" val="3574511639"/>
+                  </a:ext>
+                </a:extLst>
+              </a:tr>
+              <a:tr h="184157">
+                <a:tc>
+                  <a:txBody>
+                    <a:bodyPr/>
+                    <a:lstStyle/>
+                    <a:p>
+                      <a:pPr>
+                        <a:lnSpc>
+                          <a:spcPct val="107000"/>
+                        </a:lnSpc>
+                        <a:spcAft>
+                          <a:spcPts val="0"/>
+                        </a:spcAft>
+                      </a:pPr>
+                      <a:r>
+                        <a:rPr lang="pl-PL" sz="1100">
+                          <a:effectLst/>
+                        </a:rPr>
+                        <a:t>6</a:t>
+                      </a:r>
+                      <a:endParaRPr lang="pl-PL" sz="1100">
+                        <a:effectLst/>
+                        <a:latin typeface="Calibri" panose="020F0502020204030204" pitchFamily="34" charset="0"/>
+                        <a:ea typeface="Calibri" panose="020F0502020204030204" pitchFamily="34" charset="0"/>
+                        <a:cs typeface="Times New Roman" panose="02020603050405020304" pitchFamily="18" charset="0"/>
+                      </a:endParaRPr>
+                    </a:p>
+                  </a:txBody>
+                  <a:tcPr marL="68580" marR="68580" marT="0" marB="0"/>
+                </a:tc>
+                <a:tc>
+                  <a:txBody>
+                    <a:bodyPr/>
+                    <a:lstStyle/>
+                    <a:p>
+                      <a:pPr>
+                        <a:lnSpc>
+                          <a:spcPct val="107000"/>
+                        </a:lnSpc>
+                        <a:spcAft>
+                          <a:spcPts val="0"/>
+                        </a:spcAft>
+                      </a:pPr>
+                      <a:r>
+                        <a:rPr lang="pl-PL" sz="1100">
+                          <a:effectLst/>
+                        </a:rPr>
+                        <a:t>21946</a:t>
+                      </a:r>
+                      <a:endParaRPr lang="pl-PL" sz="1100">
+                        <a:effectLst/>
+                        <a:latin typeface="Calibri" panose="020F0502020204030204" pitchFamily="34" charset="0"/>
+                        <a:ea typeface="Calibri" panose="020F0502020204030204" pitchFamily="34" charset="0"/>
+                        <a:cs typeface="Times New Roman" panose="02020603050405020304" pitchFamily="18" charset="0"/>
+                      </a:endParaRPr>
+                    </a:p>
+                  </a:txBody>
+                  <a:tcPr marL="68580" marR="68580" marT="0" marB="0"/>
+                </a:tc>
+                <a:tc>
+                  <a:txBody>
+                    <a:bodyPr/>
+                    <a:lstStyle/>
+                    <a:p>
+                      <a:pPr>
+                        <a:lnSpc>
+                          <a:spcPct val="107000"/>
+                        </a:lnSpc>
+                        <a:spcAft>
+                          <a:spcPts val="0"/>
+                        </a:spcAft>
+                      </a:pPr>
+                      <a:r>
+                        <a:rPr lang="pl-PL" sz="1100">
+                          <a:effectLst/>
+                        </a:rPr>
+                        <a:t>33844</a:t>
+                      </a:r>
+                      <a:endParaRPr lang="pl-PL" sz="1100">
+                        <a:effectLst/>
+                        <a:latin typeface="Calibri" panose="020F0502020204030204" pitchFamily="34" charset="0"/>
+                        <a:ea typeface="Calibri" panose="020F0502020204030204" pitchFamily="34" charset="0"/>
+                        <a:cs typeface="Times New Roman" panose="02020603050405020304" pitchFamily="18" charset="0"/>
+                      </a:endParaRPr>
+                    </a:p>
+                  </a:txBody>
+                  <a:tcPr marL="68580" marR="68580" marT="0" marB="0"/>
+                </a:tc>
+                <a:extLst>
+                  <a:ext uri="{0D108BD9-81ED-4DB2-BD59-A6C34878D82A}">
+                    <a16:rowId xmlns:a16="http://schemas.microsoft.com/office/drawing/2014/main" val="3947652702"/>
+                  </a:ext>
+                </a:extLst>
+              </a:tr>
+              <a:tr h="184157">
+                <a:tc>
+                  <a:txBody>
+                    <a:bodyPr/>
+                    <a:lstStyle/>
+                    <a:p>
+                      <a:pPr>
+                        <a:lnSpc>
+                          <a:spcPct val="107000"/>
+                        </a:lnSpc>
+                        <a:spcAft>
+                          <a:spcPts val="0"/>
+                        </a:spcAft>
+                      </a:pPr>
+                      <a:r>
+                        <a:rPr lang="pl-PL" sz="1100">
+                          <a:effectLst/>
+                        </a:rPr>
+                        <a:t>7</a:t>
+                      </a:r>
+                      <a:endParaRPr lang="pl-PL" sz="1100">
+                        <a:effectLst/>
+                        <a:latin typeface="Calibri" panose="020F0502020204030204" pitchFamily="34" charset="0"/>
+                        <a:ea typeface="Calibri" panose="020F0502020204030204" pitchFamily="34" charset="0"/>
+                        <a:cs typeface="Times New Roman" panose="02020603050405020304" pitchFamily="18" charset="0"/>
+                      </a:endParaRPr>
+                    </a:p>
+                  </a:txBody>
+                  <a:tcPr marL="68580" marR="68580" marT="0" marB="0"/>
+                </a:tc>
+                <a:tc>
+                  <a:txBody>
+                    <a:bodyPr/>
+                    <a:lstStyle/>
+                    <a:p>
+                      <a:pPr>
+                        <a:lnSpc>
+                          <a:spcPct val="107000"/>
+                        </a:lnSpc>
+                        <a:spcAft>
+                          <a:spcPts val="0"/>
+                        </a:spcAft>
+                      </a:pPr>
+                      <a:r>
+                        <a:rPr lang="pl-PL" sz="1100">
+                          <a:effectLst/>
+                        </a:rPr>
+                        <a:t>26348</a:t>
+                      </a:r>
+                      <a:endParaRPr lang="pl-PL" sz="1100">
+                        <a:effectLst/>
+                        <a:latin typeface="Calibri" panose="020F0502020204030204" pitchFamily="34" charset="0"/>
+                        <a:ea typeface="Calibri" panose="020F0502020204030204" pitchFamily="34" charset="0"/>
+                        <a:cs typeface="Times New Roman" panose="02020603050405020304" pitchFamily="18" charset="0"/>
+                      </a:endParaRPr>
+                    </a:p>
+                  </a:txBody>
+                  <a:tcPr marL="68580" marR="68580" marT="0" marB="0"/>
+                </a:tc>
+                <a:tc>
+                  <a:txBody>
+                    <a:bodyPr/>
+                    <a:lstStyle/>
+                    <a:p>
+                      <a:pPr>
+                        <a:lnSpc>
+                          <a:spcPct val="107000"/>
+                        </a:lnSpc>
+                        <a:spcAft>
+                          <a:spcPts val="0"/>
+                        </a:spcAft>
+                      </a:pPr>
+                      <a:r>
+                        <a:rPr lang="pl-PL" sz="1100">
+                          <a:effectLst/>
+                        </a:rPr>
+                        <a:t>50730</a:t>
+                      </a:r>
+                      <a:endParaRPr lang="pl-PL" sz="1100">
+                        <a:effectLst/>
+                        <a:latin typeface="Calibri" panose="020F0502020204030204" pitchFamily="34" charset="0"/>
+                        <a:ea typeface="Calibri" panose="020F0502020204030204" pitchFamily="34" charset="0"/>
+                        <a:cs typeface="Times New Roman" panose="02020603050405020304" pitchFamily="18" charset="0"/>
+                      </a:endParaRPr>
+                    </a:p>
+                  </a:txBody>
+                  <a:tcPr marL="68580" marR="68580" marT="0" marB="0"/>
+                </a:tc>
+                <a:extLst>
+                  <a:ext uri="{0D108BD9-81ED-4DB2-BD59-A6C34878D82A}">
+                    <a16:rowId xmlns:a16="http://schemas.microsoft.com/office/drawing/2014/main" val="65565372"/>
+                  </a:ext>
+                </a:extLst>
+              </a:tr>
+              <a:tr h="184157">
+                <a:tc>
+                  <a:txBody>
+                    <a:bodyPr/>
+                    <a:lstStyle/>
+                    <a:p>
+                      <a:pPr>
+                        <a:lnSpc>
+                          <a:spcPct val="107000"/>
+                        </a:lnSpc>
+                        <a:spcAft>
+                          <a:spcPts val="0"/>
+                        </a:spcAft>
+                      </a:pPr>
+                      <a:r>
+                        <a:rPr lang="pl-PL" sz="1100">
+                          <a:effectLst/>
+                        </a:rPr>
+                        <a:t>8</a:t>
+                      </a:r>
+                      <a:endParaRPr lang="pl-PL" sz="1100">
+                        <a:effectLst/>
+                        <a:latin typeface="Calibri" panose="020F0502020204030204" pitchFamily="34" charset="0"/>
+                        <a:ea typeface="Calibri" panose="020F0502020204030204" pitchFamily="34" charset="0"/>
+                        <a:cs typeface="Times New Roman" panose="02020603050405020304" pitchFamily="18" charset="0"/>
+                      </a:endParaRPr>
+                    </a:p>
+                  </a:txBody>
+                  <a:tcPr marL="68580" marR="68580" marT="0" marB="0"/>
+                </a:tc>
+                <a:tc>
+                  <a:txBody>
+                    <a:bodyPr/>
+                    <a:lstStyle/>
+                    <a:p>
+                      <a:pPr>
+                        <a:lnSpc>
+                          <a:spcPct val="107000"/>
+                        </a:lnSpc>
+                        <a:spcAft>
+                          <a:spcPts val="0"/>
+                        </a:spcAft>
+                      </a:pPr>
+                      <a:r>
+                        <a:rPr lang="pl-PL" sz="1100">
+                          <a:effectLst/>
+                        </a:rPr>
+                        <a:t>29192</a:t>
+                      </a:r>
+                      <a:endParaRPr lang="pl-PL" sz="1100">
+                        <a:effectLst/>
+                        <a:latin typeface="Calibri" panose="020F0502020204030204" pitchFamily="34" charset="0"/>
+                        <a:ea typeface="Calibri" panose="020F0502020204030204" pitchFamily="34" charset="0"/>
+                        <a:cs typeface="Times New Roman" panose="02020603050405020304" pitchFamily="18" charset="0"/>
+                      </a:endParaRPr>
+                    </a:p>
+                  </a:txBody>
+                  <a:tcPr marL="68580" marR="68580" marT="0" marB="0"/>
+                </a:tc>
+                <a:tc>
+                  <a:txBody>
+                    <a:bodyPr/>
+                    <a:lstStyle/>
+                    <a:p>
+                      <a:pPr>
+                        <a:lnSpc>
+                          <a:spcPct val="107000"/>
+                        </a:lnSpc>
+                        <a:spcAft>
+                          <a:spcPts val="0"/>
+                        </a:spcAft>
+                      </a:pPr>
+                      <a:r>
+                        <a:rPr lang="pl-PL" sz="1100">
+                          <a:effectLst/>
+                        </a:rPr>
+                        <a:t>36547</a:t>
+                      </a:r>
+                      <a:endParaRPr lang="pl-PL" sz="1100">
+                        <a:effectLst/>
+                        <a:latin typeface="Calibri" panose="020F0502020204030204" pitchFamily="34" charset="0"/>
+                        <a:ea typeface="Calibri" panose="020F0502020204030204" pitchFamily="34" charset="0"/>
+                        <a:cs typeface="Times New Roman" panose="02020603050405020304" pitchFamily="18" charset="0"/>
+                      </a:endParaRPr>
+                    </a:p>
+                  </a:txBody>
+                  <a:tcPr marL="68580" marR="68580" marT="0" marB="0"/>
+                </a:tc>
+                <a:extLst>
+                  <a:ext uri="{0D108BD9-81ED-4DB2-BD59-A6C34878D82A}">
+                    <a16:rowId xmlns:a16="http://schemas.microsoft.com/office/drawing/2014/main" val="3020496091"/>
+                  </a:ext>
+                </a:extLst>
+              </a:tr>
+              <a:tr h="184157">
+                <a:tc>
+                  <a:txBody>
+                    <a:bodyPr/>
+                    <a:lstStyle/>
+                    <a:p>
+                      <a:pPr>
+                        <a:lnSpc>
+                          <a:spcPct val="107000"/>
+                        </a:lnSpc>
+                        <a:spcAft>
+                          <a:spcPts val="0"/>
+                        </a:spcAft>
+                      </a:pPr>
+                      <a:r>
+                        <a:rPr lang="pl-PL" sz="1100">
+                          <a:effectLst/>
+                        </a:rPr>
+                        <a:t>9</a:t>
+                      </a:r>
+                      <a:endParaRPr lang="pl-PL" sz="1100">
+                        <a:effectLst/>
+                        <a:latin typeface="Calibri" panose="020F0502020204030204" pitchFamily="34" charset="0"/>
+                        <a:ea typeface="Calibri" panose="020F0502020204030204" pitchFamily="34" charset="0"/>
+                        <a:cs typeface="Times New Roman" panose="02020603050405020304" pitchFamily="18" charset="0"/>
+                      </a:endParaRPr>
+                    </a:p>
+                  </a:txBody>
+                  <a:tcPr marL="68580" marR="68580" marT="0" marB="0"/>
+                </a:tc>
+                <a:tc>
+                  <a:txBody>
+                    <a:bodyPr/>
+                    <a:lstStyle/>
+                    <a:p>
+                      <a:pPr>
+                        <a:lnSpc>
+                          <a:spcPct val="107000"/>
+                        </a:lnSpc>
+                        <a:spcAft>
+                          <a:spcPts val="0"/>
+                        </a:spcAft>
+                      </a:pPr>
+                      <a:r>
+                        <a:rPr lang="pl-PL" sz="1100">
+                          <a:effectLst/>
+                        </a:rPr>
+                        <a:t>28736</a:t>
+                      </a:r>
+                      <a:endParaRPr lang="pl-PL" sz="1100">
+                        <a:effectLst/>
+                        <a:latin typeface="Calibri" panose="020F0502020204030204" pitchFamily="34" charset="0"/>
+                        <a:ea typeface="Calibri" panose="020F0502020204030204" pitchFamily="34" charset="0"/>
+                        <a:cs typeface="Times New Roman" panose="02020603050405020304" pitchFamily="18" charset="0"/>
+                      </a:endParaRPr>
+                    </a:p>
+                  </a:txBody>
+                  <a:tcPr marL="68580" marR="68580" marT="0" marB="0"/>
+                </a:tc>
+                <a:tc>
+                  <a:txBody>
+                    <a:bodyPr/>
+                    <a:lstStyle/>
+                    <a:p>
+                      <a:pPr>
+                        <a:lnSpc>
+                          <a:spcPct val="107000"/>
+                        </a:lnSpc>
+                        <a:spcAft>
+                          <a:spcPts val="0"/>
+                        </a:spcAft>
+                      </a:pPr>
+                      <a:r>
+                        <a:rPr lang="pl-PL" sz="1100">
+                          <a:effectLst/>
+                        </a:rPr>
+                        <a:t>31061</a:t>
+                      </a:r>
+                      <a:endParaRPr lang="pl-PL" sz="1100">
+                        <a:effectLst/>
+                        <a:latin typeface="Calibri" panose="020F0502020204030204" pitchFamily="34" charset="0"/>
+                        <a:ea typeface="Calibri" panose="020F0502020204030204" pitchFamily="34" charset="0"/>
+                        <a:cs typeface="Times New Roman" panose="02020603050405020304" pitchFamily="18" charset="0"/>
+                      </a:endParaRPr>
+                    </a:p>
+                  </a:txBody>
+                  <a:tcPr marL="68580" marR="68580" marT="0" marB="0"/>
+                </a:tc>
+                <a:extLst>
+                  <a:ext uri="{0D108BD9-81ED-4DB2-BD59-A6C34878D82A}">
+                    <a16:rowId xmlns:a16="http://schemas.microsoft.com/office/drawing/2014/main" val="607436383"/>
+                  </a:ext>
+                </a:extLst>
+              </a:tr>
+              <a:tr h="184157">
+                <a:tc>
+                  <a:txBody>
+                    <a:bodyPr/>
+                    <a:lstStyle/>
+                    <a:p>
+                      <a:pPr>
+                        <a:lnSpc>
+                          <a:spcPct val="107000"/>
+                        </a:lnSpc>
+                        <a:spcAft>
+                          <a:spcPts val="0"/>
+                        </a:spcAft>
+                      </a:pPr>
+                      <a:r>
+                        <a:rPr lang="pl-PL" sz="1100">
+                          <a:effectLst/>
+                        </a:rPr>
+                        <a:t>10</a:t>
+                      </a:r>
+                      <a:endParaRPr lang="pl-PL" sz="1100">
+                        <a:effectLst/>
+                        <a:latin typeface="Calibri" panose="020F0502020204030204" pitchFamily="34" charset="0"/>
+                        <a:ea typeface="Calibri" panose="020F0502020204030204" pitchFamily="34" charset="0"/>
+                        <a:cs typeface="Times New Roman" panose="02020603050405020304" pitchFamily="18" charset="0"/>
+                      </a:endParaRPr>
+                    </a:p>
+                  </a:txBody>
+                  <a:tcPr marL="68580" marR="68580" marT="0" marB="0"/>
+                </a:tc>
+                <a:tc>
+                  <a:txBody>
+                    <a:bodyPr/>
+                    <a:lstStyle/>
+                    <a:p>
+                      <a:pPr>
+                        <a:lnSpc>
+                          <a:spcPct val="107000"/>
+                        </a:lnSpc>
+                        <a:spcAft>
+                          <a:spcPts val="0"/>
+                        </a:spcAft>
+                      </a:pPr>
+                      <a:r>
+                        <a:rPr lang="pl-PL" sz="1100">
+                          <a:effectLst/>
+                        </a:rPr>
+                        <a:t>34414</a:t>
+                      </a:r>
+                      <a:endParaRPr lang="pl-PL" sz="1100">
+                        <a:effectLst/>
+                        <a:latin typeface="Calibri" panose="020F0502020204030204" pitchFamily="34" charset="0"/>
+                        <a:ea typeface="Calibri" panose="020F0502020204030204" pitchFamily="34" charset="0"/>
+                        <a:cs typeface="Times New Roman" panose="02020603050405020304" pitchFamily="18" charset="0"/>
+                      </a:endParaRPr>
+                    </a:p>
+                  </a:txBody>
+                  <a:tcPr marL="68580" marR="68580" marT="0" marB="0"/>
+                </a:tc>
+                <a:tc>
+                  <a:txBody>
+                    <a:bodyPr/>
+                    <a:lstStyle/>
+                    <a:p>
+                      <a:pPr>
+                        <a:lnSpc>
+                          <a:spcPct val="107000"/>
+                        </a:lnSpc>
+                        <a:spcAft>
+                          <a:spcPts val="0"/>
+                        </a:spcAft>
+                      </a:pPr>
+                      <a:r>
+                        <a:rPr lang="pl-PL" sz="1100">
+                          <a:effectLst/>
+                        </a:rPr>
+                        <a:t>48964</a:t>
+                      </a:r>
+                      <a:endParaRPr lang="pl-PL" sz="1100">
+                        <a:effectLst/>
+                        <a:latin typeface="Calibri" panose="020F0502020204030204" pitchFamily="34" charset="0"/>
+                        <a:ea typeface="Calibri" panose="020F0502020204030204" pitchFamily="34" charset="0"/>
+                        <a:cs typeface="Times New Roman" panose="02020603050405020304" pitchFamily="18" charset="0"/>
+                      </a:endParaRPr>
+                    </a:p>
+                  </a:txBody>
+                  <a:tcPr marL="68580" marR="68580" marT="0" marB="0"/>
+                </a:tc>
+                <a:extLst>
+                  <a:ext uri="{0D108BD9-81ED-4DB2-BD59-A6C34878D82A}">
+                    <a16:rowId xmlns:a16="http://schemas.microsoft.com/office/drawing/2014/main" val="336017597"/>
+                  </a:ext>
+                </a:extLst>
+              </a:tr>
+              <a:tr h="184157">
+                <a:tc>
+                  <a:txBody>
+                    <a:bodyPr/>
+                    <a:lstStyle/>
+                    <a:p>
+                      <a:pPr>
+                        <a:lnSpc>
+                          <a:spcPct val="107000"/>
+                        </a:lnSpc>
+                        <a:spcAft>
+                          <a:spcPts val="0"/>
+                        </a:spcAft>
+                      </a:pPr>
+                      <a:r>
+                        <a:rPr lang="pl-PL" sz="1100">
+                          <a:effectLst/>
+                        </a:rPr>
+                        <a:t>15</a:t>
+                      </a:r>
+                      <a:endParaRPr lang="pl-PL" sz="1100">
+                        <a:effectLst/>
+                        <a:latin typeface="Calibri" panose="020F0502020204030204" pitchFamily="34" charset="0"/>
+                        <a:ea typeface="Calibri" panose="020F0502020204030204" pitchFamily="34" charset="0"/>
+                        <a:cs typeface="Times New Roman" panose="02020603050405020304" pitchFamily="18" charset="0"/>
+                      </a:endParaRPr>
+                    </a:p>
+                  </a:txBody>
+                  <a:tcPr marL="68580" marR="68580" marT="0" marB="0"/>
+                </a:tc>
+                <a:tc>
+                  <a:txBody>
+                    <a:bodyPr/>
+                    <a:lstStyle/>
+                    <a:p>
+                      <a:pPr>
+                        <a:lnSpc>
+                          <a:spcPct val="107000"/>
+                        </a:lnSpc>
+                        <a:spcAft>
+                          <a:spcPts val="0"/>
+                        </a:spcAft>
+                      </a:pPr>
+                      <a:r>
+                        <a:rPr lang="pl-PL" sz="1100">
+                          <a:effectLst/>
+                        </a:rPr>
+                        <a:t>43850</a:t>
+                      </a:r>
+                      <a:endParaRPr lang="pl-PL" sz="1100">
+                        <a:effectLst/>
+                        <a:latin typeface="Calibri" panose="020F0502020204030204" pitchFamily="34" charset="0"/>
+                        <a:ea typeface="Calibri" panose="020F0502020204030204" pitchFamily="34" charset="0"/>
+                        <a:cs typeface="Times New Roman" panose="02020603050405020304" pitchFamily="18" charset="0"/>
+                      </a:endParaRPr>
+                    </a:p>
+                  </a:txBody>
+                  <a:tcPr marL="68580" marR="68580" marT="0" marB="0"/>
+                </a:tc>
+                <a:tc>
+                  <a:txBody>
+                    <a:bodyPr/>
+                    <a:lstStyle/>
+                    <a:p>
+                      <a:pPr>
+                        <a:lnSpc>
+                          <a:spcPct val="107000"/>
+                        </a:lnSpc>
+                        <a:spcAft>
+                          <a:spcPts val="0"/>
+                        </a:spcAft>
+                      </a:pPr>
+                      <a:r>
+                        <a:rPr lang="pl-PL" sz="1100">
+                          <a:effectLst/>
+                        </a:rPr>
+                        <a:t>50611</a:t>
+                      </a:r>
+                      <a:endParaRPr lang="pl-PL" sz="1100">
+                        <a:effectLst/>
+                        <a:latin typeface="Calibri" panose="020F0502020204030204" pitchFamily="34" charset="0"/>
+                        <a:ea typeface="Calibri" panose="020F0502020204030204" pitchFamily="34" charset="0"/>
+                        <a:cs typeface="Times New Roman" panose="02020603050405020304" pitchFamily="18" charset="0"/>
+                      </a:endParaRPr>
+                    </a:p>
+                  </a:txBody>
+                  <a:tcPr marL="68580" marR="68580" marT="0" marB="0"/>
+                </a:tc>
+                <a:extLst>
+                  <a:ext uri="{0D108BD9-81ED-4DB2-BD59-A6C34878D82A}">
+                    <a16:rowId xmlns:a16="http://schemas.microsoft.com/office/drawing/2014/main" val="2110314205"/>
+                  </a:ext>
+                </a:extLst>
+              </a:tr>
+              <a:tr h="184157">
+                <a:tc>
+                  <a:txBody>
+                    <a:bodyPr/>
+                    <a:lstStyle/>
+                    <a:p>
+                      <a:pPr>
+                        <a:lnSpc>
+                          <a:spcPct val="107000"/>
+                        </a:lnSpc>
+                        <a:spcAft>
+                          <a:spcPts val="0"/>
+                        </a:spcAft>
+                      </a:pPr>
+                      <a:r>
+                        <a:rPr lang="pl-PL" sz="1100">
+                          <a:effectLst/>
+                        </a:rPr>
+                        <a:t>20</a:t>
+                      </a:r>
+                      <a:endParaRPr lang="pl-PL" sz="1100">
+                        <a:effectLst/>
+                        <a:latin typeface="Calibri" panose="020F0502020204030204" pitchFamily="34" charset="0"/>
+                        <a:ea typeface="Calibri" panose="020F0502020204030204" pitchFamily="34" charset="0"/>
+                        <a:cs typeface="Times New Roman" panose="02020603050405020304" pitchFamily="18" charset="0"/>
+                      </a:endParaRPr>
+                    </a:p>
+                  </a:txBody>
+                  <a:tcPr marL="68580" marR="68580" marT="0" marB="0"/>
+                </a:tc>
+                <a:tc>
+                  <a:txBody>
+                    <a:bodyPr/>
+                    <a:lstStyle/>
+                    <a:p>
+                      <a:pPr>
+                        <a:lnSpc>
+                          <a:spcPct val="107000"/>
+                        </a:lnSpc>
+                        <a:spcAft>
+                          <a:spcPts val="0"/>
+                        </a:spcAft>
+                      </a:pPr>
+                      <a:r>
+                        <a:rPr lang="pl-PL" sz="1100">
+                          <a:effectLst/>
+                        </a:rPr>
+                        <a:t>58158</a:t>
+                      </a:r>
+                      <a:endParaRPr lang="pl-PL" sz="1100">
+                        <a:effectLst/>
+                        <a:latin typeface="Calibri" panose="020F0502020204030204" pitchFamily="34" charset="0"/>
+                        <a:ea typeface="Calibri" panose="020F0502020204030204" pitchFamily="34" charset="0"/>
+                        <a:cs typeface="Times New Roman" panose="02020603050405020304" pitchFamily="18" charset="0"/>
+                      </a:endParaRPr>
+                    </a:p>
+                  </a:txBody>
+                  <a:tcPr marL="68580" marR="68580" marT="0" marB="0"/>
+                </a:tc>
+                <a:tc>
+                  <a:txBody>
+                    <a:bodyPr/>
+                    <a:lstStyle/>
+                    <a:p>
+                      <a:pPr>
+                        <a:lnSpc>
+                          <a:spcPct val="107000"/>
+                        </a:lnSpc>
+                        <a:spcAft>
+                          <a:spcPts val="0"/>
+                        </a:spcAft>
+                      </a:pPr>
+                      <a:r>
+                        <a:rPr lang="pl-PL" sz="1100">
+                          <a:effectLst/>
+                        </a:rPr>
+                        <a:t>49433</a:t>
+                      </a:r>
+                      <a:endParaRPr lang="pl-PL" sz="1100">
+                        <a:effectLst/>
+                        <a:latin typeface="Calibri" panose="020F0502020204030204" pitchFamily="34" charset="0"/>
+                        <a:ea typeface="Calibri" panose="020F0502020204030204" pitchFamily="34" charset="0"/>
+                        <a:cs typeface="Times New Roman" panose="02020603050405020304" pitchFamily="18" charset="0"/>
+                      </a:endParaRPr>
+                    </a:p>
+                  </a:txBody>
+                  <a:tcPr marL="68580" marR="68580" marT="0" marB="0"/>
+                </a:tc>
+                <a:extLst>
+                  <a:ext uri="{0D108BD9-81ED-4DB2-BD59-A6C34878D82A}">
+                    <a16:rowId xmlns:a16="http://schemas.microsoft.com/office/drawing/2014/main" val="440831309"/>
+                  </a:ext>
+                </a:extLst>
+              </a:tr>
+              <a:tr h="184157">
+                <a:tc>
+                  <a:txBody>
+                    <a:bodyPr/>
+                    <a:lstStyle/>
+                    <a:p>
+                      <a:pPr>
+                        <a:lnSpc>
+                          <a:spcPct val="107000"/>
+                        </a:lnSpc>
+                        <a:spcAft>
+                          <a:spcPts val="0"/>
+                        </a:spcAft>
+                      </a:pPr>
+                      <a:r>
+                        <a:rPr lang="pl-PL" sz="1100">
+                          <a:effectLst/>
+                        </a:rPr>
+                        <a:t>25</a:t>
+                      </a:r>
+                      <a:endParaRPr lang="pl-PL" sz="1100">
+                        <a:effectLst/>
+                        <a:latin typeface="Calibri" panose="020F0502020204030204" pitchFamily="34" charset="0"/>
+                        <a:ea typeface="Calibri" panose="020F0502020204030204" pitchFamily="34" charset="0"/>
+                        <a:cs typeface="Times New Roman" panose="02020603050405020304" pitchFamily="18" charset="0"/>
+                      </a:endParaRPr>
+                    </a:p>
+                  </a:txBody>
+                  <a:tcPr marL="68580" marR="68580" marT="0" marB="0"/>
+                </a:tc>
+                <a:tc>
+                  <a:txBody>
+                    <a:bodyPr/>
+                    <a:lstStyle/>
+                    <a:p>
+                      <a:pPr>
+                        <a:lnSpc>
+                          <a:spcPct val="107000"/>
+                        </a:lnSpc>
+                        <a:spcAft>
+                          <a:spcPts val="0"/>
+                        </a:spcAft>
+                      </a:pPr>
+                      <a:r>
+                        <a:rPr lang="pl-PL" sz="1100">
+                          <a:effectLst/>
+                        </a:rPr>
+                        <a:t>93805</a:t>
+                      </a:r>
+                      <a:endParaRPr lang="pl-PL" sz="1100">
+                        <a:effectLst/>
+                        <a:latin typeface="Calibri" panose="020F0502020204030204" pitchFamily="34" charset="0"/>
+                        <a:ea typeface="Calibri" panose="020F0502020204030204" pitchFamily="34" charset="0"/>
+                        <a:cs typeface="Times New Roman" panose="02020603050405020304" pitchFamily="18" charset="0"/>
+                      </a:endParaRPr>
+                    </a:p>
+                  </a:txBody>
+                  <a:tcPr marL="68580" marR="68580" marT="0" marB="0"/>
+                </a:tc>
+                <a:tc>
+                  <a:txBody>
+                    <a:bodyPr/>
+                    <a:lstStyle/>
+                    <a:p>
+                      <a:pPr>
+                        <a:lnSpc>
+                          <a:spcPct val="107000"/>
+                        </a:lnSpc>
+                        <a:spcAft>
+                          <a:spcPts val="0"/>
+                        </a:spcAft>
+                      </a:pPr>
+                      <a:r>
+                        <a:rPr lang="pl-PL" sz="1100">
+                          <a:effectLst/>
+                        </a:rPr>
+                        <a:t>97350</a:t>
+                      </a:r>
+                      <a:endParaRPr lang="pl-PL" sz="1100">
+                        <a:effectLst/>
+                        <a:latin typeface="Calibri" panose="020F0502020204030204" pitchFamily="34" charset="0"/>
+                        <a:ea typeface="Calibri" panose="020F0502020204030204" pitchFamily="34" charset="0"/>
+                        <a:cs typeface="Times New Roman" panose="02020603050405020304" pitchFamily="18" charset="0"/>
+                      </a:endParaRPr>
+                    </a:p>
+                  </a:txBody>
+                  <a:tcPr marL="68580" marR="68580" marT="0" marB="0"/>
+                </a:tc>
+                <a:extLst>
+                  <a:ext uri="{0D108BD9-81ED-4DB2-BD59-A6C34878D82A}">
+                    <a16:rowId xmlns:a16="http://schemas.microsoft.com/office/drawing/2014/main" val="3440401624"/>
+                  </a:ext>
+                </a:extLst>
+              </a:tr>
+              <a:tr h="184157">
+                <a:tc>
+                  <a:txBody>
+                    <a:bodyPr/>
+                    <a:lstStyle/>
+                    <a:p>
+                      <a:pPr>
+                        <a:lnSpc>
+                          <a:spcPct val="107000"/>
+                        </a:lnSpc>
+                        <a:spcAft>
+                          <a:spcPts val="0"/>
+                        </a:spcAft>
+                      </a:pPr>
+                      <a:r>
+                        <a:rPr lang="pl-PL" sz="1100">
+                          <a:effectLst/>
+                        </a:rPr>
+                        <a:t>30</a:t>
+                      </a:r>
+                      <a:endParaRPr lang="pl-PL" sz="1100">
+                        <a:effectLst/>
+                        <a:latin typeface="Calibri" panose="020F0502020204030204" pitchFamily="34" charset="0"/>
+                        <a:ea typeface="Calibri" panose="020F0502020204030204" pitchFamily="34" charset="0"/>
+                        <a:cs typeface="Times New Roman" panose="02020603050405020304" pitchFamily="18" charset="0"/>
+                      </a:endParaRPr>
+                    </a:p>
+                  </a:txBody>
+                  <a:tcPr marL="68580" marR="68580" marT="0" marB="0"/>
+                </a:tc>
+                <a:tc>
+                  <a:txBody>
+                    <a:bodyPr/>
+                    <a:lstStyle/>
+                    <a:p>
+                      <a:pPr>
+                        <a:lnSpc>
+                          <a:spcPct val="107000"/>
+                        </a:lnSpc>
+                        <a:spcAft>
+                          <a:spcPts val="0"/>
+                        </a:spcAft>
+                      </a:pPr>
+                      <a:r>
+                        <a:rPr lang="pl-PL" sz="1100">
+                          <a:effectLst/>
+                        </a:rPr>
+                        <a:t>100663</a:t>
+                      </a:r>
+                      <a:endParaRPr lang="pl-PL" sz="1100">
+                        <a:effectLst/>
+                        <a:latin typeface="Calibri" panose="020F0502020204030204" pitchFamily="34" charset="0"/>
+                        <a:ea typeface="Calibri" panose="020F0502020204030204" pitchFamily="34" charset="0"/>
+                        <a:cs typeface="Times New Roman" panose="02020603050405020304" pitchFamily="18" charset="0"/>
+                      </a:endParaRPr>
+                    </a:p>
+                  </a:txBody>
+                  <a:tcPr marL="68580" marR="68580" marT="0" marB="0"/>
+                </a:tc>
+                <a:tc>
+                  <a:txBody>
+                    <a:bodyPr/>
+                    <a:lstStyle/>
+                    <a:p>
+                      <a:pPr>
+                        <a:lnSpc>
+                          <a:spcPct val="107000"/>
+                        </a:lnSpc>
+                        <a:spcAft>
+                          <a:spcPts val="0"/>
+                        </a:spcAft>
+                      </a:pPr>
+                      <a:r>
+                        <a:rPr lang="pl-PL" sz="1100">
+                          <a:effectLst/>
+                        </a:rPr>
+                        <a:t>99748</a:t>
+                      </a:r>
+                      <a:endParaRPr lang="pl-PL" sz="1100">
+                        <a:effectLst/>
+                        <a:latin typeface="Calibri" panose="020F0502020204030204" pitchFamily="34" charset="0"/>
+                        <a:ea typeface="Calibri" panose="020F0502020204030204" pitchFamily="34" charset="0"/>
+                        <a:cs typeface="Times New Roman" panose="02020603050405020304" pitchFamily="18" charset="0"/>
+                      </a:endParaRPr>
+                    </a:p>
+                  </a:txBody>
+                  <a:tcPr marL="68580" marR="68580" marT="0" marB="0"/>
+                </a:tc>
+                <a:extLst>
+                  <a:ext uri="{0D108BD9-81ED-4DB2-BD59-A6C34878D82A}">
+                    <a16:rowId xmlns:a16="http://schemas.microsoft.com/office/drawing/2014/main" val="664579987"/>
+                  </a:ext>
+                </a:extLst>
+              </a:tr>
+              <a:tr h="184157">
+                <a:tc>
+                  <a:txBody>
+                    <a:bodyPr/>
+                    <a:lstStyle/>
+                    <a:p>
+                      <a:pPr>
+                        <a:lnSpc>
+                          <a:spcPct val="107000"/>
+                        </a:lnSpc>
+                        <a:spcAft>
+                          <a:spcPts val="0"/>
+                        </a:spcAft>
+                      </a:pPr>
+                      <a:r>
+                        <a:rPr lang="pl-PL" sz="1100">
+                          <a:effectLst/>
+                        </a:rPr>
+                        <a:t>35</a:t>
+                      </a:r>
+                      <a:endParaRPr lang="pl-PL" sz="1100">
+                        <a:effectLst/>
+                        <a:latin typeface="Calibri" panose="020F0502020204030204" pitchFamily="34" charset="0"/>
+                        <a:ea typeface="Calibri" panose="020F0502020204030204" pitchFamily="34" charset="0"/>
+                        <a:cs typeface="Times New Roman" panose="02020603050405020304" pitchFamily="18" charset="0"/>
+                      </a:endParaRPr>
+                    </a:p>
+                  </a:txBody>
+                  <a:tcPr marL="68580" marR="68580" marT="0" marB="0"/>
+                </a:tc>
+                <a:tc>
+                  <a:txBody>
+                    <a:bodyPr/>
+                    <a:lstStyle/>
+                    <a:p>
+                      <a:pPr>
+                        <a:lnSpc>
+                          <a:spcPct val="107000"/>
+                        </a:lnSpc>
+                        <a:spcAft>
+                          <a:spcPts val="0"/>
+                        </a:spcAft>
+                      </a:pPr>
+                      <a:r>
+                        <a:rPr lang="pl-PL" sz="1100">
+                          <a:effectLst/>
+                        </a:rPr>
+                        <a:t>118698</a:t>
+                      </a:r>
+                      <a:endParaRPr lang="pl-PL" sz="1100">
+                        <a:effectLst/>
+                        <a:latin typeface="Calibri" panose="020F0502020204030204" pitchFamily="34" charset="0"/>
+                        <a:ea typeface="Calibri" panose="020F0502020204030204" pitchFamily="34" charset="0"/>
+                        <a:cs typeface="Times New Roman" panose="02020603050405020304" pitchFamily="18" charset="0"/>
+                      </a:endParaRPr>
+                    </a:p>
+                  </a:txBody>
+                  <a:tcPr marL="68580" marR="68580" marT="0" marB="0"/>
+                </a:tc>
+                <a:tc>
+                  <a:txBody>
+                    <a:bodyPr/>
+                    <a:lstStyle/>
+                    <a:p>
+                      <a:pPr>
+                        <a:lnSpc>
+                          <a:spcPct val="107000"/>
+                        </a:lnSpc>
+                        <a:spcAft>
+                          <a:spcPts val="0"/>
+                        </a:spcAft>
+                      </a:pPr>
+                      <a:r>
+                        <a:rPr lang="pl-PL" sz="1100">
+                          <a:effectLst/>
+                        </a:rPr>
+                        <a:t>135168</a:t>
+                      </a:r>
+                      <a:endParaRPr lang="pl-PL" sz="1100">
+                        <a:effectLst/>
+                        <a:latin typeface="Calibri" panose="020F0502020204030204" pitchFamily="34" charset="0"/>
+                        <a:ea typeface="Calibri" panose="020F0502020204030204" pitchFamily="34" charset="0"/>
+                        <a:cs typeface="Times New Roman" panose="02020603050405020304" pitchFamily="18" charset="0"/>
+                      </a:endParaRPr>
+                    </a:p>
+                  </a:txBody>
+                  <a:tcPr marL="68580" marR="68580" marT="0" marB="0"/>
+                </a:tc>
+                <a:extLst>
+                  <a:ext uri="{0D108BD9-81ED-4DB2-BD59-A6C34878D82A}">
+                    <a16:rowId xmlns:a16="http://schemas.microsoft.com/office/drawing/2014/main" val="466243273"/>
+                  </a:ext>
+                </a:extLst>
+              </a:tr>
+              <a:tr h="184157">
+                <a:tc>
+                  <a:txBody>
+                    <a:bodyPr/>
+                    <a:lstStyle/>
+                    <a:p>
+                      <a:pPr>
+                        <a:lnSpc>
+                          <a:spcPct val="107000"/>
+                        </a:lnSpc>
+                        <a:spcAft>
+                          <a:spcPts val="0"/>
+                        </a:spcAft>
+                      </a:pPr>
+                      <a:r>
+                        <a:rPr lang="pl-PL" sz="1100">
+                          <a:effectLst/>
+                        </a:rPr>
+                        <a:t>40</a:t>
+                      </a:r>
+                      <a:endParaRPr lang="pl-PL" sz="1100">
+                        <a:effectLst/>
+                        <a:latin typeface="Calibri" panose="020F0502020204030204" pitchFamily="34" charset="0"/>
+                        <a:ea typeface="Calibri" panose="020F0502020204030204" pitchFamily="34" charset="0"/>
+                        <a:cs typeface="Times New Roman" panose="02020603050405020304" pitchFamily="18" charset="0"/>
+                      </a:endParaRPr>
+                    </a:p>
+                  </a:txBody>
+                  <a:tcPr marL="68580" marR="68580" marT="0" marB="0"/>
+                </a:tc>
+                <a:tc>
+                  <a:txBody>
+                    <a:bodyPr/>
+                    <a:lstStyle/>
+                    <a:p>
+                      <a:pPr>
+                        <a:lnSpc>
+                          <a:spcPct val="107000"/>
+                        </a:lnSpc>
+                        <a:spcAft>
+                          <a:spcPts val="0"/>
+                        </a:spcAft>
+                      </a:pPr>
+                      <a:r>
+                        <a:rPr lang="pl-PL" sz="1100">
+                          <a:effectLst/>
+                        </a:rPr>
+                        <a:t>123619</a:t>
+                      </a:r>
+                      <a:endParaRPr lang="pl-PL" sz="1100">
+                        <a:effectLst/>
+                        <a:latin typeface="Calibri" panose="020F0502020204030204" pitchFamily="34" charset="0"/>
+                        <a:ea typeface="Calibri" panose="020F0502020204030204" pitchFamily="34" charset="0"/>
+                        <a:cs typeface="Times New Roman" panose="02020603050405020304" pitchFamily="18" charset="0"/>
+                      </a:endParaRPr>
+                    </a:p>
+                  </a:txBody>
+                  <a:tcPr marL="68580" marR="68580" marT="0" marB="0"/>
+                </a:tc>
+                <a:tc>
+                  <a:txBody>
+                    <a:bodyPr/>
+                    <a:lstStyle/>
+                    <a:p>
+                      <a:pPr>
+                        <a:lnSpc>
+                          <a:spcPct val="107000"/>
+                        </a:lnSpc>
+                        <a:spcAft>
+                          <a:spcPts val="0"/>
+                        </a:spcAft>
+                      </a:pPr>
+                      <a:r>
+                        <a:rPr lang="pl-PL" sz="1100">
+                          <a:effectLst/>
+                        </a:rPr>
+                        <a:t>148489</a:t>
+                      </a:r>
+                      <a:endParaRPr lang="pl-PL" sz="1100">
+                        <a:effectLst/>
+                        <a:latin typeface="Calibri" panose="020F0502020204030204" pitchFamily="34" charset="0"/>
+                        <a:ea typeface="Calibri" panose="020F0502020204030204" pitchFamily="34" charset="0"/>
+                        <a:cs typeface="Times New Roman" panose="02020603050405020304" pitchFamily="18" charset="0"/>
+                      </a:endParaRPr>
+                    </a:p>
+                  </a:txBody>
+                  <a:tcPr marL="68580" marR="68580" marT="0" marB="0"/>
+                </a:tc>
+                <a:extLst>
+                  <a:ext uri="{0D108BD9-81ED-4DB2-BD59-A6C34878D82A}">
+                    <a16:rowId xmlns:a16="http://schemas.microsoft.com/office/drawing/2014/main" val="364794393"/>
+                  </a:ext>
+                </a:extLst>
+              </a:tr>
+              <a:tr h="184157">
+                <a:tc>
+                  <a:txBody>
+                    <a:bodyPr/>
+                    <a:lstStyle/>
+                    <a:p>
+                      <a:pPr>
+                        <a:lnSpc>
+                          <a:spcPct val="107000"/>
+                        </a:lnSpc>
+                        <a:spcAft>
+                          <a:spcPts val="0"/>
+                        </a:spcAft>
+                      </a:pPr>
+                      <a:r>
+                        <a:rPr lang="pl-PL" sz="1100">
+                          <a:effectLst/>
+                        </a:rPr>
+                        <a:t>45</a:t>
+                      </a:r>
+                      <a:endParaRPr lang="pl-PL" sz="1100">
+                        <a:effectLst/>
+                        <a:latin typeface="Calibri" panose="020F0502020204030204" pitchFamily="34" charset="0"/>
+                        <a:ea typeface="Calibri" panose="020F0502020204030204" pitchFamily="34" charset="0"/>
+                        <a:cs typeface="Times New Roman" panose="02020603050405020304" pitchFamily="18" charset="0"/>
+                      </a:endParaRPr>
+                    </a:p>
+                  </a:txBody>
+                  <a:tcPr marL="68580" marR="68580" marT="0" marB="0"/>
+                </a:tc>
+                <a:tc>
+                  <a:txBody>
+                    <a:bodyPr/>
+                    <a:lstStyle/>
+                    <a:p>
+                      <a:pPr>
+                        <a:lnSpc>
+                          <a:spcPct val="107000"/>
+                        </a:lnSpc>
+                        <a:spcAft>
+                          <a:spcPts val="0"/>
+                        </a:spcAft>
+                      </a:pPr>
+                      <a:r>
+                        <a:rPr lang="pl-PL" sz="1100">
+                          <a:effectLst/>
+                        </a:rPr>
+                        <a:t>128331</a:t>
+                      </a:r>
+                      <a:endParaRPr lang="pl-PL" sz="1100">
+                        <a:effectLst/>
+                        <a:latin typeface="Calibri" panose="020F0502020204030204" pitchFamily="34" charset="0"/>
+                        <a:ea typeface="Calibri" panose="020F0502020204030204" pitchFamily="34" charset="0"/>
+                        <a:cs typeface="Times New Roman" panose="02020603050405020304" pitchFamily="18" charset="0"/>
+                      </a:endParaRPr>
+                    </a:p>
+                  </a:txBody>
+                  <a:tcPr marL="68580" marR="68580" marT="0" marB="0"/>
+                </a:tc>
+                <a:tc>
+                  <a:txBody>
+                    <a:bodyPr/>
+                    <a:lstStyle/>
+                    <a:p>
+                      <a:pPr>
+                        <a:lnSpc>
+                          <a:spcPct val="107000"/>
+                        </a:lnSpc>
+                        <a:spcAft>
+                          <a:spcPts val="0"/>
+                        </a:spcAft>
+                      </a:pPr>
+                      <a:r>
+                        <a:rPr lang="pl-PL" sz="1100">
+                          <a:effectLst/>
+                        </a:rPr>
+                        <a:t>272300</a:t>
+                      </a:r>
+                      <a:endParaRPr lang="pl-PL" sz="1100">
+                        <a:effectLst/>
+                        <a:latin typeface="Calibri" panose="020F0502020204030204" pitchFamily="34" charset="0"/>
+                        <a:ea typeface="Calibri" panose="020F0502020204030204" pitchFamily="34" charset="0"/>
+                        <a:cs typeface="Times New Roman" panose="02020603050405020304" pitchFamily="18" charset="0"/>
+                      </a:endParaRPr>
+                    </a:p>
+                  </a:txBody>
+                  <a:tcPr marL="68580" marR="68580" marT="0" marB="0"/>
+                </a:tc>
+                <a:extLst>
+                  <a:ext uri="{0D108BD9-81ED-4DB2-BD59-A6C34878D82A}">
+                    <a16:rowId xmlns:a16="http://schemas.microsoft.com/office/drawing/2014/main" val="293611180"/>
+                  </a:ext>
+                </a:extLst>
+              </a:tr>
+              <a:tr h="184157">
+                <a:tc>
+                  <a:txBody>
+                    <a:bodyPr/>
+                    <a:lstStyle/>
+                    <a:p>
+                      <a:pPr>
+                        <a:lnSpc>
+                          <a:spcPct val="107000"/>
+                        </a:lnSpc>
+                        <a:spcAft>
+                          <a:spcPts val="0"/>
+                        </a:spcAft>
+                      </a:pPr>
+                      <a:r>
+                        <a:rPr lang="pl-PL" sz="1100">
+                          <a:effectLst/>
+                        </a:rPr>
+                        <a:t>50</a:t>
+                      </a:r>
+                      <a:endParaRPr lang="pl-PL" sz="1100">
+                        <a:effectLst/>
+                        <a:latin typeface="Calibri" panose="020F0502020204030204" pitchFamily="34" charset="0"/>
+                        <a:ea typeface="Calibri" panose="020F0502020204030204" pitchFamily="34" charset="0"/>
+                        <a:cs typeface="Times New Roman" panose="02020603050405020304" pitchFamily="18" charset="0"/>
+                      </a:endParaRPr>
+                    </a:p>
+                  </a:txBody>
+                  <a:tcPr marL="68580" marR="68580" marT="0" marB="0"/>
+                </a:tc>
+                <a:tc>
+                  <a:txBody>
+                    <a:bodyPr/>
+                    <a:lstStyle/>
+                    <a:p>
+                      <a:pPr>
+                        <a:lnSpc>
+                          <a:spcPct val="107000"/>
+                        </a:lnSpc>
+                        <a:spcAft>
+                          <a:spcPts val="0"/>
+                        </a:spcAft>
+                      </a:pPr>
+                      <a:r>
+                        <a:rPr lang="pl-PL" sz="1100">
+                          <a:effectLst/>
+                        </a:rPr>
+                        <a:t>157633</a:t>
+                      </a:r>
+                      <a:endParaRPr lang="pl-PL" sz="1100">
+                        <a:effectLst/>
+                        <a:latin typeface="Calibri" panose="020F0502020204030204" pitchFamily="34" charset="0"/>
+                        <a:ea typeface="Calibri" panose="020F0502020204030204" pitchFamily="34" charset="0"/>
+                        <a:cs typeface="Times New Roman" panose="02020603050405020304" pitchFamily="18" charset="0"/>
+                      </a:endParaRPr>
+                    </a:p>
+                  </a:txBody>
+                  <a:tcPr marL="68580" marR="68580" marT="0" marB="0"/>
+                </a:tc>
+                <a:tc>
+                  <a:txBody>
+                    <a:bodyPr/>
+                    <a:lstStyle/>
+                    <a:p>
+                      <a:pPr>
+                        <a:lnSpc>
+                          <a:spcPct val="107000"/>
+                        </a:lnSpc>
+                        <a:spcAft>
+                          <a:spcPts val="0"/>
+                        </a:spcAft>
+                      </a:pPr>
+                      <a:r>
+                        <a:rPr lang="pl-PL" sz="1100">
+                          <a:effectLst/>
+                        </a:rPr>
+                        <a:t>279472</a:t>
+                      </a:r>
+                      <a:endParaRPr lang="pl-PL" sz="1100">
+                        <a:effectLst/>
+                        <a:latin typeface="Calibri" panose="020F0502020204030204" pitchFamily="34" charset="0"/>
+                        <a:ea typeface="Calibri" panose="020F0502020204030204" pitchFamily="34" charset="0"/>
+                        <a:cs typeface="Times New Roman" panose="02020603050405020304" pitchFamily="18" charset="0"/>
+                      </a:endParaRPr>
+                    </a:p>
+                  </a:txBody>
+                  <a:tcPr marL="68580" marR="68580" marT="0" marB="0"/>
+                </a:tc>
+                <a:extLst>
+                  <a:ext uri="{0D108BD9-81ED-4DB2-BD59-A6C34878D82A}">
+                    <a16:rowId xmlns:a16="http://schemas.microsoft.com/office/drawing/2014/main" val="2738662698"/>
+                  </a:ext>
+                </a:extLst>
+              </a:tr>
+              <a:tr h="184157">
+                <a:tc>
+                  <a:txBody>
+                    <a:bodyPr/>
+                    <a:lstStyle/>
+                    <a:p>
+                      <a:pPr>
+                        <a:lnSpc>
+                          <a:spcPct val="107000"/>
+                        </a:lnSpc>
+                        <a:spcAft>
+                          <a:spcPts val="0"/>
+                        </a:spcAft>
+                      </a:pPr>
+                      <a:r>
+                        <a:rPr lang="pl-PL" sz="1100">
+                          <a:effectLst/>
+                        </a:rPr>
+                        <a:t>55</a:t>
+                      </a:r>
+                      <a:endParaRPr lang="pl-PL" sz="1100">
+                        <a:effectLst/>
+                        <a:latin typeface="Calibri" panose="020F0502020204030204" pitchFamily="34" charset="0"/>
+                        <a:ea typeface="Calibri" panose="020F0502020204030204" pitchFamily="34" charset="0"/>
+                        <a:cs typeface="Times New Roman" panose="02020603050405020304" pitchFamily="18" charset="0"/>
+                      </a:endParaRPr>
+                    </a:p>
+                  </a:txBody>
+                  <a:tcPr marL="68580" marR="68580" marT="0" marB="0"/>
+                </a:tc>
+                <a:tc>
+                  <a:txBody>
+                    <a:bodyPr/>
+                    <a:lstStyle/>
+                    <a:p>
+                      <a:pPr>
+                        <a:lnSpc>
+                          <a:spcPct val="107000"/>
+                        </a:lnSpc>
+                        <a:spcAft>
+                          <a:spcPts val="0"/>
+                        </a:spcAft>
+                      </a:pPr>
+                      <a:r>
+                        <a:rPr lang="pl-PL" sz="1100">
+                          <a:effectLst/>
+                        </a:rPr>
+                        <a:t>177647</a:t>
+                      </a:r>
+                      <a:endParaRPr lang="pl-PL" sz="1100">
+                        <a:effectLst/>
+                        <a:latin typeface="Calibri" panose="020F0502020204030204" pitchFamily="34" charset="0"/>
+                        <a:ea typeface="Calibri" panose="020F0502020204030204" pitchFamily="34" charset="0"/>
+                        <a:cs typeface="Times New Roman" panose="02020603050405020304" pitchFamily="18" charset="0"/>
+                      </a:endParaRPr>
+                    </a:p>
+                  </a:txBody>
+                  <a:tcPr marL="68580" marR="68580" marT="0" marB="0"/>
+                </a:tc>
+                <a:tc>
+                  <a:txBody>
+                    <a:bodyPr/>
+                    <a:lstStyle/>
+                    <a:p>
+                      <a:pPr>
+                        <a:lnSpc>
+                          <a:spcPct val="107000"/>
+                        </a:lnSpc>
+                        <a:spcAft>
+                          <a:spcPts val="0"/>
+                        </a:spcAft>
+                      </a:pPr>
+                      <a:r>
+                        <a:rPr lang="pl-PL" sz="1100">
+                          <a:effectLst/>
+                        </a:rPr>
+                        <a:t>369525</a:t>
+                      </a:r>
+                      <a:endParaRPr lang="pl-PL" sz="1100">
+                        <a:effectLst/>
+                        <a:latin typeface="Calibri" panose="020F0502020204030204" pitchFamily="34" charset="0"/>
+                        <a:ea typeface="Calibri" panose="020F0502020204030204" pitchFamily="34" charset="0"/>
+                        <a:cs typeface="Times New Roman" panose="02020603050405020304" pitchFamily="18" charset="0"/>
+                      </a:endParaRPr>
+                    </a:p>
+                  </a:txBody>
+                  <a:tcPr marL="68580" marR="68580" marT="0" marB="0"/>
+                </a:tc>
+                <a:extLst>
+                  <a:ext uri="{0D108BD9-81ED-4DB2-BD59-A6C34878D82A}">
+                    <a16:rowId xmlns:a16="http://schemas.microsoft.com/office/drawing/2014/main" val="1643703640"/>
+                  </a:ext>
+                </a:extLst>
+              </a:tr>
+              <a:tr h="184157">
+                <a:tc>
+                  <a:txBody>
+                    <a:bodyPr/>
+                    <a:lstStyle/>
+                    <a:p>
+                      <a:pPr>
+                        <a:lnSpc>
+                          <a:spcPct val="107000"/>
+                        </a:lnSpc>
+                        <a:spcAft>
+                          <a:spcPts val="0"/>
+                        </a:spcAft>
+                      </a:pPr>
+                      <a:r>
+                        <a:rPr lang="pl-PL" sz="1100">
+                          <a:effectLst/>
+                        </a:rPr>
+                        <a:t>60</a:t>
+                      </a:r>
+                      <a:endParaRPr lang="pl-PL" sz="1100">
+                        <a:effectLst/>
+                        <a:latin typeface="Calibri" panose="020F0502020204030204" pitchFamily="34" charset="0"/>
+                        <a:ea typeface="Calibri" panose="020F0502020204030204" pitchFamily="34" charset="0"/>
+                        <a:cs typeface="Times New Roman" panose="02020603050405020304" pitchFamily="18" charset="0"/>
+                      </a:endParaRPr>
+                    </a:p>
+                  </a:txBody>
+                  <a:tcPr marL="68580" marR="68580" marT="0" marB="0"/>
+                </a:tc>
+                <a:tc>
+                  <a:txBody>
+                    <a:bodyPr/>
+                    <a:lstStyle/>
+                    <a:p>
+                      <a:pPr>
+                        <a:lnSpc>
+                          <a:spcPct val="107000"/>
+                        </a:lnSpc>
+                        <a:spcAft>
+                          <a:spcPts val="0"/>
+                        </a:spcAft>
+                      </a:pPr>
+                      <a:r>
+                        <a:rPr lang="pl-PL" sz="1100">
+                          <a:effectLst/>
+                        </a:rPr>
+                        <a:t>178560</a:t>
+                      </a:r>
+                      <a:endParaRPr lang="pl-PL" sz="1100">
+                        <a:effectLst/>
+                        <a:latin typeface="Calibri" panose="020F0502020204030204" pitchFamily="34" charset="0"/>
+                        <a:ea typeface="Calibri" panose="020F0502020204030204" pitchFamily="34" charset="0"/>
+                        <a:cs typeface="Times New Roman" panose="02020603050405020304" pitchFamily="18" charset="0"/>
+                      </a:endParaRPr>
+                    </a:p>
+                  </a:txBody>
+                  <a:tcPr marL="68580" marR="68580" marT="0" marB="0"/>
+                </a:tc>
+                <a:tc>
+                  <a:txBody>
+                    <a:bodyPr/>
+                    <a:lstStyle/>
+                    <a:p>
+                      <a:pPr>
+                        <a:lnSpc>
+                          <a:spcPct val="107000"/>
+                        </a:lnSpc>
+                        <a:spcAft>
+                          <a:spcPts val="0"/>
+                        </a:spcAft>
+                      </a:pPr>
+                      <a:r>
+                        <a:rPr lang="pl-PL" sz="1100">
+                          <a:effectLst/>
+                        </a:rPr>
+                        <a:t>391747</a:t>
+                      </a:r>
+                      <a:endParaRPr lang="pl-PL" sz="1100">
+                        <a:effectLst/>
+                        <a:latin typeface="Calibri" panose="020F0502020204030204" pitchFamily="34" charset="0"/>
+                        <a:ea typeface="Calibri" panose="020F0502020204030204" pitchFamily="34" charset="0"/>
+                        <a:cs typeface="Times New Roman" panose="02020603050405020304" pitchFamily="18" charset="0"/>
+                      </a:endParaRPr>
+                    </a:p>
+                  </a:txBody>
+                  <a:tcPr marL="68580" marR="68580" marT="0" marB="0"/>
+                </a:tc>
+                <a:extLst>
+                  <a:ext uri="{0D108BD9-81ED-4DB2-BD59-A6C34878D82A}">
+                    <a16:rowId xmlns:a16="http://schemas.microsoft.com/office/drawing/2014/main" val="4226005569"/>
+                  </a:ext>
+                </a:extLst>
+              </a:tr>
+              <a:tr h="184157">
+                <a:tc>
+                  <a:txBody>
+                    <a:bodyPr/>
+                    <a:lstStyle/>
+                    <a:p>
+                      <a:pPr>
+                        <a:lnSpc>
+                          <a:spcPct val="107000"/>
+                        </a:lnSpc>
+                        <a:spcAft>
+                          <a:spcPts val="0"/>
+                        </a:spcAft>
+                      </a:pPr>
+                      <a:r>
+                        <a:rPr lang="pl-PL" sz="1100" dirty="0">
+                          <a:effectLst/>
+                        </a:rPr>
+                        <a:t>64</a:t>
+                      </a:r>
+                      <a:endParaRPr lang="pl-PL" sz="1100" dirty="0">
+                        <a:effectLst/>
+                        <a:latin typeface="Calibri" panose="020F0502020204030204" pitchFamily="34" charset="0"/>
+                        <a:ea typeface="Calibri" panose="020F0502020204030204" pitchFamily="34" charset="0"/>
+                        <a:cs typeface="Times New Roman" panose="02020603050405020304" pitchFamily="18" charset="0"/>
+                      </a:endParaRPr>
+                    </a:p>
+                  </a:txBody>
+                  <a:tcPr marL="68580" marR="68580" marT="0" marB="0"/>
+                </a:tc>
+                <a:tc>
+                  <a:txBody>
+                    <a:bodyPr/>
+                    <a:lstStyle/>
+                    <a:p>
+                      <a:pPr>
+                        <a:lnSpc>
+                          <a:spcPct val="107000"/>
+                        </a:lnSpc>
+                        <a:spcAft>
+                          <a:spcPts val="0"/>
+                        </a:spcAft>
+                      </a:pPr>
+                      <a:r>
+                        <a:rPr lang="pl-PL" sz="1100">
+                          <a:effectLst/>
+                        </a:rPr>
+                        <a:t>178901</a:t>
+                      </a:r>
+                      <a:endParaRPr lang="pl-PL" sz="1100">
+                        <a:effectLst/>
+                        <a:latin typeface="Calibri" panose="020F0502020204030204" pitchFamily="34" charset="0"/>
+                        <a:ea typeface="Calibri" panose="020F0502020204030204" pitchFamily="34" charset="0"/>
+                        <a:cs typeface="Times New Roman" panose="02020603050405020304" pitchFamily="18" charset="0"/>
+                      </a:endParaRPr>
+                    </a:p>
+                  </a:txBody>
+                  <a:tcPr marL="68580" marR="68580" marT="0" marB="0"/>
+                </a:tc>
+                <a:tc>
+                  <a:txBody>
+                    <a:bodyPr/>
+                    <a:lstStyle/>
+                    <a:p>
+                      <a:pPr>
+                        <a:lnSpc>
+                          <a:spcPct val="107000"/>
+                        </a:lnSpc>
+                        <a:spcAft>
+                          <a:spcPts val="0"/>
+                        </a:spcAft>
+                      </a:pPr>
+                      <a:r>
+                        <a:rPr lang="pl-PL" sz="1100" dirty="0">
+                          <a:effectLst/>
+                        </a:rPr>
+                        <a:t>534487</a:t>
+                      </a:r>
+                      <a:endParaRPr lang="pl-PL" sz="1100" dirty="0">
+                        <a:effectLst/>
+                        <a:latin typeface="Calibri" panose="020F0502020204030204" pitchFamily="34" charset="0"/>
+                        <a:ea typeface="Calibri" panose="020F0502020204030204" pitchFamily="34" charset="0"/>
+                        <a:cs typeface="Times New Roman" panose="02020603050405020304" pitchFamily="18" charset="0"/>
+                      </a:endParaRPr>
+                    </a:p>
+                  </a:txBody>
+                  <a:tcPr marL="68580" marR="68580" marT="0" marB="0"/>
+                </a:tc>
+                <a:extLst>
+                  <a:ext uri="{0D108BD9-81ED-4DB2-BD59-A6C34878D82A}">
+                    <a16:rowId xmlns:a16="http://schemas.microsoft.com/office/drawing/2014/main" val="583136229"/>
+                  </a:ext>
+                </a:extLst>
+              </a:tr>
+            </a:tbl>
+          </a:graphicData>
+        </a:graphic>
+      </p:graphicFrame>
+      <p:graphicFrame>
+        <p:nvGraphicFramePr>
+          <p:cNvPr id="5" name="Wykres 4">
+            <a:extLst>
+              <a:ext uri="{FF2B5EF4-FFF2-40B4-BE49-F238E27FC236}">
+                <a16:creationId xmlns:a16="http://schemas.microsoft.com/office/drawing/2014/main" id="{694A139B-0AA6-4597-BCC7-75A152019ADA}"/>
+              </a:ext>
+            </a:extLst>
+          </p:cNvPr>
+          <p:cNvGraphicFramePr/>
+          <p:nvPr>
+            <p:extLst>
+              <p:ext uri="{D42A27DB-BD31-4B8C-83A1-F6EECF244321}">
+                <p14:modId xmlns:p14="http://schemas.microsoft.com/office/powerpoint/2010/main" val="261204495"/>
+              </p:ext>
+            </p:extLst>
+          </p:nvPr>
+        </p:nvGraphicFramePr>
+        <p:xfrm>
+          <a:off x="5850384" y="1793290"/>
+          <a:ext cx="5771225" cy="4172504"/>
+        </p:xfrm>
+        <a:graphic>
+          <a:graphicData uri="http://schemas.openxmlformats.org/drawingml/2006/chart">
+            <c:chart xmlns:c="http://schemas.openxmlformats.org/drawingml/2006/chart" xmlns:r="http://schemas.openxmlformats.org/officeDocument/2006/relationships" r:id="rId2"/>
+          </a:graphicData>
+        </a:graphic>
+      </p:graphicFrame>
     </p:spTree>
     <p:extLst>
       <p:ext uri="{BB962C8B-B14F-4D97-AF65-F5344CB8AC3E}">

--- a/Negatyw.pptx
+++ b/Negatyw.pptx
@@ -10,9 +10,11 @@
     <p:sldId id="258" r:id="rId4"/>
     <p:sldId id="259" r:id="rId5"/>
     <p:sldId id="260" r:id="rId6"/>
-    <p:sldId id="261" r:id="rId7"/>
-    <p:sldId id="262" r:id="rId8"/>
-    <p:sldId id="264" r:id="rId9"/>
+    <p:sldId id="266" r:id="rId7"/>
+    <p:sldId id="265" r:id="rId8"/>
+    <p:sldId id="262" r:id="rId9"/>
+    <p:sldId id="267" r:id="rId10"/>
+    <p:sldId id="264" r:id="rId11"/>
   </p:sldIdLst>
   <p:sldSz cx="12192000" cy="6858000"/>
   <p:notesSz cx="6858000" cy="9144000"/>
@@ -372,7 +374,7 @@
           <c:smooth val="0"/>
           <c:extLst>
             <c:ext xmlns:c16="http://schemas.microsoft.com/office/drawing/2014/chart" uri="{C3380CC4-5D6E-409C-BE32-E72D297353CC}">
-              <c16:uniqueId val="{00000000-BED4-411A-8A77-BE9CF14FC28C}"/>
+              <c16:uniqueId val="{00000000-789B-4F92-8FD1-BACBB587CB2C}"/>
             </c:ext>
           </c:extLst>
         </c:ser>
@@ -481,67 +483,67 @@
                 <c:formatCode>General</c:formatCode>
                 <c:ptCount val="21"/>
                 <c:pt idx="0">
-                  <c:v>38392</c:v>
+                  <c:v>35117</c:v>
                 </c:pt>
                 <c:pt idx="1">
-                  <c:v>12982</c:v>
+                  <c:v>14335</c:v>
                 </c:pt>
                 <c:pt idx="2">
-                  <c:v>27047</c:v>
+                  <c:v>14547</c:v>
                 </c:pt>
                 <c:pt idx="3">
-                  <c:v>30818</c:v>
+                  <c:v>18137</c:v>
                 </c:pt>
                 <c:pt idx="4">
-                  <c:v>33147</c:v>
+                  <c:v>19347</c:v>
                 </c:pt>
                 <c:pt idx="5">
-                  <c:v>33844</c:v>
+                  <c:v>19450</c:v>
                 </c:pt>
                 <c:pt idx="6">
-                  <c:v>50730</c:v>
+                  <c:v>22395</c:v>
                 </c:pt>
                 <c:pt idx="7">
-                  <c:v>36547</c:v>
+                  <c:v>24202</c:v>
                 </c:pt>
                 <c:pt idx="8">
-                  <c:v>31061</c:v>
+                  <c:v>27073</c:v>
                 </c:pt>
                 <c:pt idx="9">
-                  <c:v>48964</c:v>
+                  <c:v>28747</c:v>
                 </c:pt>
                 <c:pt idx="10">
-                  <c:v>50611</c:v>
+                  <c:v>36909</c:v>
                 </c:pt>
                 <c:pt idx="11">
                   <c:v>49433</c:v>
                 </c:pt>
                 <c:pt idx="12">
-                  <c:v>97350</c:v>
+                  <c:v>53653</c:v>
                 </c:pt>
                 <c:pt idx="13">
-                  <c:v>99748</c:v>
+                  <c:v>63780</c:v>
                 </c:pt>
                 <c:pt idx="14">
-                  <c:v>135168</c:v>
+                  <c:v>76407</c:v>
                 </c:pt>
                 <c:pt idx="15">
-                  <c:v>148489</c:v>
+                  <c:v>88054</c:v>
                 </c:pt>
                 <c:pt idx="16">
-                  <c:v>272300</c:v>
+                  <c:v>103168</c:v>
                 </c:pt>
                 <c:pt idx="17">
-                  <c:v>279472</c:v>
+                  <c:v>114277</c:v>
                 </c:pt>
                 <c:pt idx="18">
-                  <c:v>369525</c:v>
+                  <c:v>116295</c:v>
                 </c:pt>
                 <c:pt idx="19">
-                  <c:v>391747</c:v>
+                  <c:v>130257</c:v>
                 </c:pt>
                 <c:pt idx="20">
-                  <c:v>534487</c:v>
+                  <c:v>154375</c:v>
                 </c:pt>
               </c:numCache>
             </c:numRef>
@@ -549,7 +551,7 @@
           <c:smooth val="0"/>
           <c:extLst>
             <c:ext xmlns:c16="http://schemas.microsoft.com/office/drawing/2014/chart" uri="{C3380CC4-5D6E-409C-BE32-E72D297353CC}">
-              <c16:uniqueId val="{00000001-BED4-411A-8A77-BE9CF14FC28C}"/>
+              <c16:uniqueId val="{00000001-789B-4F92-8FD1-BACBB587CB2C}"/>
             </c:ext>
           </c:extLst>
         </c:ser>
@@ -686,8 +688,8 @@
         <c:manualLayout>
           <c:xMode val="edge"/>
           <c:yMode val="edge"/>
-          <c:x val="0.28499270924467773"/>
-          <c:y val="0.9092257217847769"/>
+          <c:x val="0.41261731161236614"/>
+          <c:y val="0.93045840139233249"/>
           <c:w val="0.21888907115777195"/>
           <c:h val="6.6964754405699295E-2"/>
         </c:manualLayout>
@@ -1481,7 +1483,7 @@
           <a:p>
             <a:fld id="{48A87A34-81AB-432B-8DAE-1953F412C126}" type="datetimeFigureOut">
               <a:rPr lang="en-US" dirty="0"/>
-              <a:t>11/29/2019</a:t>
+              <a:t>11/30/2019</a:t>
             </a:fld>
             <a:endParaRPr lang="en-US" dirty="0"/>
           </a:p>
@@ -1743,7 +1745,7 @@
           <a:p>
             <a:fld id="{48A87A34-81AB-432B-8DAE-1953F412C126}" type="datetimeFigureOut">
               <a:rPr lang="en-US" dirty="0"/>
-              <a:t>11/29/2019</a:t>
+              <a:t>11/30/2019</a:t>
             </a:fld>
             <a:endParaRPr lang="en-US" dirty="0"/>
           </a:p>
@@ -1970,7 +1972,7 @@
             <a:fld id="{48A87A34-81AB-432B-8DAE-1953F412C126}" type="datetimeFigureOut">
               <a:rPr lang="en-US" dirty="0"/>
               <a:pPr/>
-              <a:t>11/29/2019</a:t>
+              <a:t>11/30/2019</a:t>
             </a:fld>
             <a:endParaRPr lang="en-US" dirty="0"/>
           </a:p>
@@ -2276,7 +2278,7 @@
             <a:fld id="{48A87A34-81AB-432B-8DAE-1953F412C126}" type="datetimeFigureOut">
               <a:rPr lang="en-US" dirty="0"/>
               <a:pPr/>
-              <a:t>11/29/2019</a:t>
+              <a:t>11/30/2019</a:t>
             </a:fld>
             <a:endParaRPr lang="en-US" dirty="0"/>
           </a:p>
@@ -2745,7 +2747,7 @@
             <a:fld id="{48A87A34-81AB-432B-8DAE-1953F412C126}" type="datetimeFigureOut">
               <a:rPr lang="en-US" dirty="0"/>
               <a:pPr/>
-              <a:t>11/29/2019</a:t>
+              <a:t>11/30/2019</a:t>
             </a:fld>
             <a:endParaRPr lang="en-US" dirty="0"/>
           </a:p>
@@ -3287,7 +3289,7 @@
           <a:p>
             <a:fld id="{48A87A34-81AB-432B-8DAE-1953F412C126}" type="datetimeFigureOut">
               <a:rPr lang="en-US" dirty="0"/>
-              <a:t>11/29/2019</a:t>
+              <a:t>11/30/2019</a:t>
             </a:fld>
             <a:endParaRPr lang="en-US" dirty="0"/>
           </a:p>
@@ -4056,7 +4058,7 @@
           <a:p>
             <a:fld id="{48A87A34-81AB-432B-8DAE-1953F412C126}" type="datetimeFigureOut">
               <a:rPr lang="en-US" dirty="0"/>
-              <a:t>11/29/2019</a:t>
+              <a:t>11/30/2019</a:t>
             </a:fld>
             <a:endParaRPr lang="en-US" dirty="0"/>
           </a:p>
@@ -4226,7 +4228,7 @@
           <a:p>
             <a:fld id="{48A87A34-81AB-432B-8DAE-1953F412C126}" type="datetimeFigureOut">
               <a:rPr lang="en-US" dirty="0"/>
-              <a:t>11/29/2019</a:t>
+              <a:t>11/30/2019</a:t>
             </a:fld>
             <a:endParaRPr lang="en-US" dirty="0"/>
           </a:p>
@@ -4445,7 +4447,7 @@
             <a:fld id="{48A87A34-81AB-432B-8DAE-1953F412C126}" type="datetimeFigureOut">
               <a:rPr lang="en-US" dirty="0"/>
               <a:pPr/>
-              <a:t>11/29/2019</a:t>
+              <a:t>11/30/2019</a:t>
             </a:fld>
             <a:endParaRPr lang="en-US" dirty="0"/>
           </a:p>
@@ -4620,7 +4622,7 @@
           <a:p>
             <a:fld id="{48A87A34-81AB-432B-8DAE-1953F412C126}" type="datetimeFigureOut">
               <a:rPr lang="en-US" dirty="0"/>
-              <a:t>11/29/2019</a:t>
+              <a:t>11/30/2019</a:t>
             </a:fld>
             <a:endParaRPr lang="en-US" dirty="0"/>
           </a:p>
@@ -4905,7 +4907,7 @@
             <a:fld id="{48A87A34-81AB-432B-8DAE-1953F412C126}" type="datetimeFigureOut">
               <a:rPr lang="en-US" dirty="0"/>
               <a:pPr/>
-              <a:t>11/29/2019</a:t>
+              <a:t>11/30/2019</a:t>
             </a:fld>
             <a:endParaRPr lang="en-US" dirty="0"/>
           </a:p>
@@ -5142,7 +5144,7 @@
           <a:p>
             <a:fld id="{48A87A34-81AB-432B-8DAE-1953F412C126}" type="datetimeFigureOut">
               <a:rPr lang="en-US" dirty="0"/>
-              <a:t>11/29/2019</a:t>
+              <a:t>11/30/2019</a:t>
             </a:fld>
             <a:endParaRPr lang="en-US" dirty="0"/>
           </a:p>
@@ -5516,7 +5518,7 @@
           <a:p>
             <a:fld id="{48A87A34-81AB-432B-8DAE-1953F412C126}" type="datetimeFigureOut">
               <a:rPr lang="en-US" dirty="0"/>
-              <a:t>11/29/2019</a:t>
+              <a:t>11/30/2019</a:t>
             </a:fld>
             <a:endParaRPr lang="en-US" dirty="0"/>
           </a:p>
@@ -5629,7 +5631,7 @@
           <a:p>
             <a:fld id="{48A87A34-81AB-432B-8DAE-1953F412C126}" type="datetimeFigureOut">
               <a:rPr lang="en-US" dirty="0"/>
-              <a:t>11/29/2019</a:t>
+              <a:t>11/30/2019</a:t>
             </a:fld>
             <a:endParaRPr lang="en-US" dirty="0"/>
           </a:p>
@@ -5719,7 +5721,7 @@
           <a:p>
             <a:fld id="{48A87A34-81AB-432B-8DAE-1953F412C126}" type="datetimeFigureOut">
               <a:rPr lang="en-US" dirty="0"/>
-              <a:t>11/29/2019</a:t>
+              <a:t>11/30/2019</a:t>
             </a:fld>
             <a:endParaRPr lang="en-US" dirty="0"/>
           </a:p>
@@ -5963,7 +5965,7 @@
           <a:p>
             <a:fld id="{48A87A34-81AB-432B-8DAE-1953F412C126}" type="datetimeFigureOut">
               <a:rPr lang="en-US" dirty="0"/>
-              <a:t>11/29/2019</a:t>
+              <a:t>11/30/2019</a:t>
             </a:fld>
             <a:endParaRPr lang="en-US" dirty="0"/>
           </a:p>
@@ -6215,7 +6217,7 @@
           <a:p>
             <a:fld id="{48A87A34-81AB-432B-8DAE-1953F412C126}" type="datetimeFigureOut">
               <a:rPr lang="en-US" dirty="0"/>
-              <a:t>11/29/2019</a:t>
+              <a:t>11/30/2019</a:t>
             </a:fld>
             <a:endParaRPr lang="en-US" dirty="0"/>
           </a:p>
@@ -6454,7 +6456,7 @@
             <a:fld id="{48A87A34-81AB-432B-8DAE-1953F412C126}" type="datetimeFigureOut">
               <a:rPr lang="en-US" dirty="0"/>
               <a:pPr/>
-              <a:t>11/29/2019</a:t>
+              <a:t>11/30/2019</a:t>
             </a:fld>
             <a:endParaRPr lang="en-US" dirty="0"/>
           </a:p>
@@ -7124,6 +7126,387 @@
 </p:sld>
 </file>
 
+<file path=ppt/slides/slide10.xml><?xml version="1.0" encoding="utf-8"?>
+<p:sld xmlns:a="http://schemas.openxmlformats.org/drawingml/2006/main" xmlns:r="http://schemas.openxmlformats.org/officeDocument/2006/relationships" xmlns:p="http://schemas.openxmlformats.org/presentationml/2006/main">
+  <p:cSld>
+    <p:bg>
+      <p:bgPr>
+        <a:solidFill>
+          <a:schemeClr val="bg1"/>
+        </a:solidFill>
+        <a:effectLst/>
+      </p:bgPr>
+    </p:bg>
+    <p:spTree>
+      <p:nvGrpSpPr>
+        <p:cNvPr id="1" name=""/>
+        <p:cNvGrpSpPr/>
+        <p:nvPr/>
+      </p:nvGrpSpPr>
+      <p:grpSpPr>
+        <a:xfrm>
+          <a:off x="0" y="0"/>
+          <a:ext cx="0" cy="0"/>
+          <a:chOff x="0" y="0"/>
+          <a:chExt cx="0" cy="0"/>
+        </a:xfrm>
+      </p:grpSpPr>
+      <p:pic>
+        <p:nvPicPr>
+          <p:cNvPr id="10" name="Picture 9">
+            <a:extLst>
+              <a:ext uri="{FF2B5EF4-FFF2-40B4-BE49-F238E27FC236}">
+                <a16:creationId xmlns:a16="http://schemas.microsoft.com/office/drawing/2014/main" id="{75577CC7-6B96-4908-84E4-0D2AC01834E3}"/>
+              </a:ext>
+              <a:ext uri="{C183D7F6-B498-43B3-948B-1728B52AA6E4}">
+                <adec:decorative xmlns:adec="http://schemas.microsoft.com/office/drawing/2017/decorative" val="1"/>
+              </a:ext>
+            </a:extLst>
+          </p:cNvPr>
+          <p:cNvPicPr>
+            <a:picLocks noGrp="1" noRot="1" noChangeAspect="1" noMove="1" noResize="1" noEditPoints="1" noAdjustHandles="1" noChangeArrowheads="1" noChangeShapeType="1" noCrop="1"/>
+          </p:cNvPicPr>
+          <p:nvPr>
+            <p:extLst>
+              <p:ext uri="{386F3935-93C4-4BCD-93E2-E3B085C9AB24}">
+                <p16:designElem xmlns:p16="http://schemas.microsoft.com/office/powerpoint/2015/main" val="1"/>
+              </p:ext>
+            </p:extLst>
+          </p:nvPr>
+        </p:nvPicPr>
+        <p:blipFill>
+          <a:blip r:embed="rId2">
+            <a:extLst>
+              <a:ext uri="{28A0092B-C50C-407E-A947-70E740481C1C}">
+                <a14:useLocalDpi xmlns:a14="http://schemas.microsoft.com/office/drawing/2010/main" val="0"/>
+              </a:ext>
+            </a:extLst>
+          </a:blip>
+          <a:stretch>
+            <a:fillRect/>
+          </a:stretch>
+        </p:blipFill>
+        <p:spPr>
+          <a:xfrm>
+            <a:off x="0" y="0"/>
+            <a:ext cx="12192000" cy="1441450"/>
+          </a:xfrm>
+          <a:prstGeom prst="rect">
+            <a:avLst/>
+          </a:prstGeom>
+        </p:spPr>
+      </p:pic>
+      <p:pic>
+        <p:nvPicPr>
+          <p:cNvPr id="12" name="Picture 11">
+            <a:extLst>
+              <a:ext uri="{FF2B5EF4-FFF2-40B4-BE49-F238E27FC236}">
+                <a16:creationId xmlns:a16="http://schemas.microsoft.com/office/drawing/2014/main" id="{3094519A-B61A-4BE2-9E40-30E744081BB3}"/>
+              </a:ext>
+              <a:ext uri="{C183D7F6-B498-43B3-948B-1728B52AA6E4}">
+                <adec:decorative xmlns:adec="http://schemas.microsoft.com/office/drawing/2017/decorative" val="1"/>
+              </a:ext>
+            </a:extLst>
+          </p:cNvPr>
+          <p:cNvPicPr>
+            <a:picLocks noGrp="1" noRot="1" noChangeAspect="1" noMove="1" noResize="1" noEditPoints="1" noAdjustHandles="1" noChangeArrowheads="1" noChangeShapeType="1" noCrop="1"/>
+          </p:cNvPicPr>
+          <p:nvPr>
+            <p:extLst>
+              <p:ext uri="{386F3935-93C4-4BCD-93E2-E3B085C9AB24}">
+                <p16:designElem xmlns:p16="http://schemas.microsoft.com/office/powerpoint/2015/main" val="1"/>
+              </p:ext>
+            </p:extLst>
+          </p:nvPr>
+        </p:nvPicPr>
+        <p:blipFill>
+          <a:blip r:embed="rId3">
+            <a:extLst>
+              <a:ext uri="{28A0092B-C50C-407E-A947-70E740481C1C}">
+                <a14:useLocalDpi xmlns:a14="http://schemas.microsoft.com/office/drawing/2010/main" val="0"/>
+              </a:ext>
+            </a:extLst>
+          </a:blip>
+          <a:stretch>
+            <a:fillRect/>
+          </a:stretch>
+        </p:blipFill>
+        <p:spPr>
+          <a:xfrm>
+            <a:off x="0" y="4375150"/>
+            <a:ext cx="12192000" cy="2482850"/>
+          </a:xfrm>
+          <a:prstGeom prst="rect">
+            <a:avLst/>
+          </a:prstGeom>
+        </p:spPr>
+      </p:pic>
+      <p:sp useBgFill="1">
+        <p:nvSpPr>
+          <p:cNvPr id="14" name="Rectangle 13">
+            <a:extLst>
+              <a:ext uri="{FF2B5EF4-FFF2-40B4-BE49-F238E27FC236}">
+                <a16:creationId xmlns:a16="http://schemas.microsoft.com/office/drawing/2014/main" id="{A7244538-290E-40DA-A93A-14BB3E6CF173}"/>
+              </a:ext>
+              <a:ext uri="{C183D7F6-B498-43B3-948B-1728B52AA6E4}">
+                <adec:decorative xmlns:adec="http://schemas.microsoft.com/office/drawing/2017/decorative" val="1"/>
+              </a:ext>
+            </a:extLst>
+          </p:cNvPr>
+          <p:cNvSpPr>
+            <a:spLocks noGrp="1" noRot="1" noChangeAspect="1" noMove="1" noResize="1" noEditPoints="1" noAdjustHandles="1" noChangeArrowheads="1" noChangeShapeType="1" noTextEdit="1"/>
+          </p:cNvSpPr>
+          <p:nvPr>
+            <p:extLst>
+              <p:ext uri="{386F3935-93C4-4BCD-93E2-E3B085C9AB24}">
+                <p16:designElem xmlns:p16="http://schemas.microsoft.com/office/powerpoint/2015/main" val="1"/>
+              </p:ext>
+            </p:extLst>
+          </p:nvPr>
+        </p:nvSpPr>
+        <p:spPr>
+          <a:xfrm>
+            <a:off x="0" y="-2"/>
+            <a:ext cx="12191999" cy="4543721"/>
+          </a:xfrm>
+          <a:prstGeom prst="rect">
+            <a:avLst/>
+          </a:prstGeom>
+          <a:ln>
+            <a:noFill/>
+          </a:ln>
+        </p:spPr>
+        <p:style>
+          <a:lnRef idx="2">
+            <a:schemeClr val="accent1">
+              <a:shade val="50000"/>
+            </a:schemeClr>
+          </a:lnRef>
+          <a:fillRef idx="1">
+            <a:schemeClr val="accent1"/>
+          </a:fillRef>
+          <a:effectRef idx="0">
+            <a:schemeClr val="accent1"/>
+          </a:effectRef>
+          <a:fontRef idx="minor">
+            <a:schemeClr val="lt1"/>
+          </a:fontRef>
+        </p:style>
+        <p:txBody>
+          <a:bodyPr rtlCol="0" anchor="ctr"/>
+          <a:lstStyle/>
+          <a:p>
+            <a:pPr algn="ctr"/>
+            <a:endParaRPr lang="en-US"/>
+          </a:p>
+        </p:txBody>
+      </p:sp>
+      <p:sp>
+        <p:nvSpPr>
+          <p:cNvPr id="2" name="Tytuł 1">
+            <a:extLst>
+              <a:ext uri="{FF2B5EF4-FFF2-40B4-BE49-F238E27FC236}">
+                <a16:creationId xmlns:a16="http://schemas.microsoft.com/office/drawing/2014/main" id="{B5682A94-F3AF-43E5-87DA-79425C23963B}"/>
+              </a:ext>
+            </a:extLst>
+          </p:cNvPr>
+          <p:cNvSpPr>
+            <a:spLocks noGrp="1"/>
+          </p:cNvSpPr>
+          <p:nvPr>
+            <p:ph type="title"/>
+          </p:nvPr>
+        </p:nvSpPr>
+        <p:spPr>
+          <a:xfrm>
+            <a:off x="5615888" y="673240"/>
+            <a:ext cx="5951914" cy="3446373"/>
+          </a:xfrm>
+          <a:noFill/>
+          <a:ln w="19050">
+            <a:noFill/>
+            <a:prstDash val="dash"/>
+          </a:ln>
+        </p:spPr>
+        <p:txBody>
+          <a:bodyPr vert="horz" lIns="91440" tIns="45720" rIns="91440" bIns="45720" rtlCol="0" anchor="b">
+            <a:normAutofit/>
+          </a:bodyPr>
+          <a:lstStyle/>
+          <a:p>
+            <a:pPr algn="r"/>
+            <a:r>
+              <a:rPr lang="en-US" sz="4800"/>
+              <a:t>Dziękuję za uwagę</a:t>
+            </a:r>
+          </a:p>
+        </p:txBody>
+      </p:sp>
+      <p:sp useBgFill="1">
+        <p:nvSpPr>
+          <p:cNvPr id="16" name="Rectangle 15">
+            <a:extLst>
+              <a:ext uri="{FF2B5EF4-FFF2-40B4-BE49-F238E27FC236}">
+                <a16:creationId xmlns:a16="http://schemas.microsoft.com/office/drawing/2014/main" id="{AB1DF3B3-9DBC-445D-AE4E-A62E5A9B85D5}"/>
+              </a:ext>
+              <a:ext uri="{C183D7F6-B498-43B3-948B-1728B52AA6E4}">
+                <adec:decorative xmlns:adec="http://schemas.microsoft.com/office/drawing/2017/decorative" val="1"/>
+              </a:ext>
+            </a:extLst>
+          </p:cNvPr>
+          <p:cNvSpPr>
+            <a:spLocks noGrp="1" noRot="1" noChangeAspect="1" noMove="1" noResize="1" noEditPoints="1" noAdjustHandles="1" noChangeArrowheads="1" noChangeShapeType="1" noTextEdit="1"/>
+          </p:cNvSpPr>
+          <p:nvPr>
+            <p:extLst>
+              <p:ext uri="{386F3935-93C4-4BCD-93E2-E3B085C9AB24}">
+                <p16:designElem xmlns:p16="http://schemas.microsoft.com/office/powerpoint/2015/main" val="1"/>
+              </p:ext>
+            </p:extLst>
+          </p:nvPr>
+        </p:nvSpPr>
+        <p:spPr>
+          <a:xfrm>
+            <a:off x="-1" y="0"/>
+            <a:ext cx="4966386" cy="6858000"/>
+          </a:xfrm>
+          <a:prstGeom prst="rect">
+            <a:avLst/>
+          </a:prstGeom>
+          <a:ln>
+            <a:noFill/>
+          </a:ln>
+        </p:spPr>
+        <p:style>
+          <a:lnRef idx="2">
+            <a:schemeClr val="accent1">
+              <a:shade val="50000"/>
+            </a:schemeClr>
+          </a:lnRef>
+          <a:fillRef idx="1">
+            <a:schemeClr val="accent1"/>
+          </a:fillRef>
+          <a:effectRef idx="0">
+            <a:schemeClr val="accent1"/>
+          </a:effectRef>
+          <a:fontRef idx="minor">
+            <a:schemeClr val="lt1"/>
+          </a:fontRef>
+        </p:style>
+        <p:txBody>
+          <a:bodyPr rtlCol="0" anchor="ctr"/>
+          <a:lstStyle/>
+          <a:p>
+            <a:pPr algn="ctr"/>
+            <a:endParaRPr lang="en-US"/>
+          </a:p>
+        </p:txBody>
+      </p:sp>
+      <p:pic>
+        <p:nvPicPr>
+          <p:cNvPr id="5" name="Obraz 4">
+            <a:extLst>
+              <a:ext uri="{FF2B5EF4-FFF2-40B4-BE49-F238E27FC236}">
+                <a16:creationId xmlns:a16="http://schemas.microsoft.com/office/drawing/2014/main" id="{5833AE4D-2043-4730-A29F-2C1452879143}"/>
+              </a:ext>
+            </a:extLst>
+          </p:cNvPr>
+          <p:cNvPicPr>
+            <a:picLocks noChangeAspect="1"/>
+          </p:cNvPicPr>
+          <p:nvPr/>
+        </p:nvPicPr>
+        <p:blipFill rotWithShape="1">
+          <a:blip r:embed="rId4"/>
+          <a:srcRect l="5406" r="7585"/>
+          <a:stretch/>
+        </p:blipFill>
+        <p:spPr>
+          <a:xfrm>
+            <a:off x="-4" y="10"/>
+            <a:ext cx="4654291" cy="6857990"/>
+          </a:xfrm>
+          <a:prstGeom prst="rect">
+            <a:avLst/>
+          </a:prstGeom>
+        </p:spPr>
+      </p:pic>
+      <p:sp>
+        <p:nvSpPr>
+          <p:cNvPr id="18" name="Rectangle 17">
+            <a:extLst>
+              <a:ext uri="{FF2B5EF4-FFF2-40B4-BE49-F238E27FC236}">
+                <a16:creationId xmlns:a16="http://schemas.microsoft.com/office/drawing/2014/main" id="{F51F80E8-0CAC-410E-B59A-29FDDC357ED4}"/>
+              </a:ext>
+              <a:ext uri="{C183D7F6-B498-43B3-948B-1728B52AA6E4}">
+                <adec:decorative xmlns:adec="http://schemas.microsoft.com/office/drawing/2017/decorative" val="1"/>
+              </a:ext>
+            </a:extLst>
+          </p:cNvPr>
+          <p:cNvSpPr>
+            <a:spLocks noGrp="1" noRot="1" noChangeAspect="1" noMove="1" noResize="1" noEditPoints="1" noAdjustHandles="1" noChangeArrowheads="1" noChangeShapeType="1" noTextEdit="1"/>
+          </p:cNvSpPr>
+          <p:nvPr>
+            <p:extLst>
+              <p:ext uri="{386F3935-93C4-4BCD-93E2-E3B085C9AB24}">
+                <p16:designElem xmlns:p16="http://schemas.microsoft.com/office/powerpoint/2015/main" val="1"/>
+              </p:ext>
+            </p:extLst>
+          </p:nvPr>
+        </p:nvSpPr>
+        <p:spPr>
+          <a:xfrm>
+            <a:off x="7946782" y="-1"/>
+            <a:ext cx="4245218" cy="536715"/>
+          </a:xfrm>
+          <a:prstGeom prst="rect">
+            <a:avLst/>
+          </a:prstGeom>
+          <a:solidFill>
+            <a:schemeClr val="bg1"/>
+          </a:solidFill>
+          <a:ln>
+            <a:noFill/>
+          </a:ln>
+        </p:spPr>
+        <p:style>
+          <a:lnRef idx="2">
+            <a:schemeClr val="accent1">
+              <a:shade val="50000"/>
+            </a:schemeClr>
+          </a:lnRef>
+          <a:fillRef idx="1">
+            <a:schemeClr val="accent1"/>
+          </a:fillRef>
+          <a:effectRef idx="0">
+            <a:schemeClr val="accent1"/>
+          </a:effectRef>
+          <a:fontRef idx="minor">
+            <a:schemeClr val="lt1"/>
+          </a:fontRef>
+        </p:style>
+        <p:txBody>
+          <a:bodyPr rtlCol="0" anchor="ctr"/>
+          <a:lstStyle/>
+          <a:p>
+            <a:pPr algn="ctr"/>
+            <a:endParaRPr lang="en-US"/>
+          </a:p>
+        </p:txBody>
+      </p:sp>
+    </p:spTree>
+    <p:extLst>
+      <p:ext uri="{BB962C8B-B14F-4D97-AF65-F5344CB8AC3E}">
+        <p14:creationId xmlns:p14="http://schemas.microsoft.com/office/powerpoint/2010/main" val="485248565"/>
+      </p:ext>
+    </p:extLst>
+  </p:cSld>
+  <p:clrMapOvr>
+    <a:masterClrMapping/>
+  </p:clrMapOvr>
+</p:sld>
+</file>
+
 <file path=ppt/slides/slide2.xml><?xml version="1.0" encoding="utf-8"?>
 <p:sld xmlns:a="http://schemas.openxmlformats.org/drawingml/2006/main" xmlns:r="http://schemas.openxmlformats.org/officeDocument/2006/relationships" xmlns:p="http://schemas.openxmlformats.org/presentationml/2006/main">
   <p:cSld>
@@ -7460,7 +7843,7 @@
         </p:blipFill>
         <p:spPr>
           <a:xfrm>
-            <a:off x="6460464" y="2311272"/>
+            <a:off x="6522610" y="2178107"/>
             <a:ext cx="5467350" cy="3228975"/>
           </a:xfrm>
           <a:prstGeom prst="rect">
@@ -7504,7 +7887,7 @@
         </p:blipFill>
         <p:spPr>
           <a:xfrm>
-            <a:off x="164337" y="2311272"/>
+            <a:off x="202040" y="2178107"/>
             <a:ext cx="5479943" cy="3228975"/>
           </a:xfrm>
           <a:prstGeom prst="rect">
@@ -7531,8 +7914,8 @@
         </p:nvSpPr>
         <p:spPr>
           <a:xfrm>
-            <a:off x="5731536" y="3429000"/>
-            <a:ext cx="728928" cy="840769"/>
+            <a:off x="5762611" y="3522020"/>
+            <a:ext cx="728927" cy="541148"/>
           </a:xfrm>
           <a:prstGeom prst="rightArrow">
             <a:avLst/>
@@ -7559,7 +7942,7 @@
           <a:lstStyle/>
           <a:p>
             <a:pPr algn="ctr"/>
-            <a:endParaRPr lang="pl-PL"/>
+            <a:endParaRPr lang="pl-PL" dirty="0"/>
           </a:p>
         </p:txBody>
       </p:sp>
@@ -7809,7 +8192,7 @@
           <p:cNvPr id="2" name="Tytuł 1">
             <a:extLst>
               <a:ext uri="{FF2B5EF4-FFF2-40B4-BE49-F238E27FC236}">
-                <a16:creationId xmlns:a16="http://schemas.microsoft.com/office/drawing/2014/main" id="{4B39055F-2298-40D8-8919-08C27C8A150F}"/>
+                <a16:creationId xmlns:a16="http://schemas.microsoft.com/office/drawing/2014/main" id="{820EF4B0-F143-4E5F-B4B6-34497EB8BEED}"/>
               </a:ext>
             </a:extLst>
           </p:cNvPr>
@@ -7822,7 +8205,7 @@
         </p:nvSpPr>
         <p:spPr>
           <a:xfrm>
-            <a:off x="2975499" y="366880"/>
+            <a:off x="3037643" y="267223"/>
             <a:ext cx="8610600" cy="1293028"/>
           </a:xfrm>
         </p:spPr>
@@ -7842,7 +8225,7 @@
           <p:cNvPr id="4" name="Symbol zastępczy zawartości 3">
             <a:extLst>
               <a:ext uri="{FF2B5EF4-FFF2-40B4-BE49-F238E27FC236}">
-                <a16:creationId xmlns:a16="http://schemas.microsoft.com/office/drawing/2014/main" id="{72D8179B-D0FC-4DA0-BD49-4694A90F77CC}"/>
+                <a16:creationId xmlns:a16="http://schemas.microsoft.com/office/drawing/2014/main" id="{8C9601C2-D73E-4297-83A7-5364D065F8FF}"/>
               </a:ext>
             </a:extLst>
           </p:cNvPr>
@@ -7853,14 +8236,14 @@
             <p:ph idx="1"/>
             <p:extLst>
               <p:ext uri="{D42A27DB-BD31-4B8C-83A1-F6EECF244321}">
-                <p14:modId xmlns:p14="http://schemas.microsoft.com/office/powerpoint/2010/main" val="4033334584"/>
+                <p14:modId xmlns:p14="http://schemas.microsoft.com/office/powerpoint/2010/main" val="2276059726"/>
               </p:ext>
             </p:extLst>
           </p:nvPr>
         </p:nvGraphicFramePr>
         <p:xfrm>
-          <a:off x="570391" y="1793290"/>
-          <a:ext cx="5037418" cy="4051316"/>
+          <a:off x="1004656" y="1455938"/>
+          <a:ext cx="3435658" cy="5051909"/>
         </p:xfrm>
         <a:graphic>
           <a:graphicData uri="http://schemas.openxmlformats.org/drawingml/2006/table">
@@ -7869,29 +8252,29 @@
                 <a:tableStyleId>{5C22544A-7EE6-4342-B048-85BDC9FD1C3A}</a:tableStyleId>
               </a:tblPr>
               <a:tblGrid>
-                <a:gridCol w="1678769">
+                <a:gridCol w="1144966">
                   <a:extLst>
                     <a:ext uri="{9D8B030D-6E8A-4147-A177-3AD203B41FA5}">
-                      <a16:colId xmlns:a16="http://schemas.microsoft.com/office/drawing/2014/main" val="3778399658"/>
+                      <a16:colId xmlns:a16="http://schemas.microsoft.com/office/drawing/2014/main" val="1226109487"/>
                     </a:ext>
                   </a:extLst>
                 </a:gridCol>
-                <a:gridCol w="1601940">
+                <a:gridCol w="1145346">
                   <a:extLst>
                     <a:ext uri="{9D8B030D-6E8A-4147-A177-3AD203B41FA5}">
-                      <a16:colId xmlns:a16="http://schemas.microsoft.com/office/drawing/2014/main" val="1747181766"/>
+                      <a16:colId xmlns:a16="http://schemas.microsoft.com/office/drawing/2014/main" val="3674934424"/>
                     </a:ext>
                   </a:extLst>
                 </a:gridCol>
-                <a:gridCol w="1756709">
+                <a:gridCol w="1145346">
                   <a:extLst>
                     <a:ext uri="{9D8B030D-6E8A-4147-A177-3AD203B41FA5}">
-                      <a16:colId xmlns:a16="http://schemas.microsoft.com/office/drawing/2014/main" val="3135205181"/>
+                      <a16:colId xmlns:a16="http://schemas.microsoft.com/office/drawing/2014/main" val="3533831349"/>
                     </a:ext>
                   </a:extLst>
                 </a:gridCol>
               </a:tblGrid>
-              <a:tr h="184019">
+              <a:tr h="229469">
                 <a:tc>
                   <a:txBody>
                     <a:bodyPr/>
@@ -7906,12 +8289,12 @@
                         </a:spcAft>
                       </a:pPr>
                       <a:r>
-                        <a:rPr lang="pl-PL" sz="1100">
+                        <a:rPr lang="pl-PL" sz="1100" dirty="0">
                           <a:effectLst/>
                         </a:rPr>
                         <a:t>Ilość wątków</a:t>
                       </a:r>
-                      <a:endParaRPr lang="pl-PL" sz="1100">
+                      <a:endParaRPr lang="pl-PL" sz="1100" dirty="0">
                         <a:effectLst/>
                         <a:latin typeface="Calibri" panose="020F0502020204030204" pitchFamily="34" charset="0"/>
                         <a:ea typeface="Calibri" panose="020F0502020204030204" pitchFamily="34" charset="0"/>
@@ -7964,12 +8347,12 @@
                         </a:spcAft>
                       </a:pPr>
                       <a:r>
-                        <a:rPr lang="pl-PL" sz="1100" dirty="0">
+                        <a:rPr lang="pl-PL" sz="1100">
                           <a:effectLst/>
                         </a:rPr>
                         <a:t>ASM</a:t>
                       </a:r>
-                      <a:endParaRPr lang="pl-PL" sz="1100" dirty="0">
+                      <a:endParaRPr lang="pl-PL" sz="1100">
                         <a:effectLst/>
                         <a:latin typeface="Calibri" panose="020F0502020204030204" pitchFamily="34" charset="0"/>
                         <a:ea typeface="Calibri" panose="020F0502020204030204" pitchFamily="34" charset="0"/>
@@ -7981,11 +8364,11 @@
                 </a:tc>
                 <a:extLst>
                   <a:ext uri="{0D108BD9-81ED-4DB2-BD59-A6C34878D82A}">
-                    <a16:rowId xmlns:a16="http://schemas.microsoft.com/office/drawing/2014/main" val="1317676610"/>
+                    <a16:rowId xmlns:a16="http://schemas.microsoft.com/office/drawing/2014/main" val="2192667677"/>
                   </a:ext>
                 </a:extLst>
               </a:tr>
-              <a:tr h="184157">
+              <a:tr h="229640">
                 <a:tc>
                   <a:txBody>
                     <a:bodyPr/>
@@ -8000,12 +8383,12 @@
                         </a:spcAft>
                       </a:pPr>
                       <a:r>
-                        <a:rPr lang="pl-PL" sz="1100">
+                        <a:rPr lang="pl-PL" sz="1100" dirty="0">
                           <a:effectLst/>
                         </a:rPr>
                         <a:t>1</a:t>
                       </a:r>
-                      <a:endParaRPr lang="pl-PL" sz="1100">
+                      <a:endParaRPr lang="pl-PL" sz="1100" dirty="0">
                         <a:effectLst/>
                         <a:latin typeface="Calibri" panose="020F0502020204030204" pitchFamily="34" charset="0"/>
                         <a:ea typeface="Calibri" panose="020F0502020204030204" pitchFamily="34" charset="0"/>
@@ -8061,7 +8444,7 @@
                         <a:rPr lang="pl-PL" sz="1100">
                           <a:effectLst/>
                         </a:rPr>
-                        <a:t>38392</a:t>
+                        <a:t>35117</a:t>
                       </a:r>
                       <a:endParaRPr lang="pl-PL" sz="1100">
                         <a:effectLst/>
@@ -8075,11 +8458,11 @@
                 </a:tc>
                 <a:extLst>
                   <a:ext uri="{0D108BD9-81ED-4DB2-BD59-A6C34878D82A}">
-                    <a16:rowId xmlns:a16="http://schemas.microsoft.com/office/drawing/2014/main" val="885450358"/>
+                    <a16:rowId xmlns:a16="http://schemas.microsoft.com/office/drawing/2014/main" val="437063564"/>
                   </a:ext>
                 </a:extLst>
               </a:tr>
-              <a:tr h="184157">
+              <a:tr h="229640">
                 <a:tc>
                   <a:txBody>
                     <a:bodyPr/>
@@ -8155,7 +8538,7 @@
                         <a:rPr lang="pl-PL" sz="1100">
                           <a:effectLst/>
                         </a:rPr>
-                        <a:t>12982</a:t>
+                        <a:t>14335</a:t>
                       </a:r>
                       <a:endParaRPr lang="pl-PL" sz="1100">
                         <a:effectLst/>
@@ -8169,11 +8552,11 @@
                 </a:tc>
                 <a:extLst>
                   <a:ext uri="{0D108BD9-81ED-4DB2-BD59-A6C34878D82A}">
-                    <a16:rowId xmlns:a16="http://schemas.microsoft.com/office/drawing/2014/main" val="230264202"/>
+                    <a16:rowId xmlns:a16="http://schemas.microsoft.com/office/drawing/2014/main" val="2927628178"/>
                   </a:ext>
                 </a:extLst>
               </a:tr>
-              <a:tr h="184157">
+              <a:tr h="229640">
                 <a:tc>
                   <a:txBody>
                     <a:bodyPr/>
@@ -8246,12 +8629,12 @@
                         </a:spcAft>
                       </a:pPr>
                       <a:r>
-                        <a:rPr lang="pl-PL" sz="1100" dirty="0">
+                        <a:rPr lang="pl-PL" sz="1100">
                           <a:effectLst/>
                         </a:rPr>
-                        <a:t>27047</a:t>
+                        <a:t>14547</a:t>
                       </a:r>
-                      <a:endParaRPr lang="pl-PL" sz="1100" dirty="0">
+                      <a:endParaRPr lang="pl-PL" sz="1100">
                         <a:effectLst/>
                         <a:latin typeface="Calibri" panose="020F0502020204030204" pitchFamily="34" charset="0"/>
                         <a:ea typeface="Calibri" panose="020F0502020204030204" pitchFamily="34" charset="0"/>
@@ -8263,11 +8646,11 @@
                 </a:tc>
                 <a:extLst>
                   <a:ext uri="{0D108BD9-81ED-4DB2-BD59-A6C34878D82A}">
-                    <a16:rowId xmlns:a16="http://schemas.microsoft.com/office/drawing/2014/main" val="1005478200"/>
+                    <a16:rowId xmlns:a16="http://schemas.microsoft.com/office/drawing/2014/main" val="2448233783"/>
                   </a:ext>
                 </a:extLst>
               </a:tr>
-              <a:tr h="184157">
+              <a:tr h="229640">
                 <a:tc>
                   <a:txBody>
                     <a:bodyPr/>
@@ -8343,7 +8726,7 @@
                         <a:rPr lang="pl-PL" sz="1100">
                           <a:effectLst/>
                         </a:rPr>
-                        <a:t>30818</a:t>
+                        <a:t>18137</a:t>
                       </a:r>
                       <a:endParaRPr lang="pl-PL" sz="1100">
                         <a:effectLst/>
@@ -8357,11 +8740,11 @@
                 </a:tc>
                 <a:extLst>
                   <a:ext uri="{0D108BD9-81ED-4DB2-BD59-A6C34878D82A}">
-                    <a16:rowId xmlns:a16="http://schemas.microsoft.com/office/drawing/2014/main" val="2655607207"/>
+                    <a16:rowId xmlns:a16="http://schemas.microsoft.com/office/drawing/2014/main" val="1981271234"/>
                   </a:ext>
                 </a:extLst>
               </a:tr>
-              <a:tr h="184157">
+              <a:tr h="229640">
                 <a:tc>
                   <a:txBody>
                     <a:bodyPr/>
@@ -8437,7 +8820,7 @@
                         <a:rPr lang="pl-PL" sz="1100">
                           <a:effectLst/>
                         </a:rPr>
-                        <a:t>33147</a:t>
+                        <a:t>19347</a:t>
                       </a:r>
                       <a:endParaRPr lang="pl-PL" sz="1100">
                         <a:effectLst/>
@@ -8451,11 +8834,11 @@
                 </a:tc>
                 <a:extLst>
                   <a:ext uri="{0D108BD9-81ED-4DB2-BD59-A6C34878D82A}">
-                    <a16:rowId xmlns:a16="http://schemas.microsoft.com/office/drawing/2014/main" val="3574511639"/>
+                    <a16:rowId xmlns:a16="http://schemas.microsoft.com/office/drawing/2014/main" val="3003505405"/>
                   </a:ext>
                 </a:extLst>
               </a:tr>
-              <a:tr h="184157">
+              <a:tr h="229640">
                 <a:tc>
                   <a:txBody>
                     <a:bodyPr/>
@@ -8470,12 +8853,12 @@
                         </a:spcAft>
                       </a:pPr>
                       <a:r>
-                        <a:rPr lang="pl-PL" sz="1100">
+                        <a:rPr lang="pl-PL" sz="1100" dirty="0">
                           <a:effectLst/>
                         </a:rPr>
                         <a:t>6</a:t>
                       </a:r>
-                      <a:endParaRPr lang="pl-PL" sz="1100">
+                      <a:endParaRPr lang="pl-PL" sz="1100" dirty="0">
                         <a:effectLst/>
                         <a:latin typeface="Calibri" panose="020F0502020204030204" pitchFamily="34" charset="0"/>
                         <a:ea typeface="Calibri" panose="020F0502020204030204" pitchFamily="34" charset="0"/>
@@ -8531,7 +8914,7 @@
                         <a:rPr lang="pl-PL" sz="1100">
                           <a:effectLst/>
                         </a:rPr>
-                        <a:t>33844</a:t>
+                        <a:t>19450</a:t>
                       </a:r>
                       <a:endParaRPr lang="pl-PL" sz="1100">
                         <a:effectLst/>
@@ -8545,11 +8928,11 @@
                 </a:tc>
                 <a:extLst>
                   <a:ext uri="{0D108BD9-81ED-4DB2-BD59-A6C34878D82A}">
-                    <a16:rowId xmlns:a16="http://schemas.microsoft.com/office/drawing/2014/main" val="3947652702"/>
+                    <a16:rowId xmlns:a16="http://schemas.microsoft.com/office/drawing/2014/main" val="3157937572"/>
                   </a:ext>
                 </a:extLst>
               </a:tr>
-              <a:tr h="184157">
+              <a:tr h="229640">
                 <a:tc>
                   <a:txBody>
                     <a:bodyPr/>
@@ -8625,7 +9008,7 @@
                         <a:rPr lang="pl-PL" sz="1100">
                           <a:effectLst/>
                         </a:rPr>
-                        <a:t>50730</a:t>
+                        <a:t>22395</a:t>
                       </a:r>
                       <a:endParaRPr lang="pl-PL" sz="1100">
                         <a:effectLst/>
@@ -8639,11 +9022,11 @@
                 </a:tc>
                 <a:extLst>
                   <a:ext uri="{0D108BD9-81ED-4DB2-BD59-A6C34878D82A}">
-                    <a16:rowId xmlns:a16="http://schemas.microsoft.com/office/drawing/2014/main" val="65565372"/>
+                    <a16:rowId xmlns:a16="http://schemas.microsoft.com/office/drawing/2014/main" val="1027292306"/>
                   </a:ext>
                 </a:extLst>
               </a:tr>
-              <a:tr h="184157">
+              <a:tr h="229640">
                 <a:tc>
                   <a:txBody>
                     <a:bodyPr/>
@@ -8716,12 +9099,12 @@
                         </a:spcAft>
                       </a:pPr>
                       <a:r>
-                        <a:rPr lang="pl-PL" sz="1100">
+                        <a:rPr lang="pl-PL" sz="1100" dirty="0">
                           <a:effectLst/>
                         </a:rPr>
-                        <a:t>36547</a:t>
+                        <a:t>24202</a:t>
                       </a:r>
-                      <a:endParaRPr lang="pl-PL" sz="1100">
+                      <a:endParaRPr lang="pl-PL" sz="1100" dirty="0">
                         <a:effectLst/>
                         <a:latin typeface="Calibri" panose="020F0502020204030204" pitchFamily="34" charset="0"/>
                         <a:ea typeface="Calibri" panose="020F0502020204030204" pitchFamily="34" charset="0"/>
@@ -8733,11 +9116,11 @@
                 </a:tc>
                 <a:extLst>
                   <a:ext uri="{0D108BD9-81ED-4DB2-BD59-A6C34878D82A}">
-                    <a16:rowId xmlns:a16="http://schemas.microsoft.com/office/drawing/2014/main" val="3020496091"/>
+                    <a16:rowId xmlns:a16="http://schemas.microsoft.com/office/drawing/2014/main" val="3291792761"/>
                   </a:ext>
                 </a:extLst>
               </a:tr>
-              <a:tr h="184157">
+              <a:tr h="229640">
                 <a:tc>
                   <a:txBody>
                     <a:bodyPr/>
@@ -8813,7 +9196,7 @@
                         <a:rPr lang="pl-PL" sz="1100">
                           <a:effectLst/>
                         </a:rPr>
-                        <a:t>31061</a:t>
+                        <a:t>27073</a:t>
                       </a:r>
                       <a:endParaRPr lang="pl-PL" sz="1100">
                         <a:effectLst/>
@@ -8827,11 +9210,11 @@
                 </a:tc>
                 <a:extLst>
                   <a:ext uri="{0D108BD9-81ED-4DB2-BD59-A6C34878D82A}">
-                    <a16:rowId xmlns:a16="http://schemas.microsoft.com/office/drawing/2014/main" val="607436383"/>
+                    <a16:rowId xmlns:a16="http://schemas.microsoft.com/office/drawing/2014/main" val="3195064540"/>
                   </a:ext>
                 </a:extLst>
               </a:tr>
-              <a:tr h="184157">
+              <a:tr h="229640">
                 <a:tc>
                   <a:txBody>
                     <a:bodyPr/>
@@ -8907,7 +9290,7 @@
                         <a:rPr lang="pl-PL" sz="1100">
                           <a:effectLst/>
                         </a:rPr>
-                        <a:t>48964</a:t>
+                        <a:t>28747</a:t>
                       </a:r>
                       <a:endParaRPr lang="pl-PL" sz="1100">
                         <a:effectLst/>
@@ -8921,11 +9304,11 @@
                 </a:tc>
                 <a:extLst>
                   <a:ext uri="{0D108BD9-81ED-4DB2-BD59-A6C34878D82A}">
-                    <a16:rowId xmlns:a16="http://schemas.microsoft.com/office/drawing/2014/main" val="336017597"/>
+                    <a16:rowId xmlns:a16="http://schemas.microsoft.com/office/drawing/2014/main" val="2872207641"/>
                   </a:ext>
                 </a:extLst>
               </a:tr>
-              <a:tr h="184157">
+              <a:tr h="229640">
                 <a:tc>
                   <a:txBody>
                     <a:bodyPr/>
@@ -9001,7 +9384,7 @@
                         <a:rPr lang="pl-PL" sz="1100">
                           <a:effectLst/>
                         </a:rPr>
-                        <a:t>50611</a:t>
+                        <a:t>36909</a:t>
                       </a:r>
                       <a:endParaRPr lang="pl-PL" sz="1100">
                         <a:effectLst/>
@@ -9015,11 +9398,11 @@
                 </a:tc>
                 <a:extLst>
                   <a:ext uri="{0D108BD9-81ED-4DB2-BD59-A6C34878D82A}">
-                    <a16:rowId xmlns:a16="http://schemas.microsoft.com/office/drawing/2014/main" val="2110314205"/>
+                    <a16:rowId xmlns:a16="http://schemas.microsoft.com/office/drawing/2014/main" val="888778284"/>
                   </a:ext>
                 </a:extLst>
               </a:tr>
-              <a:tr h="184157">
+              <a:tr h="229640">
                 <a:tc>
                   <a:txBody>
                     <a:bodyPr/>
@@ -9109,11 +9492,11 @@
                 </a:tc>
                 <a:extLst>
                   <a:ext uri="{0D108BD9-81ED-4DB2-BD59-A6C34878D82A}">
-                    <a16:rowId xmlns:a16="http://schemas.microsoft.com/office/drawing/2014/main" val="440831309"/>
+                    <a16:rowId xmlns:a16="http://schemas.microsoft.com/office/drawing/2014/main" val="2529872916"/>
                   </a:ext>
                 </a:extLst>
               </a:tr>
-              <a:tr h="184157">
+              <a:tr h="229640">
                 <a:tc>
                   <a:txBody>
                     <a:bodyPr/>
@@ -9189,7 +9572,7 @@
                         <a:rPr lang="pl-PL" sz="1100">
                           <a:effectLst/>
                         </a:rPr>
-                        <a:t>97350</a:t>
+                        <a:t>53653</a:t>
                       </a:r>
                       <a:endParaRPr lang="pl-PL" sz="1100">
                         <a:effectLst/>
@@ -9203,11 +9586,11 @@
                 </a:tc>
                 <a:extLst>
                   <a:ext uri="{0D108BD9-81ED-4DB2-BD59-A6C34878D82A}">
-                    <a16:rowId xmlns:a16="http://schemas.microsoft.com/office/drawing/2014/main" val="3440401624"/>
+                    <a16:rowId xmlns:a16="http://schemas.microsoft.com/office/drawing/2014/main" val="1563407101"/>
                   </a:ext>
                 </a:extLst>
               </a:tr>
-              <a:tr h="184157">
+              <a:tr h="229640">
                 <a:tc>
                   <a:txBody>
                     <a:bodyPr/>
@@ -9283,7 +9666,7 @@
                         <a:rPr lang="pl-PL" sz="1100">
                           <a:effectLst/>
                         </a:rPr>
-                        <a:t>99748</a:t>
+                        <a:t>63780</a:t>
                       </a:r>
                       <a:endParaRPr lang="pl-PL" sz="1100">
                         <a:effectLst/>
@@ -9297,11 +9680,11 @@
                 </a:tc>
                 <a:extLst>
                   <a:ext uri="{0D108BD9-81ED-4DB2-BD59-A6C34878D82A}">
-                    <a16:rowId xmlns:a16="http://schemas.microsoft.com/office/drawing/2014/main" val="664579987"/>
+                    <a16:rowId xmlns:a16="http://schemas.microsoft.com/office/drawing/2014/main" val="1011529581"/>
                   </a:ext>
                 </a:extLst>
               </a:tr>
-              <a:tr h="184157">
+              <a:tr h="229640">
                 <a:tc>
                   <a:txBody>
                     <a:bodyPr/>
@@ -9377,7 +9760,7 @@
                         <a:rPr lang="pl-PL" sz="1100">
                           <a:effectLst/>
                         </a:rPr>
-                        <a:t>135168</a:t>
+                        <a:t>76407</a:t>
                       </a:r>
                       <a:endParaRPr lang="pl-PL" sz="1100">
                         <a:effectLst/>
@@ -9391,11 +9774,11 @@
                 </a:tc>
                 <a:extLst>
                   <a:ext uri="{0D108BD9-81ED-4DB2-BD59-A6C34878D82A}">
-                    <a16:rowId xmlns:a16="http://schemas.microsoft.com/office/drawing/2014/main" val="466243273"/>
+                    <a16:rowId xmlns:a16="http://schemas.microsoft.com/office/drawing/2014/main" val="1013724269"/>
                   </a:ext>
                 </a:extLst>
               </a:tr>
-              <a:tr h="184157">
+              <a:tr h="229640">
                 <a:tc>
                   <a:txBody>
                     <a:bodyPr/>
@@ -9471,7 +9854,7 @@
                         <a:rPr lang="pl-PL" sz="1100">
                           <a:effectLst/>
                         </a:rPr>
-                        <a:t>148489</a:t>
+                        <a:t>88054</a:t>
                       </a:r>
                       <a:endParaRPr lang="pl-PL" sz="1100">
                         <a:effectLst/>
@@ -9485,11 +9868,11 @@
                 </a:tc>
                 <a:extLst>
                   <a:ext uri="{0D108BD9-81ED-4DB2-BD59-A6C34878D82A}">
-                    <a16:rowId xmlns:a16="http://schemas.microsoft.com/office/drawing/2014/main" val="364794393"/>
+                    <a16:rowId xmlns:a16="http://schemas.microsoft.com/office/drawing/2014/main" val="1211219126"/>
                   </a:ext>
                 </a:extLst>
               </a:tr>
-              <a:tr h="184157">
+              <a:tr h="229640">
                 <a:tc>
                   <a:txBody>
                     <a:bodyPr/>
@@ -9565,7 +9948,7 @@
                         <a:rPr lang="pl-PL" sz="1100">
                           <a:effectLst/>
                         </a:rPr>
-                        <a:t>272300</a:t>
+                        <a:t>103168</a:t>
                       </a:r>
                       <a:endParaRPr lang="pl-PL" sz="1100">
                         <a:effectLst/>
@@ -9579,11 +9962,11 @@
                 </a:tc>
                 <a:extLst>
                   <a:ext uri="{0D108BD9-81ED-4DB2-BD59-A6C34878D82A}">
-                    <a16:rowId xmlns:a16="http://schemas.microsoft.com/office/drawing/2014/main" val="293611180"/>
+                    <a16:rowId xmlns:a16="http://schemas.microsoft.com/office/drawing/2014/main" val="3051725044"/>
                   </a:ext>
                 </a:extLst>
               </a:tr>
-              <a:tr h="184157">
+              <a:tr h="229640">
                 <a:tc>
                   <a:txBody>
                     <a:bodyPr/>
@@ -9659,7 +10042,7 @@
                         <a:rPr lang="pl-PL" sz="1100">
                           <a:effectLst/>
                         </a:rPr>
-                        <a:t>279472</a:t>
+                        <a:t>114277</a:t>
                       </a:r>
                       <a:endParaRPr lang="pl-PL" sz="1100">
                         <a:effectLst/>
@@ -9673,11 +10056,11 @@
                 </a:tc>
                 <a:extLst>
                   <a:ext uri="{0D108BD9-81ED-4DB2-BD59-A6C34878D82A}">
-                    <a16:rowId xmlns:a16="http://schemas.microsoft.com/office/drawing/2014/main" val="2738662698"/>
+                    <a16:rowId xmlns:a16="http://schemas.microsoft.com/office/drawing/2014/main" val="1784657089"/>
                   </a:ext>
                 </a:extLst>
               </a:tr>
-              <a:tr h="184157">
+              <a:tr h="229640">
                 <a:tc>
                   <a:txBody>
                     <a:bodyPr/>
@@ -9753,7 +10136,7 @@
                         <a:rPr lang="pl-PL" sz="1100">
                           <a:effectLst/>
                         </a:rPr>
-                        <a:t>369525</a:t>
+                        <a:t>116295</a:t>
                       </a:r>
                       <a:endParaRPr lang="pl-PL" sz="1100">
                         <a:effectLst/>
@@ -9767,11 +10150,11 @@
                 </a:tc>
                 <a:extLst>
                   <a:ext uri="{0D108BD9-81ED-4DB2-BD59-A6C34878D82A}">
-                    <a16:rowId xmlns:a16="http://schemas.microsoft.com/office/drawing/2014/main" val="1643703640"/>
+                    <a16:rowId xmlns:a16="http://schemas.microsoft.com/office/drawing/2014/main" val="237488032"/>
                   </a:ext>
                 </a:extLst>
               </a:tr>
-              <a:tr h="184157">
+              <a:tr h="229640">
                 <a:tc>
                   <a:txBody>
                     <a:bodyPr/>
@@ -9847,7 +10230,7 @@
                         <a:rPr lang="pl-PL" sz="1100">
                           <a:effectLst/>
                         </a:rPr>
-                        <a:t>391747</a:t>
+                        <a:t>130257</a:t>
                       </a:r>
                       <a:endParaRPr lang="pl-PL" sz="1100">
                         <a:effectLst/>
@@ -9861,11 +10244,11 @@
                 </a:tc>
                 <a:extLst>
                   <a:ext uri="{0D108BD9-81ED-4DB2-BD59-A6C34878D82A}">
-                    <a16:rowId xmlns:a16="http://schemas.microsoft.com/office/drawing/2014/main" val="4226005569"/>
+                    <a16:rowId xmlns:a16="http://schemas.microsoft.com/office/drawing/2014/main" val="1907085558"/>
                   </a:ext>
                 </a:extLst>
               </a:tr>
-              <a:tr h="184157">
+              <a:tr h="229640">
                 <a:tc>
                   <a:txBody>
                     <a:bodyPr/>
@@ -9941,7 +10324,7 @@
                         <a:rPr lang="pl-PL" sz="1100" dirty="0">
                           <a:effectLst/>
                         </a:rPr>
-                        <a:t>534487</a:t>
+                        <a:t>154375</a:t>
                       </a:r>
                       <a:endParaRPr lang="pl-PL" sz="1100" dirty="0">
                         <a:effectLst/>
@@ -9955,7 +10338,7 @@
                 </a:tc>
                 <a:extLst>
                   <a:ext uri="{0D108BD9-81ED-4DB2-BD59-A6C34878D82A}">
-                    <a16:rowId xmlns:a16="http://schemas.microsoft.com/office/drawing/2014/main" val="583136229"/>
+                    <a16:rowId xmlns:a16="http://schemas.microsoft.com/office/drawing/2014/main" val="3634225770"/>
                   </a:ext>
                 </a:extLst>
               </a:tr>
@@ -9963,38 +10346,111 @@
           </a:graphicData>
         </a:graphic>
       </p:graphicFrame>
-      <p:graphicFrame>
-        <p:nvGraphicFramePr>
-          <p:cNvPr id="5" name="Wykres 4">
+      <p:sp>
+        <p:nvSpPr>
+          <p:cNvPr id="6" name="pole tekstowe 5">
             <a:extLst>
               <a:ext uri="{FF2B5EF4-FFF2-40B4-BE49-F238E27FC236}">
-                <a16:creationId xmlns:a16="http://schemas.microsoft.com/office/drawing/2014/main" id="{694A139B-0AA6-4597-BCC7-75A152019ADA}"/>
+                <a16:creationId xmlns:a16="http://schemas.microsoft.com/office/drawing/2014/main" id="{7445B40D-5F38-4A7D-B390-535B18BEDFA3}"/>
               </a:ext>
             </a:extLst>
           </p:cNvPr>
-          <p:cNvGraphicFramePr/>
-          <p:nvPr>
-            <p:extLst>
-              <p:ext uri="{D42A27DB-BD31-4B8C-83A1-F6EECF244321}">
-                <p14:modId xmlns:p14="http://schemas.microsoft.com/office/powerpoint/2010/main" val="261204495"/>
-              </p:ext>
-            </p:extLst>
-          </p:nvPr>
-        </p:nvGraphicFramePr>
-        <p:xfrm>
-          <a:off x="5850384" y="1793290"/>
-          <a:ext cx="5771225" cy="4172504"/>
-        </p:xfrm>
-        <a:graphic>
-          <a:graphicData uri="http://schemas.openxmlformats.org/drawingml/2006/chart">
-            <c:chart xmlns:c="http://schemas.openxmlformats.org/drawingml/2006/chart" xmlns:r="http://schemas.openxmlformats.org/officeDocument/2006/relationships" r:id="rId2"/>
-          </a:graphicData>
-        </a:graphic>
-      </p:graphicFrame>
+          <p:cNvSpPr txBox="1"/>
+          <p:nvPr/>
+        </p:nvSpPr>
+        <p:spPr>
+          <a:xfrm>
+            <a:off x="5541148" y="2095131"/>
+            <a:ext cx="4421080" cy="646331"/>
+          </a:xfrm>
+          <a:prstGeom prst="rect">
+            <a:avLst/>
+          </a:prstGeom>
+          <a:noFill/>
+        </p:spPr>
+        <p:txBody>
+          <a:bodyPr wrap="square" rtlCol="0">
+            <a:spAutoFit/>
+          </a:bodyPr>
+          <a:lstStyle/>
+          <a:p>
+            <a:r>
+              <a:rPr lang="pl-PL" dirty="0"/>
+              <a:t>Pomiar czasu za pomocą biblioteki &lt;</a:t>
+            </a:r>
+            <a:r>
+              <a:rPr lang="pl-PL" dirty="0" err="1"/>
+              <a:t>chrono.h</a:t>
+            </a:r>
+            <a:r>
+              <a:rPr lang="pl-PL" dirty="0"/>
+              <a:t>&gt;</a:t>
+            </a:r>
+          </a:p>
+        </p:txBody>
+      </p:sp>
+      <p:pic>
+        <p:nvPicPr>
+          <p:cNvPr id="7" name="Obraz 6">
+            <a:extLst>
+              <a:ext uri="{FF2B5EF4-FFF2-40B4-BE49-F238E27FC236}">
+                <a16:creationId xmlns:a16="http://schemas.microsoft.com/office/drawing/2014/main" id="{8154E16D-2DEA-4540-968B-B9FD40E38B5B}"/>
+              </a:ext>
+            </a:extLst>
+          </p:cNvPr>
+          <p:cNvPicPr>
+            <a:picLocks noChangeAspect="1"/>
+          </p:cNvPicPr>
+          <p:nvPr/>
+        </p:nvPicPr>
+        <p:blipFill rotWithShape="1">
+          <a:blip r:embed="rId2"/>
+          <a:srcRect l="1404" t="91024" r="14345"/>
+          <a:stretch/>
+        </p:blipFill>
+        <p:spPr>
+          <a:xfrm>
+            <a:off x="4930533" y="3637975"/>
+            <a:ext cx="6587010" cy="687833"/>
+          </a:xfrm>
+          <a:prstGeom prst="rect">
+            <a:avLst/>
+          </a:prstGeom>
+        </p:spPr>
+      </p:pic>
+      <p:pic>
+        <p:nvPicPr>
+          <p:cNvPr id="8" name="Obraz 7">
+            <a:extLst>
+              <a:ext uri="{FF2B5EF4-FFF2-40B4-BE49-F238E27FC236}">
+                <a16:creationId xmlns:a16="http://schemas.microsoft.com/office/drawing/2014/main" id="{2F068AF0-F8C4-485C-8FF3-152372C6179A}"/>
+              </a:ext>
+            </a:extLst>
+          </p:cNvPr>
+          <p:cNvPicPr>
+            <a:picLocks noChangeAspect="1"/>
+          </p:cNvPicPr>
+          <p:nvPr/>
+        </p:nvPicPr>
+        <p:blipFill rotWithShape="1">
+          <a:blip r:embed="rId3"/>
+          <a:srcRect t="20295" b="28700"/>
+          <a:stretch/>
+        </p:blipFill>
+        <p:spPr>
+          <a:xfrm>
+            <a:off x="4911668" y="3199700"/>
+            <a:ext cx="6913387" cy="241639"/>
+          </a:xfrm>
+          <a:prstGeom prst="rect">
+            <a:avLst/>
+          </a:prstGeom>
+        </p:spPr>
+      </p:pic>
     </p:spTree>
     <p:extLst>
       <p:ext uri="{BB962C8B-B14F-4D97-AF65-F5344CB8AC3E}">
-        <p14:creationId xmlns:p14="http://schemas.microsoft.com/office/powerpoint/2010/main" val="3231414873"/>
+        <p14:creationId xmlns:p14="http://schemas.microsoft.com/office/powerpoint/2010/main" val="2917581516"/>
       </p:ext>
     </p:extLst>
   </p:cSld>
@@ -10026,7 +10482,7 @@
           <p:cNvPr id="2" name="Tytuł 1">
             <a:extLst>
               <a:ext uri="{FF2B5EF4-FFF2-40B4-BE49-F238E27FC236}">
-                <a16:creationId xmlns:a16="http://schemas.microsoft.com/office/drawing/2014/main" id="{15F5E021-45BB-49CA-B215-3704BECDC33C}"/>
+                <a16:creationId xmlns:a16="http://schemas.microsoft.com/office/drawing/2014/main" id="{820EF4B0-F143-4E5F-B4B6-34497EB8BEED}"/>
               </a:ext>
             </a:extLst>
           </p:cNvPr>
@@ -10037,47 +10493,55 @@
             <p:ph type="title"/>
           </p:nvPr>
         </p:nvSpPr>
-        <p:spPr/>
+        <p:spPr>
+          <a:xfrm>
+            <a:off x="3002132" y="386179"/>
+            <a:ext cx="8610600" cy="1293028"/>
+          </a:xfrm>
+        </p:spPr>
         <p:txBody>
           <a:bodyPr/>
           <a:lstStyle/>
           <a:p>
             <a:r>
               <a:rPr lang="pl-PL" dirty="0"/>
-              <a:t>Wnioski </a:t>
-            </a:r>
-          </a:p>
-        </p:txBody>
-      </p:sp>
-      <p:sp>
-        <p:nvSpPr>
-          <p:cNvPr id="3" name="Symbol zastępczy zawartości 2">
+              <a:t>Porównanie wydajności</a:t>
+            </a:r>
+          </a:p>
+        </p:txBody>
+      </p:sp>
+      <p:graphicFrame>
+        <p:nvGraphicFramePr>
+          <p:cNvPr id="5" name="Wykres 4">
             <a:extLst>
               <a:ext uri="{FF2B5EF4-FFF2-40B4-BE49-F238E27FC236}">
-                <a16:creationId xmlns:a16="http://schemas.microsoft.com/office/drawing/2014/main" id="{87C7D86C-AC87-4863-81B0-780EEEB87957}"/>
+                <a16:creationId xmlns:a16="http://schemas.microsoft.com/office/drawing/2014/main" id="{8B57DF90-CB37-4ED5-823D-0F0C2C07A5ED}"/>
               </a:ext>
             </a:extLst>
           </p:cNvPr>
-          <p:cNvSpPr>
-            <a:spLocks noGrp="1"/>
-          </p:cNvSpPr>
-          <p:nvPr>
-            <p:ph idx="1"/>
-          </p:nvPr>
-        </p:nvSpPr>
-        <p:spPr/>
-        <p:txBody>
-          <a:bodyPr/>
-          <a:lstStyle/>
-          <a:p>
-            <a:endParaRPr lang="pl-PL"/>
-          </a:p>
-        </p:txBody>
-      </p:sp>
+          <p:cNvGraphicFramePr/>
+          <p:nvPr>
+            <p:extLst>
+              <p:ext uri="{D42A27DB-BD31-4B8C-83A1-F6EECF244321}">
+                <p14:modId xmlns:p14="http://schemas.microsoft.com/office/powerpoint/2010/main" val="758548479"/>
+              </p:ext>
+            </p:extLst>
+          </p:nvPr>
+        </p:nvGraphicFramePr>
+        <p:xfrm>
+          <a:off x="514905" y="1686757"/>
+          <a:ext cx="10946167" cy="4785064"/>
+        </p:xfrm>
+        <a:graphic>
+          <a:graphicData uri="http://schemas.openxmlformats.org/drawingml/2006/chart">
+            <c:chart xmlns:c="http://schemas.openxmlformats.org/drawingml/2006/chart" xmlns:r="http://schemas.openxmlformats.org/officeDocument/2006/relationships" r:id="rId2"/>
+          </a:graphicData>
+        </a:graphic>
+      </p:graphicFrame>
     </p:spTree>
     <p:extLst>
       <p:ext uri="{BB962C8B-B14F-4D97-AF65-F5344CB8AC3E}">
-        <p14:creationId xmlns:p14="http://schemas.microsoft.com/office/powerpoint/2010/main" val="290771156"/>
+        <p14:creationId xmlns:p14="http://schemas.microsoft.com/office/powerpoint/2010/main" val="4242453434"/>
       </p:ext>
     </p:extLst>
   </p:cSld>
@@ -10090,14 +10554,6 @@
 <file path=ppt/slides/slide8.xml><?xml version="1.0" encoding="utf-8"?>
 <p:sld xmlns:a="http://schemas.openxmlformats.org/drawingml/2006/main" xmlns:r="http://schemas.openxmlformats.org/officeDocument/2006/relationships" xmlns:p="http://schemas.openxmlformats.org/presentationml/2006/main">
   <p:cSld>
-    <p:bg>
-      <p:bgPr>
-        <a:solidFill>
-          <a:schemeClr val="bg1"/>
-        </a:solidFill>
-        <a:effectLst/>
-      </p:bgPr>
-    </p:bg>
     <p:spTree>
       <p:nvGrpSpPr>
         <p:cNvPr id="1" name=""/>
@@ -10112,162 +10568,123 @@
           <a:chExt cx="0" cy="0"/>
         </a:xfrm>
       </p:grpSpPr>
-      <p:pic>
-        <p:nvPicPr>
-          <p:cNvPr id="10" name="Picture 9">
+      <p:sp>
+        <p:nvSpPr>
+          <p:cNvPr id="2" name="Tytuł 1">
             <a:extLst>
               <a:ext uri="{FF2B5EF4-FFF2-40B4-BE49-F238E27FC236}">
-                <a16:creationId xmlns:a16="http://schemas.microsoft.com/office/drawing/2014/main" id="{75577CC7-6B96-4908-84E4-0D2AC01834E3}"/>
-              </a:ext>
-              <a:ext uri="{C183D7F6-B498-43B3-948B-1728B52AA6E4}">
-                <adec:decorative xmlns:adec="http://schemas.microsoft.com/office/drawing/2017/decorative" val="1"/>
+                <a16:creationId xmlns:a16="http://schemas.microsoft.com/office/drawing/2014/main" id="{15F5E021-45BB-49CA-B215-3704BECDC33C}"/>
               </a:ext>
             </a:extLst>
           </p:cNvPr>
-          <p:cNvPicPr>
-            <a:picLocks noGrp="1" noRot="1" noChangeAspect="1" noMove="1" noResize="1" noEditPoints="1" noAdjustHandles="1" noChangeArrowheads="1" noChangeShapeType="1" noCrop="1"/>
-          </p:cNvPicPr>
-          <p:nvPr>
-            <p:extLst>
-              <p:ext uri="{386F3935-93C4-4BCD-93E2-E3B085C9AB24}">
-                <p16:designElem xmlns:p16="http://schemas.microsoft.com/office/powerpoint/2015/main" val="1"/>
-              </p:ext>
-            </p:extLst>
-          </p:nvPr>
-        </p:nvPicPr>
-        <p:blipFill>
-          <a:blip r:embed="rId2">
-            <a:extLst>
-              <a:ext uri="{28A0092B-C50C-407E-A947-70E740481C1C}">
-                <a14:useLocalDpi xmlns:a14="http://schemas.microsoft.com/office/drawing/2010/main" val="0"/>
-              </a:ext>
-            </a:extLst>
-          </a:blip>
-          <a:stretch>
-            <a:fillRect/>
-          </a:stretch>
-        </p:blipFill>
-        <p:spPr>
-          <a:xfrm>
-            <a:off x="0" y="0"/>
-            <a:ext cx="12192000" cy="1441450"/>
-          </a:xfrm>
-          <a:prstGeom prst="rect">
-            <a:avLst/>
-          </a:prstGeom>
-        </p:spPr>
-      </p:pic>
-      <p:pic>
-        <p:nvPicPr>
-          <p:cNvPr id="12" name="Picture 11">
+          <p:cNvSpPr>
+            <a:spLocks noGrp="1"/>
+          </p:cNvSpPr>
+          <p:nvPr>
+            <p:ph type="title"/>
+          </p:nvPr>
+        </p:nvSpPr>
+        <p:spPr/>
+        <p:txBody>
+          <a:bodyPr/>
+          <a:lstStyle/>
+          <a:p>
+            <a:r>
+              <a:rPr lang="pl-PL" dirty="0"/>
+              <a:t>Wnioski </a:t>
+            </a:r>
+          </a:p>
+        </p:txBody>
+      </p:sp>
+      <p:sp>
+        <p:nvSpPr>
+          <p:cNvPr id="3" name="Symbol zastępczy zawartości 2">
             <a:extLst>
               <a:ext uri="{FF2B5EF4-FFF2-40B4-BE49-F238E27FC236}">
-                <a16:creationId xmlns:a16="http://schemas.microsoft.com/office/drawing/2014/main" id="{3094519A-B61A-4BE2-9E40-30E744081BB3}"/>
-              </a:ext>
-              <a:ext uri="{C183D7F6-B498-43B3-948B-1728B52AA6E4}">
-                <adec:decorative xmlns:adec="http://schemas.microsoft.com/office/drawing/2017/decorative" val="1"/>
+                <a16:creationId xmlns:a16="http://schemas.microsoft.com/office/drawing/2014/main" id="{87C7D86C-AC87-4863-81B0-780EEEB87957}"/>
               </a:ext>
             </a:extLst>
           </p:cNvPr>
-          <p:cNvPicPr>
-            <a:picLocks noGrp="1" noRot="1" noChangeAspect="1" noMove="1" noResize="1" noEditPoints="1" noAdjustHandles="1" noChangeArrowheads="1" noChangeShapeType="1" noCrop="1"/>
-          </p:cNvPicPr>
-          <p:nvPr>
-            <p:extLst>
-              <p:ext uri="{386F3935-93C4-4BCD-93E2-E3B085C9AB24}">
-                <p16:designElem xmlns:p16="http://schemas.microsoft.com/office/powerpoint/2015/main" val="1"/>
-              </p:ext>
-            </p:extLst>
-          </p:nvPr>
-        </p:nvPicPr>
-        <p:blipFill>
-          <a:blip r:embed="rId3">
-            <a:extLst>
-              <a:ext uri="{28A0092B-C50C-407E-A947-70E740481C1C}">
-                <a14:useLocalDpi xmlns:a14="http://schemas.microsoft.com/office/drawing/2010/main" val="0"/>
-              </a:ext>
-            </a:extLst>
-          </a:blip>
-          <a:stretch>
-            <a:fillRect/>
-          </a:stretch>
-        </p:blipFill>
-        <p:spPr>
-          <a:xfrm>
-            <a:off x="0" y="4375150"/>
-            <a:ext cx="12192000" cy="2482850"/>
-          </a:xfrm>
-          <a:prstGeom prst="rect">
-            <a:avLst/>
-          </a:prstGeom>
-        </p:spPr>
-      </p:pic>
-      <p:sp useBgFill="1">
-        <p:nvSpPr>
-          <p:cNvPr id="14" name="Rectangle 13">
+          <p:cNvSpPr>
+            <a:spLocks noGrp="1"/>
+          </p:cNvSpPr>
+          <p:nvPr>
+            <p:ph idx="1"/>
+          </p:nvPr>
+        </p:nvSpPr>
+        <p:spPr/>
+        <p:txBody>
+          <a:bodyPr/>
+          <a:lstStyle/>
+          <a:p>
+            <a:endParaRPr lang="pl-PL" dirty="0"/>
+          </a:p>
+        </p:txBody>
+      </p:sp>
+    </p:spTree>
+    <p:extLst>
+      <p:ext uri="{BB962C8B-B14F-4D97-AF65-F5344CB8AC3E}">
+        <p14:creationId xmlns:p14="http://schemas.microsoft.com/office/powerpoint/2010/main" val="290771156"/>
+      </p:ext>
+    </p:extLst>
+  </p:cSld>
+  <p:clrMapOvr>
+    <a:masterClrMapping/>
+  </p:clrMapOvr>
+</p:sld>
+</file>
+
+<file path=ppt/slides/slide9.xml><?xml version="1.0" encoding="utf-8"?>
+<p:sld xmlns:a="http://schemas.openxmlformats.org/drawingml/2006/main" xmlns:r="http://schemas.openxmlformats.org/officeDocument/2006/relationships" xmlns:p="http://schemas.openxmlformats.org/presentationml/2006/main">
+  <p:cSld>
+    <p:spTree>
+      <p:nvGrpSpPr>
+        <p:cNvPr id="1" name=""/>
+        <p:cNvGrpSpPr/>
+        <p:nvPr/>
+      </p:nvGrpSpPr>
+      <p:grpSpPr>
+        <a:xfrm>
+          <a:off x="0" y="0"/>
+          <a:ext cx="0" cy="0"/>
+          <a:chOff x="0" y="0"/>
+          <a:chExt cx="0" cy="0"/>
+        </a:xfrm>
+      </p:grpSpPr>
+      <p:sp>
+        <p:nvSpPr>
+          <p:cNvPr id="2" name="Tytuł 1">
             <a:extLst>
               <a:ext uri="{FF2B5EF4-FFF2-40B4-BE49-F238E27FC236}">
-                <a16:creationId xmlns:a16="http://schemas.microsoft.com/office/drawing/2014/main" id="{A7244538-290E-40DA-A93A-14BB3E6CF173}"/>
-              </a:ext>
-              <a:ext uri="{C183D7F6-B498-43B3-948B-1728B52AA6E4}">
-                <adec:decorative xmlns:adec="http://schemas.microsoft.com/office/drawing/2017/decorative" val="1"/>
+                <a16:creationId xmlns:a16="http://schemas.microsoft.com/office/drawing/2014/main" id="{3395DC13-927C-4430-AC81-7C77D871AED0}"/>
               </a:ext>
             </a:extLst>
           </p:cNvPr>
           <p:cNvSpPr>
-            <a:spLocks noGrp="1" noRot="1" noChangeAspect="1" noMove="1" noResize="1" noEditPoints="1" noAdjustHandles="1" noChangeArrowheads="1" noChangeShapeType="1" noTextEdit="1"/>
-          </p:cNvSpPr>
-          <p:nvPr>
-            <p:extLst>
-              <p:ext uri="{386F3935-93C4-4BCD-93E2-E3B085C9AB24}">
-                <p16:designElem xmlns:p16="http://schemas.microsoft.com/office/powerpoint/2015/main" val="1"/>
-              </p:ext>
-            </p:extLst>
-          </p:nvPr>
-        </p:nvSpPr>
-        <p:spPr>
-          <a:xfrm>
-            <a:off x="0" y="-2"/>
-            <a:ext cx="12191999" cy="4543721"/>
-          </a:xfrm>
-          <a:prstGeom prst="rect">
-            <a:avLst/>
-          </a:prstGeom>
-          <a:ln>
-            <a:noFill/>
-          </a:ln>
-        </p:spPr>
-        <p:style>
-          <a:lnRef idx="2">
-            <a:schemeClr val="accent1">
-              <a:shade val="50000"/>
-            </a:schemeClr>
-          </a:lnRef>
-          <a:fillRef idx="1">
-            <a:schemeClr val="accent1"/>
-          </a:fillRef>
-          <a:effectRef idx="0">
-            <a:schemeClr val="accent1"/>
-          </a:effectRef>
-          <a:fontRef idx="minor">
-            <a:schemeClr val="lt1"/>
-          </a:fontRef>
-        </p:style>
-        <p:txBody>
-          <a:bodyPr rtlCol="0" anchor="ctr"/>
+            <a:spLocks noGrp="1"/>
+          </p:cNvSpPr>
+          <p:nvPr>
+            <p:ph type="title"/>
+          </p:nvPr>
+        </p:nvSpPr>
+        <p:spPr/>
+        <p:txBody>
+          <a:bodyPr/>
           <a:lstStyle/>
           <a:p>
-            <a:pPr algn="ctr"/>
-            <a:endParaRPr lang="en-US"/>
-          </a:p>
-        </p:txBody>
-      </p:sp>
-      <p:sp>
-        <p:nvSpPr>
-          <p:cNvPr id="2" name="Tytuł 1">
+            <a:r>
+              <a:rPr lang="pl-PL" dirty="0"/>
+              <a:t>Bibliografia </a:t>
+            </a:r>
+          </a:p>
+        </p:txBody>
+      </p:sp>
+      <p:sp>
+        <p:nvSpPr>
+          <p:cNvPr id="3" name="Symbol zastępczy zawartości 2">
             <a:extLst>
               <a:ext uri="{FF2B5EF4-FFF2-40B4-BE49-F238E27FC236}">
-                <a16:creationId xmlns:a16="http://schemas.microsoft.com/office/drawing/2014/main" id="{B5682A94-F3AF-43E5-87DA-79425C23963B}"/>
+                <a16:creationId xmlns:a16="http://schemas.microsoft.com/office/drawing/2014/main" id="{A161B7FC-F61C-4EBC-9064-EFC4EE4B7F6C}"/>
               </a:ext>
             </a:extLst>
           </p:cNvPr>
@@ -10275,190 +10692,45 @@
             <a:spLocks noGrp="1"/>
           </p:cNvSpPr>
           <p:nvPr>
-            <p:ph type="title"/>
-          </p:nvPr>
-        </p:nvSpPr>
-        <p:spPr>
-          <a:xfrm>
-            <a:off x="5615888" y="673240"/>
-            <a:ext cx="5951914" cy="3446373"/>
-          </a:xfrm>
-          <a:noFill/>
-          <a:ln w="19050">
-            <a:noFill/>
-            <a:prstDash val="dash"/>
-          </a:ln>
-        </p:spPr>
-        <p:txBody>
-          <a:bodyPr vert="horz" lIns="91440" tIns="45720" rIns="91440" bIns="45720" rtlCol="0" anchor="b">
-            <a:normAutofit/>
-          </a:bodyPr>
+            <p:ph idx="1"/>
+          </p:nvPr>
+        </p:nvSpPr>
+        <p:spPr/>
+        <p:txBody>
+          <a:bodyPr/>
           <a:lstStyle/>
           <a:p>
-            <a:pPr algn="r"/>
-            <a:r>
-              <a:rPr lang="en-US" sz="4800"/>
-              <a:t>Dziękuję za uwagę</a:t>
-            </a:r>
-          </a:p>
-        </p:txBody>
-      </p:sp>
-      <p:sp useBgFill="1">
-        <p:nvSpPr>
-          <p:cNvPr id="16" name="Rectangle 15">
-            <a:extLst>
-              <a:ext uri="{FF2B5EF4-FFF2-40B4-BE49-F238E27FC236}">
-                <a16:creationId xmlns:a16="http://schemas.microsoft.com/office/drawing/2014/main" id="{AB1DF3B3-9DBC-445D-AE4E-A62E5A9B85D5}"/>
-              </a:ext>
-              <a:ext uri="{C183D7F6-B498-43B3-948B-1728B52AA6E4}">
-                <adec:decorative xmlns:adec="http://schemas.microsoft.com/office/drawing/2017/decorative" val="1"/>
-              </a:ext>
-            </a:extLst>
-          </p:cNvPr>
-          <p:cNvSpPr>
-            <a:spLocks noGrp="1" noRot="1" noChangeAspect="1" noMove="1" noResize="1" noEditPoints="1" noAdjustHandles="1" noChangeArrowheads="1" noChangeShapeType="1" noTextEdit="1"/>
-          </p:cNvSpPr>
-          <p:nvPr>
-            <p:extLst>
-              <p:ext uri="{386F3935-93C4-4BCD-93E2-E3B085C9AB24}">
-                <p16:designElem xmlns:p16="http://schemas.microsoft.com/office/powerpoint/2015/main" val="1"/>
-              </p:ext>
-            </p:extLst>
-          </p:nvPr>
-        </p:nvSpPr>
-        <p:spPr>
-          <a:xfrm>
-            <a:off x="-1" y="0"/>
-            <a:ext cx="4966386" cy="6858000"/>
-          </a:xfrm>
-          <a:prstGeom prst="rect">
-            <a:avLst/>
-          </a:prstGeom>
-          <a:ln>
-            <a:noFill/>
-          </a:ln>
-        </p:spPr>
-        <p:style>
-          <a:lnRef idx="2">
-            <a:schemeClr val="accent1">
-              <a:shade val="50000"/>
-            </a:schemeClr>
-          </a:lnRef>
-          <a:fillRef idx="1">
-            <a:schemeClr val="accent1"/>
-          </a:fillRef>
-          <a:effectRef idx="0">
-            <a:schemeClr val="accent1"/>
-          </a:effectRef>
-          <a:fontRef idx="minor">
-            <a:schemeClr val="lt1"/>
-          </a:fontRef>
-        </p:style>
-        <p:txBody>
-          <a:bodyPr rtlCol="0" anchor="ctr"/>
-          <a:lstStyle/>
-          <a:p>
-            <a:pPr algn="ctr"/>
-            <a:endParaRPr lang="en-US"/>
-          </a:p>
-        </p:txBody>
-      </p:sp>
-      <p:pic>
-        <p:nvPicPr>
-          <p:cNvPr id="5" name="Obraz 4">
-            <a:extLst>
-              <a:ext uri="{FF2B5EF4-FFF2-40B4-BE49-F238E27FC236}">
-                <a16:creationId xmlns:a16="http://schemas.microsoft.com/office/drawing/2014/main" id="{5833AE4D-2043-4730-A29F-2C1452879143}"/>
-              </a:ext>
-            </a:extLst>
-          </p:cNvPr>
-          <p:cNvPicPr>
-            <a:picLocks noChangeAspect="1"/>
-          </p:cNvPicPr>
-          <p:nvPr/>
-        </p:nvPicPr>
-        <p:blipFill rotWithShape="1">
-          <a:blip r:embed="rId4"/>
-          <a:srcRect l="5406" r="7585"/>
-          <a:stretch/>
-        </p:blipFill>
-        <p:spPr>
-          <a:xfrm>
-            <a:off x="-4" y="10"/>
-            <a:ext cx="4654291" cy="6857990"/>
-          </a:xfrm>
-          <a:prstGeom prst="rect">
-            <a:avLst/>
-          </a:prstGeom>
-        </p:spPr>
-      </p:pic>
-      <p:sp>
-        <p:nvSpPr>
-          <p:cNvPr id="18" name="Rectangle 17">
-            <a:extLst>
-              <a:ext uri="{FF2B5EF4-FFF2-40B4-BE49-F238E27FC236}">
-                <a16:creationId xmlns:a16="http://schemas.microsoft.com/office/drawing/2014/main" id="{F51F80E8-0CAC-410E-B59A-29FDDC357ED4}"/>
-              </a:ext>
-              <a:ext uri="{C183D7F6-B498-43B3-948B-1728B52AA6E4}">
-                <adec:decorative xmlns:adec="http://schemas.microsoft.com/office/drawing/2017/decorative" val="1"/>
-              </a:ext>
-            </a:extLst>
-          </p:cNvPr>
-          <p:cNvSpPr>
-            <a:spLocks noGrp="1" noRot="1" noChangeAspect="1" noMove="1" noResize="1" noEditPoints="1" noAdjustHandles="1" noChangeArrowheads="1" noChangeShapeType="1" noTextEdit="1"/>
-          </p:cNvSpPr>
-          <p:nvPr>
-            <p:extLst>
-              <p:ext uri="{386F3935-93C4-4BCD-93E2-E3B085C9AB24}">
-                <p16:designElem xmlns:p16="http://schemas.microsoft.com/office/powerpoint/2015/main" val="1"/>
-              </p:ext>
-            </p:extLst>
-          </p:nvPr>
-        </p:nvSpPr>
-        <p:spPr>
-          <a:xfrm>
-            <a:off x="7946782" y="-1"/>
-            <a:ext cx="4245218" cy="536715"/>
-          </a:xfrm>
-          <a:prstGeom prst="rect">
-            <a:avLst/>
-          </a:prstGeom>
-          <a:solidFill>
-            <a:schemeClr val="bg1"/>
-          </a:solidFill>
-          <a:ln>
-            <a:noFill/>
-          </a:ln>
-        </p:spPr>
-        <p:style>
-          <a:lnRef idx="2">
-            <a:schemeClr val="accent1">
-              <a:shade val="50000"/>
-            </a:schemeClr>
-          </a:lnRef>
-          <a:fillRef idx="1">
-            <a:schemeClr val="accent1"/>
-          </a:fillRef>
-          <a:effectRef idx="0">
-            <a:schemeClr val="accent1"/>
-          </a:effectRef>
-          <a:fontRef idx="minor">
-            <a:schemeClr val="lt1"/>
-          </a:fontRef>
-        </p:style>
-        <p:txBody>
-          <a:bodyPr rtlCol="0" anchor="ctr"/>
-          <a:lstStyle/>
-          <a:p>
-            <a:pPr algn="ctr"/>
-            <a:endParaRPr lang="en-US"/>
+            <a:r>
+              <a:rPr lang="pl-PL" dirty="0"/>
+              <a:t>„Praktyczny kurs assemblera”, E. Wróbel, Helion, Gliwice 2004</a:t>
+            </a:r>
+          </a:p>
+          <a:p>
+            <a:r>
+              <a:rPr lang="pl-PL" dirty="0"/>
+              <a:t>„Asembler. Sztuka programowania”, </a:t>
+            </a:r>
+            <a:r>
+              <a:rPr lang="pl-PL" dirty="0" err="1"/>
+              <a:t>Randall</a:t>
+            </a:r>
+            <a:r>
+              <a:rPr lang="pl-PL" dirty="0"/>
+              <a:t> Hyde, Helion, Gliwice 2004</a:t>
+            </a:r>
+          </a:p>
+          <a:p>
+            <a:r>
+              <a:rPr lang="pl-PL" dirty="0"/>
+              <a:t>https://docs.microsoft.com/en-us/windows-hardware/drivers/debugger/x64-architecture?redirectedfrom=MSDN</a:t>
+            </a:r>
           </a:p>
         </p:txBody>
       </p:sp>
     </p:spTree>
     <p:extLst>
       <p:ext uri="{BB962C8B-B14F-4D97-AF65-F5344CB8AC3E}">
-        <p14:creationId xmlns:p14="http://schemas.microsoft.com/office/powerpoint/2010/main" val="485248565"/>
+        <p14:creationId xmlns:p14="http://schemas.microsoft.com/office/powerpoint/2010/main" val="3751433442"/>
       </p:ext>
     </p:extLst>
   </p:cSld>

--- a/Negatyw.pptx
+++ b/Negatyw.pptx
@@ -688,7 +688,7 @@
         <c:manualLayout>
           <c:xMode val="edge"/>
           <c:yMode val="edge"/>
-          <c:x val="0.41261731161236614"/>
+          <c:x val="0.38593217150807219"/>
           <c:y val="0.93045840139233249"/>
           <c:w val="0.21888907115777195"/>
           <c:h val="6.6964754405699295E-2"/>
@@ -10523,14 +10523,14 @@
           <p:nvPr>
             <p:extLst>
               <p:ext uri="{D42A27DB-BD31-4B8C-83A1-F6EECF244321}">
-                <p14:modId xmlns:p14="http://schemas.microsoft.com/office/powerpoint/2010/main" val="758548479"/>
+                <p14:modId xmlns:p14="http://schemas.microsoft.com/office/powerpoint/2010/main" val="3099011882"/>
               </p:ext>
             </p:extLst>
           </p:nvPr>
         </p:nvGraphicFramePr>
         <p:xfrm>
-          <a:off x="514905" y="1686757"/>
-          <a:ext cx="10946167" cy="4785064"/>
+          <a:off x="666565" y="1438181"/>
+          <a:ext cx="10946167" cy="5033639"/>
         </p:xfrm>
         <a:graphic>
           <a:graphicData uri="http://schemas.openxmlformats.org/drawingml/2006/chart">
@@ -10616,6 +10616,18 @@
         <p:txBody>
           <a:bodyPr/>
           <a:lstStyle/>
+          <a:p>
+            <a:r>
+              <a:rPr lang="pl-PL" dirty="0"/>
+              <a:t>Program napisany w assemblerze wykonuję się szybciej niż w C++ </a:t>
+            </a:r>
+          </a:p>
+          <a:p>
+            <a:r>
+              <a:rPr lang="pl-PL" dirty="0"/>
+              <a:t>Wraz z zwiększeniem ilości wątków program wykonuje się wolniej co związane jest z czasem potrzebnym na stworzenie nowego wątku </a:t>
+            </a:r>
+          </a:p>
           <a:p>
             <a:endParaRPr lang="pl-PL" dirty="0"/>
           </a:p>

--- a/Negatyw.pptx
+++ b/Negatyw.pptx
@@ -199,7 +199,17 @@
     </c:title>
     <c:autoTitleDeleted val="0"/>
     <c:plotArea>
-      <c:layout/>
+      <c:layout>
+        <c:manualLayout>
+          <c:layoutTarget val="inner"/>
+          <c:xMode val="edge"/>
+          <c:yMode val="edge"/>
+          <c:x val="4.9556981909740644E-2"/>
+          <c:y val="8.3676242972529402E-2"/>
+          <c:w val="0.93536011281391929"/>
+          <c:h val="0.79103209427612908"/>
+        </c:manualLayout>
+      </c:layout>
       <c:lineChart>
         <c:grouping val="standard"/>
         <c:varyColors val="0"/>
@@ -212,7 +222,7 @@
               <c:strCache>
                 <c:ptCount val="1"/>
                 <c:pt idx="0">
-                  <c:v>C++</c:v>
+                  <c:v>C</c:v>
                 </c:pt>
               </c:strCache>
             </c:strRef>
@@ -376,7 +386,7 @@
           <c:smooth val="0"/>
           <c:extLst>
             <c:ext xmlns:c16="http://schemas.microsoft.com/office/drawing/2014/chart" uri="{C3380CC4-5D6E-409C-BE32-E72D297353CC}">
-              <c16:uniqueId val="{00000000-789B-4F92-8FD1-BACBB587CB2C}"/>
+              <c16:uniqueId val="{00000000-5DD8-410B-AEEC-5F99D7BA5626}"/>
             </c:ext>
           </c:extLst>
         </c:ser>
@@ -553,7 +563,7 @@
           <c:smooth val="0"/>
           <c:extLst>
             <c:ext xmlns:c16="http://schemas.microsoft.com/office/drawing/2014/chart" uri="{C3380CC4-5D6E-409C-BE32-E72D297353CC}">
-              <c16:uniqueId val="{00000001-789B-4F92-8FD1-BACBB587CB2C}"/>
+              <c16:uniqueId val="{00000001-5DD8-410B-AEEC-5F99D7BA5626}"/>
             </c:ext>
           </c:extLst>
         </c:ser>
@@ -576,6 +586,61 @@
         </c:scaling>
         <c:delete val="0"/>
         <c:axPos val="b"/>
+        <c:title>
+          <c:tx>
+            <c:rich>
+              <a:bodyPr rot="0" spcFirstLastPara="1" vertOverflow="ellipsis" vert="horz" wrap="square" anchor="ctr" anchorCtr="1"/>
+              <a:lstStyle/>
+              <a:p>
+                <a:pPr>
+                  <a:defRPr sz="1000" b="0" i="0" u="none" strike="noStrike" kern="1200" baseline="0">
+                    <a:solidFill>
+                      <a:schemeClr val="tx1">
+                        <a:lumMod val="65000"/>
+                        <a:lumOff val="35000"/>
+                      </a:schemeClr>
+                    </a:solidFill>
+                    <a:latin typeface="+mn-lt"/>
+                    <a:ea typeface="+mn-ea"/>
+                    <a:cs typeface="+mn-cs"/>
+                  </a:defRPr>
+                </a:pPr>
+                <a:r>
+                  <a:rPr lang="pl-PL"/>
+                  <a:t>Liczba wątków</a:t>
+                </a:r>
+              </a:p>
+            </c:rich>
+          </c:tx>
+          <c:overlay val="0"/>
+          <c:spPr>
+            <a:noFill/>
+            <a:ln>
+              <a:noFill/>
+            </a:ln>
+            <a:effectLst/>
+          </c:spPr>
+          <c:txPr>
+            <a:bodyPr rot="0" spcFirstLastPara="1" vertOverflow="ellipsis" vert="horz" wrap="square" anchor="ctr" anchorCtr="1"/>
+            <a:lstStyle/>
+            <a:p>
+              <a:pPr>
+                <a:defRPr sz="1000" b="0" i="0" u="none" strike="noStrike" kern="1200" baseline="0">
+                  <a:solidFill>
+                    <a:schemeClr val="tx1">
+                      <a:lumMod val="65000"/>
+                      <a:lumOff val="35000"/>
+                    </a:schemeClr>
+                  </a:solidFill>
+                  <a:latin typeface="+mn-lt"/>
+                  <a:ea typeface="+mn-ea"/>
+                  <a:cs typeface="+mn-cs"/>
+                </a:defRPr>
+              </a:pPr>
+              <a:endParaRPr lang="pl-PL"/>
+            </a:p>
+          </c:txPr>
+        </c:title>
         <c:numFmt formatCode="General" sourceLinked="1"/>
         <c:majorTickMark val="none"/>
         <c:minorTickMark val="none"/>
@@ -641,6 +706,61 @@
             <a:effectLst/>
           </c:spPr>
         </c:majorGridlines>
+        <c:title>
+          <c:tx>
+            <c:rich>
+              <a:bodyPr rot="-5400000" spcFirstLastPara="1" vertOverflow="ellipsis" vert="horz" wrap="square" anchor="ctr" anchorCtr="1"/>
+              <a:lstStyle/>
+              <a:p>
+                <a:pPr>
+                  <a:defRPr sz="1000" b="0" i="0" u="none" strike="noStrike" kern="1200" baseline="0">
+                    <a:solidFill>
+                      <a:schemeClr val="tx1">
+                        <a:lumMod val="65000"/>
+                        <a:lumOff val="35000"/>
+                      </a:schemeClr>
+                    </a:solidFill>
+                    <a:latin typeface="+mn-lt"/>
+                    <a:ea typeface="+mn-ea"/>
+                    <a:cs typeface="+mn-cs"/>
+                  </a:defRPr>
+                </a:pPr>
+                <a:r>
+                  <a:rPr lang="pl-PL"/>
+                  <a:t>Czas w mikrosekundach</a:t>
+                </a:r>
+              </a:p>
+            </c:rich>
+          </c:tx>
+          <c:overlay val="0"/>
+          <c:spPr>
+            <a:noFill/>
+            <a:ln>
+              <a:noFill/>
+            </a:ln>
+            <a:effectLst/>
+          </c:spPr>
+          <c:txPr>
+            <a:bodyPr rot="-5400000" spcFirstLastPara="1" vertOverflow="ellipsis" vert="horz" wrap="square" anchor="ctr" anchorCtr="1"/>
+            <a:lstStyle/>
+            <a:p>
+              <a:pPr>
+                <a:defRPr sz="1000" b="0" i="0" u="none" strike="noStrike" kern="1200" baseline="0">
+                  <a:solidFill>
+                    <a:schemeClr val="tx1">
+                      <a:lumMod val="65000"/>
+                      <a:lumOff val="35000"/>
+                    </a:schemeClr>
+                  </a:solidFill>
+                  <a:latin typeface="+mn-lt"/>
+                  <a:ea typeface="+mn-ea"/>
+                  <a:cs typeface="+mn-cs"/>
+                </a:defRPr>
+              </a:pPr>
+              <a:endParaRPr lang="pl-PL"/>
+            </a:p>
+          </c:txPr>
+        </c:title>
         <c:numFmt formatCode="General" sourceLinked="1"/>
         <c:majorTickMark val="none"/>
         <c:minorTickMark val="none"/>
@@ -690,8 +810,8 @@
         <c:manualLayout>
           <c:xMode val="edge"/>
           <c:yMode val="edge"/>
-          <c:x val="0.38593217150807219"/>
-          <c:y val="0.93045840139233249"/>
+          <c:x val="0.63928986361612472"/>
+          <c:y val="0.92548968728459946"/>
           <c:w val="0.21888907115777195"/>
           <c:h val="6.6964754405699295E-2"/>
         </c:manualLayout>
@@ -944,67 +1064,67 @@
                 <c:formatCode>General</c:formatCode>
                 <c:ptCount val="21"/>
                 <c:pt idx="0">
-                  <c:v>25800</c:v>
+                  <c:v>34325</c:v>
                 </c:pt>
                 <c:pt idx="1">
-                  <c:v>16902</c:v>
+                  <c:v>17774</c:v>
                 </c:pt>
                 <c:pt idx="2">
-                  <c:v>17118</c:v>
+                  <c:v>16377</c:v>
                 </c:pt>
                 <c:pt idx="3">
-                  <c:v>20253</c:v>
+                  <c:v>22725</c:v>
                 </c:pt>
                 <c:pt idx="4">
-                  <c:v>21336</c:v>
+                  <c:v>22502</c:v>
                 </c:pt>
                 <c:pt idx="5">
-                  <c:v>21958</c:v>
+                  <c:v>21946</c:v>
                 </c:pt>
                 <c:pt idx="6">
-                  <c:v>26272</c:v>
+                  <c:v>26348</c:v>
                 </c:pt>
                 <c:pt idx="7">
-                  <c:v>27960</c:v>
+                  <c:v>29192</c:v>
                 </c:pt>
                 <c:pt idx="8">
-                  <c:v>31298</c:v>
+                  <c:v>28736</c:v>
                 </c:pt>
                 <c:pt idx="9">
-                  <c:v>36010</c:v>
+                  <c:v>34414</c:v>
                 </c:pt>
                 <c:pt idx="10">
-                  <c:v>40481</c:v>
+                  <c:v>43850</c:v>
                 </c:pt>
                 <c:pt idx="11">
-                  <c:v>48275</c:v>
+                  <c:v>58158</c:v>
                 </c:pt>
                 <c:pt idx="12">
-                  <c:v>66493</c:v>
+                  <c:v>93805</c:v>
                 </c:pt>
                 <c:pt idx="13">
-                  <c:v>69423</c:v>
+                  <c:v>100663</c:v>
                 </c:pt>
                 <c:pt idx="14">
-                  <c:v>75576</c:v>
+                  <c:v>118698</c:v>
                 </c:pt>
                 <c:pt idx="15">
-                  <c:v>94786</c:v>
+                  <c:v>123619</c:v>
                 </c:pt>
                 <c:pt idx="16">
-                  <c:v>96808</c:v>
+                  <c:v>128331</c:v>
                 </c:pt>
                 <c:pt idx="17">
-                  <c:v>105033</c:v>
+                  <c:v>157633</c:v>
                 </c:pt>
                 <c:pt idx="18">
-                  <c:v>118174</c:v>
+                  <c:v>177647</c:v>
                 </c:pt>
                 <c:pt idx="19">
-                  <c:v>126047</c:v>
+                  <c:v>178560</c:v>
                 </c:pt>
                 <c:pt idx="20">
-                  <c:v>133170</c:v>
+                  <c:v>178901</c:v>
                 </c:pt>
               </c:numCache>
             </c:numRef>
@@ -1012,7 +1132,7 @@
           <c:smooth val="0"/>
           <c:extLst>
             <c:ext xmlns:c16="http://schemas.microsoft.com/office/drawing/2014/chart" uri="{C3380CC4-5D6E-409C-BE32-E72D297353CC}">
-              <c16:uniqueId val="{00000000-478C-47C7-A09B-CF2582EFC2A6}"/>
+              <c16:uniqueId val="{00000000-E8C0-419A-BBA3-38E6E4B0CF10}"/>
             </c:ext>
           </c:extLst>
         </c:ser>
@@ -1121,67 +1241,67 @@
                 <c:formatCode>General</c:formatCode>
                 <c:ptCount val="21"/>
                 <c:pt idx="0">
-                  <c:v>23317</c:v>
+                  <c:v>35117</c:v>
                 </c:pt>
                 <c:pt idx="1">
-                  <c:v>22952</c:v>
+                  <c:v>14335</c:v>
                 </c:pt>
                 <c:pt idx="2">
-                  <c:v>15681</c:v>
+                  <c:v>14547</c:v>
                 </c:pt>
                 <c:pt idx="3">
-                  <c:v>20506</c:v>
+                  <c:v>18137</c:v>
                 </c:pt>
                 <c:pt idx="4">
-                  <c:v>24010</c:v>
+                  <c:v>19347</c:v>
                 </c:pt>
                 <c:pt idx="5">
-                  <c:v>25173</c:v>
+                  <c:v>19450</c:v>
                 </c:pt>
                 <c:pt idx="6">
-                  <c:v>27706</c:v>
+                  <c:v>22395</c:v>
                 </c:pt>
                 <c:pt idx="7">
-                  <c:v>28885</c:v>
+                  <c:v>24202</c:v>
                 </c:pt>
                 <c:pt idx="8">
-                  <c:v>31907</c:v>
+                  <c:v>27073</c:v>
                 </c:pt>
                 <c:pt idx="9">
-                  <c:v>41291</c:v>
+                  <c:v>28747</c:v>
                 </c:pt>
                 <c:pt idx="10">
-                  <c:v>43332</c:v>
+                  <c:v>36909</c:v>
                 </c:pt>
                 <c:pt idx="11">
-                  <c:v>53851</c:v>
+                  <c:v>49433</c:v>
                 </c:pt>
                 <c:pt idx="12">
-                  <c:v>70675</c:v>
+                  <c:v>53653</c:v>
                 </c:pt>
                 <c:pt idx="13">
-                  <c:v>75813</c:v>
+                  <c:v>63780</c:v>
                 </c:pt>
                 <c:pt idx="14">
-                  <c:v>92831</c:v>
+                  <c:v>76407</c:v>
                 </c:pt>
                 <c:pt idx="15">
-                  <c:v>99388</c:v>
+                  <c:v>88054</c:v>
                 </c:pt>
                 <c:pt idx="16">
-                  <c:v>112339</c:v>
+                  <c:v>103168</c:v>
                 </c:pt>
                 <c:pt idx="17">
-                  <c:v>126531</c:v>
+                  <c:v>114277</c:v>
                 </c:pt>
                 <c:pt idx="18">
-                  <c:v>139559</c:v>
+                  <c:v>116295</c:v>
                 </c:pt>
                 <c:pt idx="19">
-                  <c:v>139206</c:v>
+                  <c:v>130257</c:v>
                 </c:pt>
                 <c:pt idx="20">
-                  <c:v>147692</c:v>
+                  <c:v>154375</c:v>
                 </c:pt>
               </c:numCache>
             </c:numRef>
@@ -1189,7 +1309,7 @@
           <c:smooth val="0"/>
           <c:extLst>
             <c:ext xmlns:c16="http://schemas.microsoft.com/office/drawing/2014/chart" uri="{C3380CC4-5D6E-409C-BE32-E72D297353CC}">
-              <c16:uniqueId val="{00000001-478C-47C7-A09B-CF2582EFC2A6}"/>
+              <c16:uniqueId val="{00000001-E8C0-419A-BBA3-38E6E4B0CF10}"/>
             </c:ext>
           </c:extLst>
         </c:ser>
@@ -1212,6 +1332,61 @@
         </c:scaling>
         <c:delete val="0"/>
         <c:axPos val="b"/>
+        <c:title>
+          <c:tx>
+            <c:rich>
+              <a:bodyPr rot="0" spcFirstLastPara="1" vertOverflow="ellipsis" vert="horz" wrap="square" anchor="ctr" anchorCtr="1"/>
+              <a:lstStyle/>
+              <a:p>
+                <a:pPr>
+                  <a:defRPr sz="1000" b="0" i="0" u="none" strike="noStrike" kern="1200" baseline="0">
+                    <a:solidFill>
+                      <a:schemeClr val="tx1">
+                        <a:lumMod val="65000"/>
+                        <a:lumOff val="35000"/>
+                      </a:schemeClr>
+                    </a:solidFill>
+                    <a:latin typeface="+mn-lt"/>
+                    <a:ea typeface="+mn-ea"/>
+                    <a:cs typeface="+mn-cs"/>
+                  </a:defRPr>
+                </a:pPr>
+                <a:r>
+                  <a:rPr lang="pl-PL"/>
+                  <a:t>Ilość wątków</a:t>
+                </a:r>
+              </a:p>
+            </c:rich>
+          </c:tx>
+          <c:overlay val="0"/>
+          <c:spPr>
+            <a:noFill/>
+            <a:ln>
+              <a:noFill/>
+            </a:ln>
+            <a:effectLst/>
+          </c:spPr>
+          <c:txPr>
+            <a:bodyPr rot="0" spcFirstLastPara="1" vertOverflow="ellipsis" vert="horz" wrap="square" anchor="ctr" anchorCtr="1"/>
+            <a:lstStyle/>
+            <a:p>
+              <a:pPr>
+                <a:defRPr sz="1000" b="0" i="0" u="none" strike="noStrike" kern="1200" baseline="0">
+                  <a:solidFill>
+                    <a:schemeClr val="tx1">
+                      <a:lumMod val="65000"/>
+                      <a:lumOff val="35000"/>
+                    </a:schemeClr>
+                  </a:solidFill>
+                  <a:latin typeface="+mn-lt"/>
+                  <a:ea typeface="+mn-ea"/>
+                  <a:cs typeface="+mn-cs"/>
+                </a:defRPr>
+              </a:pPr>
+              <a:endParaRPr lang="pl-PL"/>
+            </a:p>
+          </c:txPr>
+        </c:title>
         <c:numFmt formatCode="General" sourceLinked="1"/>
         <c:majorTickMark val="none"/>
         <c:minorTickMark val="none"/>
@@ -1277,6 +1452,66 @@
             <a:effectLst/>
           </c:spPr>
         </c:majorGridlines>
+        <c:title>
+          <c:tx>
+            <c:rich>
+              <a:bodyPr rot="-5400000" spcFirstLastPara="1" vertOverflow="ellipsis" vert="horz" wrap="square" anchor="ctr" anchorCtr="1"/>
+              <a:lstStyle/>
+              <a:p>
+                <a:pPr>
+                  <a:defRPr sz="1000" b="0" i="0" u="none" strike="noStrike" kern="1200" baseline="0">
+                    <a:solidFill>
+                      <a:schemeClr val="tx1">
+                        <a:lumMod val="65000"/>
+                        <a:lumOff val="35000"/>
+                      </a:schemeClr>
+                    </a:solidFill>
+                    <a:latin typeface="+mn-lt"/>
+                    <a:ea typeface="+mn-ea"/>
+                    <a:cs typeface="+mn-cs"/>
+                  </a:defRPr>
+                </a:pPr>
+                <a:r>
+                  <a:rPr lang="pl-PL"/>
+                  <a:t>Czas działania</a:t>
+                </a:r>
+                <a:r>
+                  <a:rPr lang="pl-PL" baseline="0"/>
+                  <a:t> w mikrosekundach</a:t>
+                </a:r>
+                <a:endParaRPr lang="pl-PL"/>
+              </a:p>
+            </c:rich>
+          </c:tx>
+          <c:overlay val="0"/>
+          <c:spPr>
+            <a:noFill/>
+            <a:ln>
+              <a:noFill/>
+            </a:ln>
+            <a:effectLst/>
+          </c:spPr>
+          <c:txPr>
+            <a:bodyPr rot="-5400000" spcFirstLastPara="1" vertOverflow="ellipsis" vert="horz" wrap="square" anchor="ctr" anchorCtr="1"/>
+            <a:lstStyle/>
+            <a:p>
+              <a:pPr>
+                <a:defRPr sz="1000" b="0" i="0" u="none" strike="noStrike" kern="1200" baseline="0">
+                  <a:solidFill>
+                    <a:schemeClr val="tx1">
+                      <a:lumMod val="65000"/>
+                      <a:lumOff val="35000"/>
+                    </a:schemeClr>
+                  </a:solidFill>
+                  <a:latin typeface="+mn-lt"/>
+                  <a:ea typeface="+mn-ea"/>
+                  <a:cs typeface="+mn-cs"/>
+                </a:defRPr>
+              </a:pPr>
+              <a:endParaRPr lang="pl-PL"/>
+            </a:p>
+          </c:txPr>
+        </c:title>
         <c:numFmt formatCode="General" sourceLinked="1"/>
         <c:majorTickMark val="none"/>
         <c:minorTickMark val="none"/>
@@ -1322,6 +1557,16 @@
     </c:plotArea>
     <c:legend>
       <c:legendPos val="b"/>
+      <c:layout>
+        <c:manualLayout>
+          <c:xMode val="edge"/>
+          <c:yMode val="edge"/>
+          <c:x val="0.78884505193893018"/>
+          <c:y val="0.94674519601233798"/>
+          <c:w val="9.8366234150308679E-2"/>
+          <c:h val="5.325480398766199E-2"/>
+        </c:manualLayout>
+      </c:layout>
       <c:overlay val="0"/>
       <c:spPr>
         <a:noFill/>
@@ -5624,7 +5869,7 @@
 <dgm:dataModel xmlns:dgm="http://schemas.openxmlformats.org/drawingml/2006/diagram" xmlns:a="http://schemas.openxmlformats.org/drawingml/2006/main">
   <dgm:ptLst>
     <dgm:pt modelId="{A2714943-1E62-4666-8757-7B352D007418}" type="doc">
-      <dgm:prSet loTypeId="urn:microsoft.com/office/officeart/2005/8/layout/vList2" loCatId="list" qsTypeId="urn:microsoft.com/office/officeart/2005/8/quickstyle/simple1" qsCatId="simple" csTypeId="urn:microsoft.com/office/officeart/2005/8/colors/colorful2" csCatId="colorful"/>
+      <dgm:prSet loTypeId="urn:microsoft.com/office/officeart/2005/8/layout/vList2" loCatId="list" qsTypeId="urn:microsoft.com/office/officeart/2005/8/quickstyle/simple1" qsCatId="simple" csTypeId="urn:microsoft.com/office/officeart/2005/8/colors/colorful2" csCatId="colorful" phldr="1"/>
       <dgm:spPr/>
       <dgm:t>
         <a:bodyPr/>
@@ -5679,10 +5924,10 @@
         <a:lstStyle/>
         <a:p>
           <a:r>
-            <a:rPr lang="pl-PL"/>
-            <a:t>Algorytm do zmiany bitmapy napisany w C++ oraz Assemblerze</a:t>
+            <a:rPr lang="pl-PL" dirty="0"/>
+            <a:t>Algorytm do zmiany bitmapy napisany w C oraz Assemblerze</a:t>
           </a:r>
-          <a:endParaRPr lang="en-US"/>
+          <a:endParaRPr lang="en-US" dirty="0"/>
         </a:p>
       </dgm:t>
     </dgm:pt>
@@ -5716,10 +5961,10 @@
         <a:lstStyle/>
         <a:p>
           <a:r>
-            <a:rPr lang="pl-PL"/>
-            <a:t>Użytkownik posiada możliwość wyboru czy obraz będzie przetwarzany za pomocą assemblera czy C++. Ma również możliwość wyboru ilości wątków przetwarzania. </a:t>
+            <a:rPr lang="pl-PL" dirty="0"/>
+            <a:t>Użytkownik posiada możliwość wyboru czy obraz będzie przetwarzany za pomocą assemblera czy C. Ma również możliwość wyboru ilości wątków przetwarzania. </a:t>
           </a:r>
-          <a:endParaRPr lang="en-US"/>
+          <a:endParaRPr lang="en-US" dirty="0"/>
         </a:p>
       </dgm:t>
     </dgm:pt>
@@ -7089,10 +7334,10 @@
             <a:buNone/>
           </a:pPr>
           <a:r>
-            <a:rPr lang="pl-PL" sz="1700" kern="1200"/>
-            <a:t>Algorytm do zmiany bitmapy napisany w C++ oraz Assemblerze</a:t>
+            <a:rPr lang="pl-PL" sz="1700" kern="1200" dirty="0"/>
+            <a:t>Algorytm do zmiany bitmapy napisany w C oraz Assemblerze</a:t>
           </a:r>
-          <a:endParaRPr lang="en-US" sz="1700" kern="1200"/>
+          <a:endParaRPr lang="en-US" sz="1700" kern="1200" dirty="0"/>
         </a:p>
       </dsp:txBody>
       <dsp:txXfrm>
@@ -7167,10 +7412,10 @@
             <a:buNone/>
           </a:pPr>
           <a:r>
-            <a:rPr lang="pl-PL" sz="1700" kern="1200"/>
-            <a:t>Użytkownik posiada możliwość wyboru czy obraz będzie przetwarzany za pomocą assemblera czy C++. Ma również możliwość wyboru ilości wątków przetwarzania. </a:t>
+            <a:rPr lang="pl-PL" sz="1700" kern="1200" dirty="0"/>
+            <a:t>Użytkownik posiada możliwość wyboru czy obraz będzie przetwarzany za pomocą assemblera czy C. Ma również możliwość wyboru ilości wątków przetwarzania. </a:t>
           </a:r>
-          <a:endParaRPr lang="en-US" sz="1700" kern="1200"/>
+          <a:endParaRPr lang="en-US" sz="1700" kern="1200" dirty="0"/>
         </a:p>
       </dsp:txBody>
       <dsp:txXfrm>
@@ -11668,7 +11913,7 @@
           <a:p>
             <a:fld id="{48A87A34-81AB-432B-8DAE-1953F412C126}" type="datetimeFigureOut">
               <a:rPr lang="en-US" dirty="0"/>
-              <a:t>12/1/2019</a:t>
+              <a:t>12/2/2019</a:t>
             </a:fld>
             <a:endParaRPr lang="en-US" dirty="0"/>
           </a:p>
@@ -11930,7 +12175,7 @@
           <a:p>
             <a:fld id="{48A87A34-81AB-432B-8DAE-1953F412C126}" type="datetimeFigureOut">
               <a:rPr lang="en-US" dirty="0"/>
-              <a:t>12/1/2019</a:t>
+              <a:t>12/2/2019</a:t>
             </a:fld>
             <a:endParaRPr lang="en-US" dirty="0"/>
           </a:p>
@@ -12157,7 +12402,7 @@
             <a:fld id="{48A87A34-81AB-432B-8DAE-1953F412C126}" type="datetimeFigureOut">
               <a:rPr lang="en-US" dirty="0"/>
               <a:pPr/>
-              <a:t>12/1/2019</a:t>
+              <a:t>12/2/2019</a:t>
             </a:fld>
             <a:endParaRPr lang="en-US" dirty="0"/>
           </a:p>
@@ -12463,7 +12708,7 @@
             <a:fld id="{48A87A34-81AB-432B-8DAE-1953F412C126}" type="datetimeFigureOut">
               <a:rPr lang="en-US" dirty="0"/>
               <a:pPr/>
-              <a:t>12/1/2019</a:t>
+              <a:t>12/2/2019</a:t>
             </a:fld>
             <a:endParaRPr lang="en-US" dirty="0"/>
           </a:p>
@@ -12932,7 +13177,7 @@
             <a:fld id="{48A87A34-81AB-432B-8DAE-1953F412C126}" type="datetimeFigureOut">
               <a:rPr lang="en-US" dirty="0"/>
               <a:pPr/>
-              <a:t>12/1/2019</a:t>
+              <a:t>12/2/2019</a:t>
             </a:fld>
             <a:endParaRPr lang="en-US" dirty="0"/>
           </a:p>
@@ -13474,7 +13719,7 @@
           <a:p>
             <a:fld id="{48A87A34-81AB-432B-8DAE-1953F412C126}" type="datetimeFigureOut">
               <a:rPr lang="en-US" dirty="0"/>
-              <a:t>12/1/2019</a:t>
+              <a:t>12/2/2019</a:t>
             </a:fld>
             <a:endParaRPr lang="en-US" dirty="0"/>
           </a:p>
@@ -14243,7 +14488,7 @@
           <a:p>
             <a:fld id="{48A87A34-81AB-432B-8DAE-1953F412C126}" type="datetimeFigureOut">
               <a:rPr lang="en-US" dirty="0"/>
-              <a:t>12/1/2019</a:t>
+              <a:t>12/2/2019</a:t>
             </a:fld>
             <a:endParaRPr lang="en-US" dirty="0"/>
           </a:p>
@@ -14413,7 +14658,7 @@
           <a:p>
             <a:fld id="{48A87A34-81AB-432B-8DAE-1953F412C126}" type="datetimeFigureOut">
               <a:rPr lang="en-US" dirty="0"/>
-              <a:t>12/1/2019</a:t>
+              <a:t>12/2/2019</a:t>
             </a:fld>
             <a:endParaRPr lang="en-US" dirty="0"/>
           </a:p>
@@ -14632,7 +14877,7 @@
             <a:fld id="{48A87A34-81AB-432B-8DAE-1953F412C126}" type="datetimeFigureOut">
               <a:rPr lang="en-US" dirty="0"/>
               <a:pPr/>
-              <a:t>12/1/2019</a:t>
+              <a:t>12/2/2019</a:t>
             </a:fld>
             <a:endParaRPr lang="en-US" dirty="0"/>
           </a:p>
@@ -14807,7 +15052,7 @@
           <a:p>
             <a:fld id="{48A87A34-81AB-432B-8DAE-1953F412C126}" type="datetimeFigureOut">
               <a:rPr lang="en-US" dirty="0"/>
-              <a:t>12/1/2019</a:t>
+              <a:t>12/2/2019</a:t>
             </a:fld>
             <a:endParaRPr lang="en-US" dirty="0"/>
           </a:p>
@@ -15092,7 +15337,7 @@
             <a:fld id="{48A87A34-81AB-432B-8DAE-1953F412C126}" type="datetimeFigureOut">
               <a:rPr lang="en-US" dirty="0"/>
               <a:pPr/>
-              <a:t>12/1/2019</a:t>
+              <a:t>12/2/2019</a:t>
             </a:fld>
             <a:endParaRPr lang="en-US" dirty="0"/>
           </a:p>
@@ -15329,7 +15574,7 @@
           <a:p>
             <a:fld id="{48A87A34-81AB-432B-8DAE-1953F412C126}" type="datetimeFigureOut">
               <a:rPr lang="en-US" dirty="0"/>
-              <a:t>12/1/2019</a:t>
+              <a:t>12/2/2019</a:t>
             </a:fld>
             <a:endParaRPr lang="en-US" dirty="0"/>
           </a:p>
@@ -15703,7 +15948,7 @@
           <a:p>
             <a:fld id="{48A87A34-81AB-432B-8DAE-1953F412C126}" type="datetimeFigureOut">
               <a:rPr lang="en-US" dirty="0"/>
-              <a:t>12/1/2019</a:t>
+              <a:t>12/2/2019</a:t>
             </a:fld>
             <a:endParaRPr lang="en-US" dirty="0"/>
           </a:p>
@@ -15816,7 +16061,7 @@
           <a:p>
             <a:fld id="{48A87A34-81AB-432B-8DAE-1953F412C126}" type="datetimeFigureOut">
               <a:rPr lang="en-US" dirty="0"/>
-              <a:t>12/1/2019</a:t>
+              <a:t>12/2/2019</a:t>
             </a:fld>
             <a:endParaRPr lang="en-US" dirty="0"/>
           </a:p>
@@ -15906,7 +16151,7 @@
           <a:p>
             <a:fld id="{48A87A34-81AB-432B-8DAE-1953F412C126}" type="datetimeFigureOut">
               <a:rPr lang="en-US" dirty="0"/>
-              <a:t>12/1/2019</a:t>
+              <a:t>12/2/2019</a:t>
             </a:fld>
             <a:endParaRPr lang="en-US" dirty="0"/>
           </a:p>
@@ -16150,7 +16395,7 @@
           <a:p>
             <a:fld id="{48A87A34-81AB-432B-8DAE-1953F412C126}" type="datetimeFigureOut">
               <a:rPr lang="en-US" dirty="0"/>
-              <a:t>12/1/2019</a:t>
+              <a:t>12/2/2019</a:t>
             </a:fld>
             <a:endParaRPr lang="en-US" dirty="0"/>
           </a:p>
@@ -16402,7 +16647,7 @@
           <a:p>
             <a:fld id="{48A87A34-81AB-432B-8DAE-1953F412C126}" type="datetimeFigureOut">
               <a:rPr lang="en-US" dirty="0"/>
-              <a:t>12/1/2019</a:t>
+              <a:t>12/2/2019</a:t>
             </a:fld>
             <a:endParaRPr lang="en-US" dirty="0"/>
           </a:p>
@@ -16641,7 +16886,7 @@
             <a:fld id="{48A87A34-81AB-432B-8DAE-1953F412C126}" type="datetimeFigureOut">
               <a:rPr lang="en-US" dirty="0"/>
               <a:pPr/>
-              <a:t>12/1/2019</a:t>
+              <a:t>12/2/2019</a:t>
             </a:fld>
             <a:endParaRPr lang="en-US" dirty="0"/>
           </a:p>
@@ -18592,7 +18837,7 @@
             <p:ph idx="1"/>
             <p:extLst>
               <p:ext uri="{D42A27DB-BD31-4B8C-83A1-F6EECF244321}">
-                <p14:modId xmlns:p14="http://schemas.microsoft.com/office/powerpoint/2010/main" val="1962563405"/>
+                <p14:modId xmlns:p14="http://schemas.microsoft.com/office/powerpoint/2010/main" val="292979509"/>
               </p:ext>
             </p:extLst>
           </p:nvPr>
@@ -19274,14 +19519,14 @@
             <p:ph idx="1"/>
             <p:extLst>
               <p:ext uri="{D42A27DB-BD31-4B8C-83A1-F6EECF244321}">
-                <p14:modId xmlns:p14="http://schemas.microsoft.com/office/powerpoint/2010/main" val="3581046746"/>
+                <p14:modId xmlns:p14="http://schemas.microsoft.com/office/powerpoint/2010/main" val="3301581311"/>
               </p:ext>
             </p:extLst>
           </p:nvPr>
         </p:nvGraphicFramePr>
         <p:xfrm>
-          <a:off x="4687983" y="1127125"/>
-          <a:ext cx="6384717" cy="5087412"/>
+          <a:off x="4740676" y="1127125"/>
+          <a:ext cx="6332024" cy="5096548"/>
         </p:xfrm>
         <a:graphic>
           <a:graphicData uri="http://schemas.openxmlformats.org/drawingml/2006/table">
@@ -19290,7 +19535,7 @@
                 <a:tableStyleId>{5C22544A-7EE6-4342-B048-85BDC9FD1C3A}</a:tableStyleId>
               </a:tblPr>
               <a:tblGrid>
-                <a:gridCol w="2753623">
+                <a:gridCol w="2700930">
                   <a:extLst>
                     <a:ext uri="{9D8B030D-6E8A-4147-A177-3AD203B41FA5}">
                       <a16:colId xmlns:a16="http://schemas.microsoft.com/office/drawing/2014/main" val="1226109487"/>
@@ -19450,12 +19695,12 @@
                         </a:spcAft>
                       </a:pPr>
                       <a:r>
-                        <a:rPr lang="pl-PL" sz="1300">
+                        <a:rPr lang="pl-PL" sz="1300" dirty="0">
                           <a:effectLst/>
                         </a:rPr>
                         <a:t>34325</a:t>
                       </a:r>
-                      <a:endParaRPr lang="pl-PL" sz="1300">
+                      <a:endParaRPr lang="pl-PL" sz="1300" dirty="0">
                         <a:effectLst/>
                         <a:latin typeface="Calibri" panose="020F0502020204030204" pitchFamily="34" charset="0"/>
                         <a:ea typeface="Calibri" panose="020F0502020204030204" pitchFamily="34" charset="0"/>
@@ -20795,12 +21040,12 @@
                         </a:spcAft>
                       </a:pPr>
                       <a:r>
-                        <a:rPr lang="pl-PL" sz="1300">
+                        <a:rPr lang="pl-PL" sz="1300" dirty="0">
                           <a:effectLst/>
                         </a:rPr>
                         <a:t>76407</a:t>
                       </a:r>
-                      <a:endParaRPr lang="pl-PL" sz="1300">
+                      <a:endParaRPr lang="pl-PL" sz="1300" dirty="0">
                         <a:effectLst/>
                         <a:latin typeface="Calibri" panose="020F0502020204030204" pitchFamily="34" charset="0"/>
                         <a:ea typeface="Calibri" panose="020F0502020204030204" pitchFamily="34" charset="0"/>
@@ -21192,7 +21437,7 @@
                   </a:ext>
                 </a:extLst>
               </a:tr>
-              <a:tr h="231246">
+              <a:tr h="240382">
                 <a:tc>
                   <a:txBody>
                     <a:bodyPr/>
@@ -21359,12 +21604,12 @@
                         </a:spcAft>
                       </a:pPr>
                       <a:r>
-                        <a:rPr lang="pl-PL" sz="1300">
+                        <a:rPr lang="pl-PL" sz="1300" dirty="0">
                           <a:effectLst/>
                         </a:rPr>
                         <a:t>154375</a:t>
                       </a:r>
-                      <a:endParaRPr lang="pl-PL" sz="1300">
+                      <a:endParaRPr lang="pl-PL" sz="1300" dirty="0">
                         <a:effectLst/>
                         <a:latin typeface="Calibri" panose="020F0502020204030204" pitchFamily="34" charset="0"/>
                         <a:ea typeface="Calibri" panose="020F0502020204030204" pitchFamily="34" charset="0"/>
@@ -21449,25 +21694,27 @@
       </p:sp>
       <p:graphicFrame>
         <p:nvGraphicFramePr>
-          <p:cNvPr id="5" name="Wykres 4">
+          <p:cNvPr id="4" name="Wykres 3">
             <a:extLst>
               <a:ext uri="{FF2B5EF4-FFF2-40B4-BE49-F238E27FC236}">
                 <a16:creationId xmlns:a16="http://schemas.microsoft.com/office/drawing/2014/main" id="{8B57DF90-CB37-4ED5-823D-0F0C2C07A5ED}"/>
               </a:ext>
             </a:extLst>
           </p:cNvPr>
-          <p:cNvGraphicFramePr/>
+          <p:cNvGraphicFramePr>
+            <a:graphicFrameLocks/>
+          </p:cNvGraphicFramePr>
           <p:nvPr>
             <p:extLst>
               <p:ext uri="{D42A27DB-BD31-4B8C-83A1-F6EECF244321}">
-                <p14:modId xmlns:p14="http://schemas.microsoft.com/office/powerpoint/2010/main" val="3099011882"/>
+                <p14:modId xmlns:p14="http://schemas.microsoft.com/office/powerpoint/2010/main" val="1473000498"/>
               </p:ext>
             </p:extLst>
           </p:nvPr>
         </p:nvGraphicFramePr>
         <p:xfrm>
-          <a:off x="666565" y="1438181"/>
-          <a:ext cx="10946167" cy="5033639"/>
+          <a:off x="948022" y="1837307"/>
+          <a:ext cx="10664710" cy="4080223"/>
         </p:xfrm>
         <a:graphic>
           <a:graphicData uri="http://schemas.openxmlformats.org/drawingml/2006/chart">
@@ -21563,13 +21810,13 @@
             <p:ph idx="1"/>
             <p:extLst>
               <p:ext uri="{D42A27DB-BD31-4B8C-83A1-F6EECF244321}">
-                <p14:modId xmlns:p14="http://schemas.microsoft.com/office/powerpoint/2010/main" val="3409300421"/>
+                <p14:modId xmlns:p14="http://schemas.microsoft.com/office/powerpoint/2010/main" val="3344623946"/>
               </p:ext>
             </p:extLst>
           </p:nvPr>
         </p:nvGraphicFramePr>
         <p:xfrm>
-          <a:off x="4935984" y="1180132"/>
+          <a:off x="5084466" y="1238634"/>
           <a:ext cx="6229983" cy="4803427"/>
         </p:xfrm>
         <a:graphic>
@@ -21616,12 +21863,12 @@
                         </a:spcAft>
                       </a:pPr>
                       <a:r>
-                        <a:rPr lang="pl-PL" sz="1100">
+                        <a:rPr lang="pl-PL" sz="1100" dirty="0">
                           <a:effectLst/>
                         </a:rPr>
                         <a:t>Ilość wątków</a:t>
                       </a:r>
-                      <a:endParaRPr lang="pl-PL" sz="1100">
+                      <a:endParaRPr lang="pl-PL" sz="1100" dirty="0">
                         <a:effectLst/>
                         <a:latin typeface="Calibri" panose="020F0502020204030204" pitchFamily="34" charset="0"/>
                         <a:ea typeface="Calibri" panose="020F0502020204030204" pitchFamily="34" charset="0"/>
@@ -21739,12 +21986,12 @@
                         </a:spcAft>
                       </a:pPr>
                       <a:r>
-                        <a:rPr lang="pl-PL" sz="1100">
+                        <a:rPr lang="pl-PL" sz="1100" dirty="0">
                           <a:effectLst/>
                         </a:rPr>
                         <a:t>25800</a:t>
                       </a:r>
-                      <a:endParaRPr lang="pl-PL" sz="1100">
+                      <a:endParaRPr lang="pl-PL" sz="1100" dirty="0">
                         <a:effectLst/>
                         <a:latin typeface="Calibri" panose="020F0502020204030204" pitchFamily="34" charset="0"/>
                         <a:ea typeface="Calibri" panose="020F0502020204030204" pitchFamily="34" charset="0"/>
@@ -23733,7 +23980,7 @@
       </p:sp>
       <p:graphicFrame>
         <p:nvGraphicFramePr>
-          <p:cNvPr id="4" name="Symbol zastępczy zawartości 3">
+          <p:cNvPr id="5" name="Symbol zastępczy zawartości 3">
             <a:extLst>
               <a:ext uri="{FF2B5EF4-FFF2-40B4-BE49-F238E27FC236}">
                 <a16:creationId xmlns:a16="http://schemas.microsoft.com/office/drawing/2014/main" id="{C9D031A7-2693-465D-9254-2967E67D50C6}"/>
